--- a/Powerpoints/4 Best Practices.pptx
+++ b/Powerpoints/4 Best Practices.pptx
@@ -10,15 +10,25 @@
     <p:sldId id="301" r:id="rId4"/>
     <p:sldId id="302" r:id="rId5"/>
     <p:sldId id="304" r:id="rId6"/>
-    <p:sldId id="303" r:id="rId7"/>
-    <p:sldId id="305" r:id="rId8"/>
-    <p:sldId id="306" r:id="rId9"/>
-    <p:sldId id="307" r:id="rId10"/>
-    <p:sldId id="308" r:id="rId11"/>
-    <p:sldId id="309" r:id="rId12"/>
-    <p:sldId id="311" r:id="rId13"/>
-    <p:sldId id="312" r:id="rId14"/>
-    <p:sldId id="310" r:id="rId15"/>
+    <p:sldId id="313" r:id="rId7"/>
+    <p:sldId id="314" r:id="rId8"/>
+    <p:sldId id="316" r:id="rId9"/>
+    <p:sldId id="317" r:id="rId10"/>
+    <p:sldId id="318" r:id="rId11"/>
+    <p:sldId id="319" r:id="rId12"/>
+    <p:sldId id="320" r:id="rId13"/>
+    <p:sldId id="321" r:id="rId14"/>
+    <p:sldId id="322" r:id="rId15"/>
+    <p:sldId id="324" r:id="rId16"/>
+    <p:sldId id="315" r:id="rId17"/>
+    <p:sldId id="303" r:id="rId18"/>
+    <p:sldId id="305" r:id="rId19"/>
+    <p:sldId id="306" r:id="rId20"/>
+    <p:sldId id="307" r:id="rId21"/>
+    <p:sldId id="308" r:id="rId22"/>
+    <p:sldId id="309" r:id="rId23"/>
+    <p:sldId id="312" r:id="rId24"/>
+    <p:sldId id="310" r:id="rId25"/>
   </p:sldIdLst>
   <p:sldSz cx="12192000" cy="6858000"/>
   <p:notesSz cx="6858000" cy="9144000"/>
@@ -272,7 +282,7 @@
           <a:p>
             <a:fld id="{098A4ECB-EC76-924E-90B3-9C855F770987}" type="datetimeFigureOut">
               <a:rPr lang="en-US" smtClean="0"/>
-              <a:t>9/19/21</a:t>
+              <a:t>12/27/21</a:t>
             </a:fld>
             <a:endParaRPr lang="en-US"/>
           </a:p>
@@ -470,7 +480,7 @@
           <a:p>
             <a:fld id="{098A4ECB-EC76-924E-90B3-9C855F770987}" type="datetimeFigureOut">
               <a:rPr lang="en-US" smtClean="0"/>
-              <a:t>9/19/21</a:t>
+              <a:t>12/27/21</a:t>
             </a:fld>
             <a:endParaRPr lang="en-US"/>
           </a:p>
@@ -678,7 +688,7 @@
           <a:p>
             <a:fld id="{098A4ECB-EC76-924E-90B3-9C855F770987}" type="datetimeFigureOut">
               <a:rPr lang="en-US" smtClean="0"/>
-              <a:t>9/19/21</a:t>
+              <a:t>12/27/21</a:t>
             </a:fld>
             <a:endParaRPr lang="en-US"/>
           </a:p>
@@ -876,7 +886,7 @@
           <a:p>
             <a:fld id="{098A4ECB-EC76-924E-90B3-9C855F770987}" type="datetimeFigureOut">
               <a:rPr lang="en-US" smtClean="0"/>
-              <a:t>9/19/21</a:t>
+              <a:t>12/27/21</a:t>
             </a:fld>
             <a:endParaRPr lang="en-US"/>
           </a:p>
@@ -1151,7 +1161,7 @@
           <a:p>
             <a:fld id="{098A4ECB-EC76-924E-90B3-9C855F770987}" type="datetimeFigureOut">
               <a:rPr lang="en-US" smtClean="0"/>
-              <a:t>9/19/21</a:t>
+              <a:t>12/27/21</a:t>
             </a:fld>
             <a:endParaRPr lang="en-US"/>
           </a:p>
@@ -1416,7 +1426,7 @@
           <a:p>
             <a:fld id="{098A4ECB-EC76-924E-90B3-9C855F770987}" type="datetimeFigureOut">
               <a:rPr lang="en-US" smtClean="0"/>
-              <a:t>9/19/21</a:t>
+              <a:t>12/27/21</a:t>
             </a:fld>
             <a:endParaRPr lang="en-US"/>
           </a:p>
@@ -1828,7 +1838,7 @@
           <a:p>
             <a:fld id="{098A4ECB-EC76-924E-90B3-9C855F770987}" type="datetimeFigureOut">
               <a:rPr lang="en-US" smtClean="0"/>
-              <a:t>9/19/21</a:t>
+              <a:t>12/27/21</a:t>
             </a:fld>
             <a:endParaRPr lang="en-US"/>
           </a:p>
@@ -1969,7 +1979,7 @@
           <a:p>
             <a:fld id="{098A4ECB-EC76-924E-90B3-9C855F770987}" type="datetimeFigureOut">
               <a:rPr lang="en-US" smtClean="0"/>
-              <a:t>9/19/21</a:t>
+              <a:t>12/27/21</a:t>
             </a:fld>
             <a:endParaRPr lang="en-US"/>
           </a:p>
@@ -2082,7 +2092,7 @@
           <a:p>
             <a:fld id="{098A4ECB-EC76-924E-90B3-9C855F770987}" type="datetimeFigureOut">
               <a:rPr lang="en-US" smtClean="0"/>
-              <a:t>9/19/21</a:t>
+              <a:t>12/27/21</a:t>
             </a:fld>
             <a:endParaRPr lang="en-US"/>
           </a:p>
@@ -2393,7 +2403,7 @@
           <a:p>
             <a:fld id="{098A4ECB-EC76-924E-90B3-9C855F770987}" type="datetimeFigureOut">
               <a:rPr lang="en-US" smtClean="0"/>
-              <a:t>9/19/21</a:t>
+              <a:t>12/27/21</a:t>
             </a:fld>
             <a:endParaRPr lang="en-US"/>
           </a:p>
@@ -2681,7 +2691,7 @@
           <a:p>
             <a:fld id="{098A4ECB-EC76-924E-90B3-9C855F770987}" type="datetimeFigureOut">
               <a:rPr lang="en-US" smtClean="0"/>
-              <a:t>9/19/21</a:t>
+              <a:t>12/27/21</a:t>
             </a:fld>
             <a:endParaRPr lang="en-US"/>
           </a:p>
@@ -2922,7 +2932,7 @@
           <a:p>
             <a:fld id="{098A4ECB-EC76-924E-90B3-9C855F770987}" type="datetimeFigureOut">
               <a:rPr lang="en-US" smtClean="0"/>
-              <a:t>9/19/21</a:t>
+              <a:t>12/27/21</a:t>
             </a:fld>
             <a:endParaRPr lang="en-US"/>
           </a:p>
@@ -3392,15 +3402,7 @@
           <a:p>
             <a:r>
               <a:rPr lang="en-US" dirty="0"/>
-              <a:t>Julian Hsu (@</a:t>
-            </a:r>
-            <a:r>
-              <a:rPr lang="en-US" dirty="0" err="1"/>
-              <a:t>hsujulia</a:t>
-            </a:r>
-            <a:r>
-              <a:rPr lang="en-US" dirty="0"/>
-              <a:t>)</a:t>
+              <a:t>Julian Hsu</a:t>
             </a:r>
           </a:p>
         </p:txBody>
@@ -3437,10 +3439,10 @@
       </p:grpSpPr>
       <p:sp>
         <p:nvSpPr>
-          <p:cNvPr id="4" name="Title 3">
-            <a:extLst>
-              <a:ext uri="{FF2B5EF4-FFF2-40B4-BE49-F238E27FC236}">
-                <a16:creationId xmlns:a16="http://schemas.microsoft.com/office/drawing/2014/main" id="{81203072-0A89-A743-98A8-624657DC9B25}"/>
+          <p:cNvPr id="2" name="Title 1">
+            <a:extLst>
+              <a:ext uri="{FF2B5EF4-FFF2-40B4-BE49-F238E27FC236}">
+                <a16:creationId xmlns:a16="http://schemas.microsoft.com/office/drawing/2014/main" id="{98B29A2C-6ACF-AC4D-A046-582DEB231B2F}"/>
               </a:ext>
             </a:extLst>
           </p:cNvPr>
@@ -3451,47 +3453,208 @@
             <p:ph type="title"/>
           </p:nvPr>
         </p:nvSpPr>
-        <p:spPr/>
+        <p:spPr>
+          <a:xfrm>
+            <a:off x="838199" y="365125"/>
+            <a:ext cx="10598063" cy="624431"/>
+          </a:xfrm>
+        </p:spPr>
         <p:txBody>
-          <a:bodyPr/>
+          <a:bodyPr>
+            <a:normAutofit fontScale="90000"/>
+          </a:bodyPr>
           <a:lstStyle/>
           <a:p>
             <a:r>
               <a:rPr lang="en-US" dirty="0"/>
-              <a:t>D. Bad Control</a:t>
+              <a:t>Simulation results on the bias</a:t>
             </a:r>
           </a:p>
         </p:txBody>
       </p:sp>
-      <p:sp>
-        <p:nvSpPr>
-          <p:cNvPr id="5" name="Text Placeholder 4">
-            <a:extLst>
-              <a:ext uri="{FF2B5EF4-FFF2-40B4-BE49-F238E27FC236}">
-                <a16:creationId xmlns:a16="http://schemas.microsoft.com/office/drawing/2014/main" id="{527E5198-97A2-E64B-A776-B5417264E81F}"/>
-              </a:ext>
-            </a:extLst>
-          </p:cNvPr>
-          <p:cNvSpPr>
-            <a:spLocks noGrp="1"/>
-          </p:cNvSpPr>
+      <mc:AlternateContent xmlns:mc="http://schemas.openxmlformats.org/markup-compatibility/2006">
+        <mc:Choice xmlns:a14="http://schemas.microsoft.com/office/drawing/2010/main" Requires="a14">
+          <p:sp>
+            <p:nvSpPr>
+              <p:cNvPr id="5" name="TextBox 4">
+                <a:extLst>
+                  <a:ext uri="{FF2B5EF4-FFF2-40B4-BE49-F238E27FC236}">
+                    <a16:creationId xmlns:a16="http://schemas.microsoft.com/office/drawing/2014/main" id="{E5091752-A053-474B-A648-4069D20AD496}"/>
+                  </a:ext>
+                </a:extLst>
+              </p:cNvPr>
+              <p:cNvSpPr txBox="1"/>
+              <p:nvPr/>
+            </p:nvSpPr>
+            <p:spPr>
+              <a:xfrm>
+                <a:off x="8258661" y="1490596"/>
+                <a:ext cx="3616013" cy="4832092"/>
+              </a:xfrm>
+              <a:prstGeom prst="rect">
+                <a:avLst/>
+              </a:prstGeom>
+              <a:noFill/>
+            </p:spPr>
+            <p:txBody>
+              <a:bodyPr wrap="square" rtlCol="0">
+                <a:spAutoFit/>
+              </a:bodyPr>
+              <a:lstStyle/>
+              <a:p>
+                <a:pPr marL="457200" indent="-457200">
+                  <a:buFont typeface="Arial" panose="020B0604020202020204" pitchFamily="34" charset="0"/>
+                  <a:buChar char="•"/>
+                </a:pPr>
+                <a:r>
+                  <a:rPr lang="en-US" sz="2800" dirty="0"/>
+                  <a:t>With and without outliers, the estimate </a:t>
+                </a:r>
+                <a14:m>
+                  <m:oMath xmlns:m="http://schemas.openxmlformats.org/officeDocument/2006/math">
+                    <m:acc>
+                      <m:accPr>
+                        <m:chr m:val="̂"/>
+                        <m:ctrlPr>
+                          <a:rPr lang="en-US" sz="2800" b="0" i="1" smtClean="0">
+                            <a:latin typeface="Cambria Math" panose="02040503050406030204" pitchFamily="18" charset="0"/>
+                          </a:rPr>
+                        </m:ctrlPr>
+                      </m:accPr>
+                      <m:e>
+                        <m:r>
+                          <a:rPr lang="en-US" sz="2800" i="1">
+                            <a:latin typeface="Cambria Math" panose="02040503050406030204" pitchFamily="18" charset="0"/>
+                          </a:rPr>
+                          <m:t>𝜏</m:t>
+                        </m:r>
+                      </m:e>
+                    </m:acc>
+                  </m:oMath>
+                </a14:m>
+                <a:r>
+                  <a:rPr lang="en-US" sz="2800" dirty="0"/>
+                  <a:t> has small bias. </a:t>
+                </a:r>
+              </a:p>
+              <a:p>
+                <a:pPr marL="457200" indent="-457200">
+                  <a:buFont typeface="Arial" panose="020B0604020202020204" pitchFamily="34" charset="0"/>
+                  <a:buChar char="•"/>
+                </a:pPr>
+                <a:r>
+                  <a:rPr lang="en-US" sz="2800" dirty="0"/>
+                  <a:t>However, with outliers, the confidence intervals are much larger due the additional statistical noise.</a:t>
+                </a:r>
+              </a:p>
+              <a:p>
+                <a:pPr marL="457200" indent="-457200">
+                  <a:buFont typeface="Arial" panose="020B0604020202020204" pitchFamily="34" charset="0"/>
+                  <a:buChar char="•"/>
+                </a:pPr>
+                <a:endParaRPr lang="en-US" sz="2800" dirty="0"/>
+              </a:p>
+            </p:txBody>
+          </p:sp>
+        </mc:Choice>
+        <mc:Fallback>
+          <p:sp>
+            <p:nvSpPr>
+              <p:cNvPr id="5" name="TextBox 4">
+                <a:extLst>
+                  <a:ext uri="{FF2B5EF4-FFF2-40B4-BE49-F238E27FC236}">
+                    <a16:creationId xmlns:a16="http://schemas.microsoft.com/office/drawing/2014/main" id="{E5091752-A053-474B-A648-4069D20AD496}"/>
+                  </a:ext>
+                </a:extLst>
+              </p:cNvPr>
+              <p:cNvSpPr txBox="1">
+                <a:spLocks noRot="1" noChangeAspect="1" noMove="1" noResize="1" noEditPoints="1" noAdjustHandles="1" noChangeArrowheads="1" noChangeShapeType="1" noTextEdit="1"/>
+              </p:cNvSpPr>
+              <p:nvPr/>
+            </p:nvSpPr>
+            <p:spPr>
+              <a:xfrm>
+                <a:off x="8258661" y="1490596"/>
+                <a:ext cx="3616013" cy="4832092"/>
+              </a:xfrm>
+              <a:prstGeom prst="rect">
+                <a:avLst/>
+              </a:prstGeom>
+              <a:blipFill>
+                <a:blip r:embed="rId2"/>
+                <a:stretch>
+                  <a:fillRect l="-3147" t="-1312" r="-4196"/>
+                </a:stretch>
+              </a:blipFill>
+            </p:spPr>
+            <p:txBody>
+              <a:bodyPr/>
+              <a:lstStyle/>
+              <a:p>
+                <a:r>
+                  <a:rPr lang="en-US">
+                    <a:noFill/>
+                  </a:rPr>
+                  <a:t> </a:t>
+                </a:r>
+              </a:p>
+            </p:txBody>
+          </p:sp>
+        </mc:Fallback>
+      </mc:AlternateContent>
+      <p:pic>
+        <p:nvPicPr>
+          <p:cNvPr id="2056" name="Picture 8">
+            <a:extLst>
+              <a:ext uri="{FF2B5EF4-FFF2-40B4-BE49-F238E27FC236}">
+                <a16:creationId xmlns:a16="http://schemas.microsoft.com/office/drawing/2014/main" id="{4CFAB416-A3E3-0346-AEC6-D71941EF08A8}"/>
+              </a:ext>
+            </a:extLst>
+          </p:cNvPr>
+          <p:cNvPicPr>
+            <a:picLocks noGrp="1" noChangeAspect="1" noChangeArrowheads="1"/>
+          </p:cNvPicPr>
           <p:nvPr>
-            <p:ph type="body" idx="1"/>
+            <p:ph idx="1"/>
           </p:nvPr>
-        </p:nvSpPr>
-        <p:spPr/>
-        <p:txBody>
-          <a:bodyPr/>
-          <a:lstStyle/>
-          <a:p>
-            <a:endParaRPr lang="en-US"/>
-          </a:p>
-        </p:txBody>
-      </p:sp>
+        </p:nvPicPr>
+        <p:blipFill>
+          <a:blip r:embed="rId3">
+            <a:extLst>
+              <a:ext uri="{28A0092B-C50C-407E-A947-70E740481C1C}">
+                <a14:useLocalDpi xmlns:a14="http://schemas.microsoft.com/office/drawing/2010/main" val="0"/>
+              </a:ext>
+            </a:extLst>
+          </a:blip>
+          <a:srcRect/>
+          <a:stretch>
+            <a:fillRect/>
+          </a:stretch>
+        </p:blipFill>
+        <p:spPr bwMode="auto">
+          <a:xfrm>
+            <a:off x="0" y="1253331"/>
+            <a:ext cx="8258661" cy="4351338"/>
+          </a:xfrm>
+          <a:prstGeom prst="rect">
+            <a:avLst/>
+          </a:prstGeom>
+          <a:noFill/>
+          <a:extLst>
+            <a:ext uri="{909E8E84-426E-40DD-AFC4-6F175D3DCCD1}">
+              <a14:hiddenFill xmlns:a14="http://schemas.microsoft.com/office/drawing/2010/main">
+                <a:solidFill>
+                  <a:srgbClr val="FFFFFF"/>
+                </a:solidFill>
+              </a14:hiddenFill>
+            </a:ext>
+          </a:extLst>
+        </p:spPr>
+      </p:pic>
     </p:spTree>
     <p:extLst>
       <p:ext uri="{BB962C8B-B14F-4D97-AF65-F5344CB8AC3E}">
-        <p14:creationId xmlns:p14="http://schemas.microsoft.com/office/powerpoint/2010/main" val="255999913"/>
+        <p14:creationId xmlns:p14="http://schemas.microsoft.com/office/powerpoint/2010/main" val="2743249462"/>
       </p:ext>
     </p:extLst>
   </p:cSld>
@@ -3518,60 +3681,468 @@
           <a:chExt cx="0" cy="0"/>
         </a:xfrm>
       </p:grpSpPr>
-      <p:sp>
-        <p:nvSpPr>
-          <p:cNvPr id="4" name="Title 3">
-            <a:extLst>
-              <a:ext uri="{FF2B5EF4-FFF2-40B4-BE49-F238E27FC236}">
-                <a16:creationId xmlns:a16="http://schemas.microsoft.com/office/drawing/2014/main" id="{6210D7AA-6874-D14C-ABFB-35F399DD76C6}"/>
-              </a:ext>
-            </a:extLst>
-          </p:cNvPr>
-          <p:cNvSpPr>
-            <a:spLocks noGrp="1"/>
-          </p:cNvSpPr>
-          <p:nvPr>
-            <p:ph type="title"/>
-          </p:nvPr>
-        </p:nvSpPr>
-        <p:spPr/>
-        <p:txBody>
-          <a:bodyPr/>
-          <a:lstStyle/>
-          <a:p>
-            <a:endParaRPr lang="en-US"/>
-          </a:p>
-        </p:txBody>
-      </p:sp>
-      <p:sp>
-        <p:nvSpPr>
-          <p:cNvPr id="5" name="Content Placeholder 4">
-            <a:extLst>
-              <a:ext uri="{FF2B5EF4-FFF2-40B4-BE49-F238E27FC236}">
-                <a16:creationId xmlns:a16="http://schemas.microsoft.com/office/drawing/2014/main" id="{59F2A1D3-6A45-2A4E-92BD-B25DA800456E}"/>
-              </a:ext>
-            </a:extLst>
-          </p:cNvPr>
-          <p:cNvSpPr>
-            <a:spLocks noGrp="1"/>
-          </p:cNvSpPr>
-          <p:nvPr>
-            <p:ph idx="1"/>
-          </p:nvPr>
-        </p:nvSpPr>
-        <p:spPr/>
-        <p:txBody>
-          <a:bodyPr/>
-          <a:lstStyle/>
-          <a:p>
-            <a:endParaRPr lang="en-US"/>
-          </a:p>
-        </p:txBody>
-      </p:sp>
+      <mc:AlternateContent xmlns:mc="http://schemas.openxmlformats.org/markup-compatibility/2006">
+        <mc:Choice xmlns:a14="http://schemas.microsoft.com/office/drawing/2010/main" Requires="a14">
+          <p:sp>
+            <p:nvSpPr>
+              <p:cNvPr id="2" name="Title 1">
+                <a:extLst>
+                  <a:ext uri="{FF2B5EF4-FFF2-40B4-BE49-F238E27FC236}">
+                    <a16:creationId xmlns:a16="http://schemas.microsoft.com/office/drawing/2014/main" id="{B8C9110F-1F5B-AB40-80A0-1DC123E57C68}"/>
+                  </a:ext>
+                </a:extLst>
+              </p:cNvPr>
+              <p:cNvSpPr>
+                <a:spLocks noGrp="1"/>
+              </p:cNvSpPr>
+              <p:nvPr>
+                <p:ph type="title"/>
+              </p:nvPr>
+            </p:nvSpPr>
+            <p:spPr/>
+            <p:txBody>
+              <a:bodyPr/>
+              <a:lstStyle/>
+              <a:p>
+                <a:r>
+                  <a:rPr lang="en-US" dirty="0"/>
+                  <a:t>Outlier </a:t>
+                </a:r>
+                <a14:m>
+                  <m:oMath xmlns:m="http://schemas.openxmlformats.org/officeDocument/2006/math">
+                    <m:sSub>
+                      <m:sSubPr>
+                        <m:ctrlPr>
+                          <a:rPr lang="en-US" i="1">
+                            <a:latin typeface="Cambria Math" panose="02040503050406030204" pitchFamily="18" charset="0"/>
+                          </a:rPr>
+                        </m:ctrlPr>
+                      </m:sSubPr>
+                      <m:e>
+                        <m:r>
+                          <a:rPr lang="en-US" i="1">
+                            <a:latin typeface="Cambria Math" panose="02040503050406030204" pitchFamily="18" charset="0"/>
+                          </a:rPr>
+                          <m:t>𝑌</m:t>
+                        </m:r>
+                      </m:e>
+                      <m:sub>
+                        <m:r>
+                          <a:rPr lang="en-US" i="1">
+                            <a:latin typeface="Cambria Math" panose="02040503050406030204" pitchFamily="18" charset="0"/>
+                          </a:rPr>
+                          <m:t>𝑖</m:t>
+                        </m:r>
+                      </m:sub>
+                    </m:sSub>
+                  </m:oMath>
+                </a14:m>
+                <a:r>
+                  <a:rPr lang="en-US" dirty="0"/>
+                  <a:t> values due to large values of </a:t>
+                </a:r>
+                <a14:m>
+                  <m:oMath xmlns:m="http://schemas.openxmlformats.org/officeDocument/2006/math">
+                    <m:sSub>
+                      <m:sSubPr>
+                        <m:ctrlPr>
+                          <a:rPr lang="en-US" b="0" i="1" smtClean="0">
+                            <a:latin typeface="Cambria Math" panose="02040503050406030204" pitchFamily="18" charset="0"/>
+                          </a:rPr>
+                        </m:ctrlPr>
+                      </m:sSubPr>
+                      <m:e>
+                        <m:r>
+                          <m:rPr>
+                            <m:sty m:val="p"/>
+                          </m:rPr>
+                          <a:rPr lang="en-US" b="0" i="0" smtClean="0">
+                            <a:latin typeface="Cambria Math" panose="02040503050406030204" pitchFamily="18" charset="0"/>
+                          </a:rPr>
+                          <m:t>X</m:t>
+                        </m:r>
+                      </m:e>
+                      <m:sub>
+                        <m:r>
+                          <a:rPr lang="en-US" b="0" i="1" smtClean="0">
+                            <a:latin typeface="Cambria Math" panose="02040503050406030204" pitchFamily="18" charset="0"/>
+                          </a:rPr>
+                          <m:t>𝑖</m:t>
+                        </m:r>
+                      </m:sub>
+                    </m:sSub>
+                  </m:oMath>
+                </a14:m>
+                <a:endParaRPr lang="en-US" dirty="0"/>
+              </a:p>
+            </p:txBody>
+          </p:sp>
+        </mc:Choice>
+        <mc:Fallback>
+          <p:sp>
+            <p:nvSpPr>
+              <p:cNvPr id="2" name="Title 1">
+                <a:extLst>
+                  <a:ext uri="{FF2B5EF4-FFF2-40B4-BE49-F238E27FC236}">
+                    <a16:creationId xmlns:a16="http://schemas.microsoft.com/office/drawing/2014/main" id="{B8C9110F-1F5B-AB40-80A0-1DC123E57C68}"/>
+                  </a:ext>
+                </a:extLst>
+              </p:cNvPr>
+              <p:cNvSpPr>
+                <a:spLocks noGrp="1" noRot="1" noChangeAspect="1" noMove="1" noResize="1" noEditPoints="1" noAdjustHandles="1" noChangeArrowheads="1" noChangeShapeType="1" noTextEdit="1"/>
+              </p:cNvSpPr>
+              <p:nvPr>
+                <p:ph type="title"/>
+              </p:nvPr>
+            </p:nvSpPr>
+            <p:spPr>
+              <a:blipFill>
+                <a:blip r:embed="rId2"/>
+                <a:stretch>
+                  <a:fillRect l="-2413"/>
+                </a:stretch>
+              </a:blipFill>
+            </p:spPr>
+            <p:txBody>
+              <a:bodyPr/>
+              <a:lstStyle/>
+              <a:p>
+                <a:r>
+                  <a:rPr lang="en-US">
+                    <a:noFill/>
+                  </a:rPr>
+                  <a:t> </a:t>
+                </a:r>
+              </a:p>
+            </p:txBody>
+          </p:sp>
+        </mc:Fallback>
+      </mc:AlternateContent>
+      <mc:AlternateContent xmlns:mc="http://schemas.openxmlformats.org/markup-compatibility/2006">
+        <mc:Choice xmlns:a14="http://schemas.microsoft.com/office/drawing/2010/main" Requires="a14">
+          <p:sp>
+            <p:nvSpPr>
+              <p:cNvPr id="3" name="Content Placeholder 2">
+                <a:extLst>
+                  <a:ext uri="{FF2B5EF4-FFF2-40B4-BE49-F238E27FC236}">
+                    <a16:creationId xmlns:a16="http://schemas.microsoft.com/office/drawing/2014/main" id="{97EFB65D-8749-534A-9873-6B957D158339}"/>
+                  </a:ext>
+                </a:extLst>
+              </p:cNvPr>
+              <p:cNvSpPr>
+                <a:spLocks noGrp="1"/>
+              </p:cNvSpPr>
+              <p:nvPr>
+                <p:ph idx="1"/>
+              </p:nvPr>
+            </p:nvSpPr>
+            <p:spPr/>
+            <p:txBody>
+              <a:bodyPr/>
+              <a:lstStyle/>
+              <a:p>
+                <a:r>
+                  <a:rPr lang="en-US" dirty="0"/>
+                  <a:t>This is a much larger concern because large values of </a:t>
+                </a:r>
+                <a14:m>
+                  <m:oMath xmlns:m="http://schemas.openxmlformats.org/officeDocument/2006/math">
+                    <m:sSub>
+                      <m:sSubPr>
+                        <m:ctrlPr>
+                          <a:rPr lang="en-US" i="1">
+                            <a:latin typeface="Cambria Math" panose="02040503050406030204" pitchFamily="18" charset="0"/>
+                          </a:rPr>
+                        </m:ctrlPr>
+                      </m:sSubPr>
+                      <m:e>
+                        <m:r>
+                          <a:rPr lang="en-US" i="1">
+                            <a:latin typeface="Cambria Math" panose="02040503050406030204" pitchFamily="18" charset="0"/>
+                          </a:rPr>
+                          <m:t>𝑌</m:t>
+                        </m:r>
+                      </m:e>
+                      <m:sub>
+                        <m:r>
+                          <a:rPr lang="en-US" i="1">
+                            <a:latin typeface="Cambria Math" panose="02040503050406030204" pitchFamily="18" charset="0"/>
+                          </a:rPr>
+                          <m:t>𝑖</m:t>
+                        </m:r>
+                      </m:sub>
+                    </m:sSub>
+                  </m:oMath>
+                </a14:m>
+                <a:r>
+                  <a:rPr lang="en-US" dirty="0"/>
+                  <a:t> are not driven by random noise. This means that conditioning on </a:t>
+                </a:r>
+                <a14:m>
+                  <m:oMath xmlns:m="http://schemas.openxmlformats.org/officeDocument/2006/math">
+                    <m:sSub>
+                      <m:sSubPr>
+                        <m:ctrlPr>
+                          <a:rPr lang="en-US" b="0" i="1" smtClean="0">
+                            <a:latin typeface="Cambria Math" panose="02040503050406030204" pitchFamily="18" charset="0"/>
+                          </a:rPr>
+                        </m:ctrlPr>
+                      </m:sSubPr>
+                      <m:e>
+                        <m:r>
+                          <a:rPr lang="en-US" b="0" i="1" smtClean="0">
+                            <a:latin typeface="Cambria Math" panose="02040503050406030204" pitchFamily="18" charset="0"/>
+                          </a:rPr>
+                          <m:t>𝑋</m:t>
+                        </m:r>
+                      </m:e>
+                      <m:sub>
+                        <m:r>
+                          <a:rPr lang="en-US" b="0" i="1" smtClean="0">
+                            <a:latin typeface="Cambria Math" panose="02040503050406030204" pitchFamily="18" charset="0"/>
+                          </a:rPr>
+                          <m:t>𝑖</m:t>
+                        </m:r>
+                      </m:sub>
+                    </m:sSub>
+                    <m:r>
+                      <a:rPr lang="en-US" b="0" i="0" smtClean="0">
+                        <a:latin typeface="Cambria Math" panose="02040503050406030204" pitchFamily="18" charset="0"/>
+                      </a:rPr>
+                      <m:t> </m:t>
+                    </m:r>
+                  </m:oMath>
+                </a14:m>
+                <a:r>
+                  <a:rPr lang="en-US" dirty="0"/>
+                  <a:t>raises theoretical concerns.</a:t>
+                </a:r>
+              </a:p>
+              <a:p>
+                <a:r>
+                  <a:rPr lang="en-US" dirty="0"/>
+                  <a:t>In a simulation similar to before, outlier values of </a:t>
+                </a:r>
+                <a14:m>
+                  <m:oMath xmlns:m="http://schemas.openxmlformats.org/officeDocument/2006/math">
+                    <m:sSub>
+                      <m:sSubPr>
+                        <m:ctrlPr>
+                          <a:rPr lang="en-US" i="1">
+                            <a:latin typeface="Cambria Math" panose="02040503050406030204" pitchFamily="18" charset="0"/>
+                          </a:rPr>
+                        </m:ctrlPr>
+                      </m:sSubPr>
+                      <m:e>
+                        <m:r>
+                          <a:rPr lang="en-US" i="1">
+                            <a:latin typeface="Cambria Math" panose="02040503050406030204" pitchFamily="18" charset="0"/>
+                          </a:rPr>
+                          <m:t>𝑋</m:t>
+                        </m:r>
+                      </m:e>
+                      <m:sub>
+                        <m:r>
+                          <a:rPr lang="en-US" i="1">
+                            <a:latin typeface="Cambria Math" panose="02040503050406030204" pitchFamily="18" charset="0"/>
+                          </a:rPr>
+                          <m:t>1</m:t>
+                        </m:r>
+                        <m:r>
+                          <a:rPr lang="en-US" i="1">
+                            <a:latin typeface="Cambria Math" panose="02040503050406030204" pitchFamily="18" charset="0"/>
+                          </a:rPr>
+                          <m:t>𝑖</m:t>
+                        </m:r>
+                      </m:sub>
+                    </m:sSub>
+                    <m:r>
+                      <a:rPr lang="en-US" i="1">
+                        <a:latin typeface="Cambria Math" panose="02040503050406030204" pitchFamily="18" charset="0"/>
+                      </a:rPr>
+                      <m:t> </m:t>
+                    </m:r>
+                    <m:r>
+                      <m:rPr>
+                        <m:nor/>
+                      </m:rPr>
+                      <a:rPr lang="en-US">
+                        <a:latin typeface="Cambria Math" panose="02040503050406030204" pitchFamily="18" charset="0"/>
+                      </a:rPr>
+                      <m:t>and</m:t>
+                    </m:r>
+                    <m:r>
+                      <a:rPr lang="en-US" i="1">
+                        <a:latin typeface="Cambria Math" panose="02040503050406030204" pitchFamily="18" charset="0"/>
+                      </a:rPr>
+                      <m:t> </m:t>
+                    </m:r>
+                    <m:sSub>
+                      <m:sSubPr>
+                        <m:ctrlPr>
+                          <a:rPr lang="en-US" i="1">
+                            <a:latin typeface="Cambria Math" panose="02040503050406030204" pitchFamily="18" charset="0"/>
+                          </a:rPr>
+                        </m:ctrlPr>
+                      </m:sSubPr>
+                      <m:e>
+                        <m:r>
+                          <a:rPr lang="en-US" i="1">
+                            <a:latin typeface="Cambria Math" panose="02040503050406030204" pitchFamily="18" charset="0"/>
+                          </a:rPr>
+                          <m:t>𝑋</m:t>
+                        </m:r>
+                      </m:e>
+                      <m:sub>
+                        <m:r>
+                          <a:rPr lang="en-US" i="1">
+                            <a:latin typeface="Cambria Math" panose="02040503050406030204" pitchFamily="18" charset="0"/>
+                          </a:rPr>
+                          <m:t>2</m:t>
+                        </m:r>
+                        <m:r>
+                          <a:rPr lang="en-US" i="1">
+                            <a:latin typeface="Cambria Math" panose="02040503050406030204" pitchFamily="18" charset="0"/>
+                          </a:rPr>
+                          <m:t>𝑖</m:t>
+                        </m:r>
+                      </m:sub>
+                    </m:sSub>
+                  </m:oMath>
+                </a14:m>
+                <a:r>
+                  <a:rPr lang="en-US" dirty="0"/>
+                  <a:t> create outlier values of </a:t>
+                </a:r>
+                <a14:m>
+                  <m:oMath xmlns:m="http://schemas.openxmlformats.org/officeDocument/2006/math">
+                    <m:sSub>
+                      <m:sSubPr>
+                        <m:ctrlPr>
+                          <a:rPr lang="en-US" i="1">
+                            <a:latin typeface="Cambria Math" panose="02040503050406030204" pitchFamily="18" charset="0"/>
+                          </a:rPr>
+                        </m:ctrlPr>
+                      </m:sSubPr>
+                      <m:e>
+                        <m:r>
+                          <a:rPr lang="en-US" i="1">
+                            <a:latin typeface="Cambria Math" panose="02040503050406030204" pitchFamily="18" charset="0"/>
+                          </a:rPr>
+                          <m:t>𝑌</m:t>
+                        </m:r>
+                      </m:e>
+                      <m:sub>
+                        <m:r>
+                          <a:rPr lang="en-US" i="1">
+                            <a:latin typeface="Cambria Math" panose="02040503050406030204" pitchFamily="18" charset="0"/>
+                          </a:rPr>
+                          <m:t>𝑖</m:t>
+                        </m:r>
+                      </m:sub>
+                    </m:sSub>
+                  </m:oMath>
+                </a14:m>
+                <a:r>
+                  <a:rPr lang="en-US" dirty="0"/>
+                  <a:t>. The estimated ATE is </a:t>
+                </a:r>
+                <a:r>
+                  <a:rPr lang="en-US" b="1" dirty="0"/>
+                  <a:t>500% larger </a:t>
+                </a:r>
+                <a:r>
+                  <a:rPr lang="en-US" dirty="0"/>
+                  <a:t>than the true treatment effect.</a:t>
+                </a:r>
+              </a:p>
+              <a:p>
+                <a:r>
+                  <a:rPr lang="en-US" dirty="0"/>
+                  <a:t>Discuss three approaches:</a:t>
+                </a:r>
+              </a:p>
+              <a:p>
+                <a:pPr marL="914400" lvl="1" indent="-457200">
+                  <a:buAutoNum type="arabicPeriod"/>
+                </a:pPr>
+                <a:r>
+                  <a:rPr lang="en-US" dirty="0"/>
+                  <a:t>Conditioning on generated features;</a:t>
+                </a:r>
+              </a:p>
+              <a:p>
+                <a:pPr marL="914400" lvl="1" indent="-457200">
+                  <a:buAutoNum type="arabicPeriod"/>
+                </a:pPr>
+                <a:r>
+                  <a:rPr lang="en-US" dirty="0"/>
+                  <a:t>Truncation; </a:t>
+                </a:r>
+              </a:p>
+              <a:p>
+                <a:pPr marL="914400" lvl="1" indent="-457200">
+                  <a:buAutoNum type="arabicPeriod"/>
+                </a:pPr>
+                <a:r>
+                  <a:rPr lang="en-US" dirty="0" err="1"/>
+                  <a:t>Winsorization</a:t>
+                </a:r>
+                <a:endParaRPr lang="en-US" dirty="0"/>
+              </a:p>
+              <a:p>
+                <a:pPr marL="914400" lvl="1" indent="-457200">
+                  <a:buAutoNum type="arabicPeriod"/>
+                </a:pPr>
+                <a:endParaRPr lang="en-US" dirty="0"/>
+              </a:p>
+            </p:txBody>
+          </p:sp>
+        </mc:Choice>
+        <mc:Fallback>
+          <p:sp>
+            <p:nvSpPr>
+              <p:cNvPr id="3" name="Content Placeholder 2">
+                <a:extLst>
+                  <a:ext uri="{FF2B5EF4-FFF2-40B4-BE49-F238E27FC236}">
+                    <a16:creationId xmlns:a16="http://schemas.microsoft.com/office/drawing/2014/main" id="{97EFB65D-8749-534A-9873-6B957D158339}"/>
+                  </a:ext>
+                </a:extLst>
+              </p:cNvPr>
+              <p:cNvSpPr>
+                <a:spLocks noGrp="1" noRot="1" noChangeAspect="1" noMove="1" noResize="1" noEditPoints="1" noAdjustHandles="1" noChangeArrowheads="1" noChangeShapeType="1" noTextEdit="1"/>
+              </p:cNvSpPr>
+              <p:nvPr>
+                <p:ph idx="1"/>
+              </p:nvPr>
+            </p:nvSpPr>
+            <p:spPr>
+              <a:blipFill>
+                <a:blip r:embed="rId3"/>
+                <a:stretch>
+                  <a:fillRect l="-1086" t="-2326" r="-1568"/>
+                </a:stretch>
+              </a:blipFill>
+            </p:spPr>
+            <p:txBody>
+              <a:bodyPr/>
+              <a:lstStyle/>
+              <a:p>
+                <a:r>
+                  <a:rPr lang="en-US">
+                    <a:noFill/>
+                  </a:rPr>
+                  <a:t> </a:t>
+                </a:r>
+              </a:p>
+            </p:txBody>
+          </p:sp>
+        </mc:Fallback>
+      </mc:AlternateContent>
     </p:spTree>
     <p:extLst>
       <p:ext uri="{BB962C8B-B14F-4D97-AF65-F5344CB8AC3E}">
-        <p14:creationId xmlns:p14="http://schemas.microsoft.com/office/powerpoint/2010/main" val="887500604"/>
+        <p14:creationId xmlns:p14="http://schemas.microsoft.com/office/powerpoint/2010/main" val="3948019720"/>
       </p:ext>
     </p:extLst>
   </p:cSld>
@@ -3598,60 +4169,1234 @@
           <a:chExt cx="0" cy="0"/>
         </a:xfrm>
       </p:grpSpPr>
+      <mc:AlternateContent xmlns:mc="http://schemas.openxmlformats.org/markup-compatibility/2006">
+        <mc:Choice xmlns:a14="http://schemas.microsoft.com/office/drawing/2010/main" Requires="a14">
+          <p:sp>
+            <p:nvSpPr>
+              <p:cNvPr id="2" name="Title 1">
+                <a:extLst>
+                  <a:ext uri="{FF2B5EF4-FFF2-40B4-BE49-F238E27FC236}">
+                    <a16:creationId xmlns:a16="http://schemas.microsoft.com/office/drawing/2014/main" id="{AAC72C23-8F97-714C-859D-87262B8B56D7}"/>
+                  </a:ext>
+                </a:extLst>
+              </p:cNvPr>
+              <p:cNvSpPr>
+                <a:spLocks noGrp="1"/>
+              </p:cNvSpPr>
+              <p:nvPr>
+                <p:ph type="title"/>
+              </p:nvPr>
+            </p:nvSpPr>
+            <p:spPr/>
+            <p:txBody>
+              <a:bodyPr/>
+              <a:lstStyle/>
+              <a:p>
+                <a:r>
+                  <a:rPr lang="en-US" dirty="0"/>
+                  <a:t>Condition on generated features of </a:t>
+                </a:r>
+                <a14:m>
+                  <m:oMath xmlns:m="http://schemas.openxmlformats.org/officeDocument/2006/math">
+                    <m:sSub>
+                      <m:sSubPr>
+                        <m:ctrlPr>
+                          <a:rPr lang="en-US" i="1">
+                            <a:latin typeface="Cambria Math" panose="02040503050406030204" pitchFamily="18" charset="0"/>
+                          </a:rPr>
+                        </m:ctrlPr>
+                      </m:sSubPr>
+                      <m:e>
+                        <m:r>
+                          <m:rPr>
+                            <m:sty m:val="p"/>
+                          </m:rPr>
+                          <a:rPr lang="en-US">
+                            <a:latin typeface="Cambria Math" panose="02040503050406030204" pitchFamily="18" charset="0"/>
+                          </a:rPr>
+                          <m:t>X</m:t>
+                        </m:r>
+                      </m:e>
+                      <m:sub>
+                        <m:r>
+                          <a:rPr lang="en-US" b="0" i="1" smtClean="0">
+                            <a:latin typeface="Cambria Math" panose="02040503050406030204" pitchFamily="18" charset="0"/>
+                          </a:rPr>
+                          <m:t>1</m:t>
+                        </m:r>
+                        <m:r>
+                          <a:rPr lang="en-US" i="1">
+                            <a:latin typeface="Cambria Math" panose="02040503050406030204" pitchFamily="18" charset="0"/>
+                          </a:rPr>
+                          <m:t>𝑖</m:t>
+                        </m:r>
+                      </m:sub>
+                    </m:sSub>
+                  </m:oMath>
+                </a14:m>
+                <a:r>
+                  <a:rPr lang="en-US" dirty="0"/>
+                  <a:t> and </a:t>
+                </a:r>
+                <a14:m>
+                  <m:oMath xmlns:m="http://schemas.openxmlformats.org/officeDocument/2006/math">
+                    <m:sSub>
+                      <m:sSubPr>
+                        <m:ctrlPr>
+                          <a:rPr lang="en-US" i="1">
+                            <a:latin typeface="Cambria Math" panose="02040503050406030204" pitchFamily="18" charset="0"/>
+                          </a:rPr>
+                        </m:ctrlPr>
+                      </m:sSubPr>
+                      <m:e>
+                        <m:r>
+                          <m:rPr>
+                            <m:sty m:val="p"/>
+                          </m:rPr>
+                          <a:rPr lang="en-US">
+                            <a:latin typeface="Cambria Math" panose="02040503050406030204" pitchFamily="18" charset="0"/>
+                          </a:rPr>
+                          <m:t>X</m:t>
+                        </m:r>
+                      </m:e>
+                      <m:sub>
+                        <m:r>
+                          <a:rPr lang="en-US" b="0" i="1" smtClean="0">
+                            <a:latin typeface="Cambria Math" panose="02040503050406030204" pitchFamily="18" charset="0"/>
+                          </a:rPr>
+                          <m:t>2</m:t>
+                        </m:r>
+                        <m:r>
+                          <a:rPr lang="en-US" i="1">
+                            <a:latin typeface="Cambria Math" panose="02040503050406030204" pitchFamily="18" charset="0"/>
+                          </a:rPr>
+                          <m:t>𝑖</m:t>
+                        </m:r>
+                      </m:sub>
+                    </m:sSub>
+                  </m:oMath>
+                </a14:m>
+                <a:endParaRPr lang="en-US" dirty="0"/>
+              </a:p>
+            </p:txBody>
+          </p:sp>
+        </mc:Choice>
+        <mc:Fallback>
+          <p:sp>
+            <p:nvSpPr>
+              <p:cNvPr id="2" name="Title 1">
+                <a:extLst>
+                  <a:ext uri="{FF2B5EF4-FFF2-40B4-BE49-F238E27FC236}">
+                    <a16:creationId xmlns:a16="http://schemas.microsoft.com/office/drawing/2014/main" id="{AAC72C23-8F97-714C-859D-87262B8B56D7}"/>
+                  </a:ext>
+                </a:extLst>
+              </p:cNvPr>
+              <p:cNvSpPr>
+                <a:spLocks noGrp="1" noRot="1" noChangeAspect="1" noMove="1" noResize="1" noEditPoints="1" noAdjustHandles="1" noChangeArrowheads="1" noChangeShapeType="1" noTextEdit="1"/>
+              </p:cNvSpPr>
+              <p:nvPr>
+                <p:ph type="title"/>
+              </p:nvPr>
+            </p:nvSpPr>
+            <p:spPr>
+              <a:blipFill>
+                <a:blip r:embed="rId2"/>
+                <a:stretch>
+                  <a:fillRect l="-2413" t="-13333" b="-4762"/>
+                </a:stretch>
+              </a:blipFill>
+            </p:spPr>
+            <p:txBody>
+              <a:bodyPr/>
+              <a:lstStyle/>
+              <a:p>
+                <a:r>
+                  <a:rPr lang="en-US">
+                    <a:noFill/>
+                  </a:rPr>
+                  <a:t> </a:t>
+                </a:r>
+              </a:p>
+            </p:txBody>
+          </p:sp>
+        </mc:Fallback>
+      </mc:AlternateContent>
+      <mc:AlternateContent xmlns:mc="http://schemas.openxmlformats.org/markup-compatibility/2006">
+        <mc:Choice xmlns:a14="http://schemas.microsoft.com/office/drawing/2010/main" Requires="a14">
+          <p:graphicFrame>
+            <p:nvGraphicFramePr>
+              <p:cNvPr id="5" name="Table 5">
+                <a:extLst>
+                  <a:ext uri="{FF2B5EF4-FFF2-40B4-BE49-F238E27FC236}">
+                    <a16:creationId xmlns:a16="http://schemas.microsoft.com/office/drawing/2014/main" id="{BED19636-CF4E-3D4A-8F66-B1FE4826B826}"/>
+                  </a:ext>
+                </a:extLst>
+              </p:cNvPr>
+              <p:cNvGraphicFramePr>
+                <a:graphicFrameLocks noGrp="1"/>
+              </p:cNvGraphicFramePr>
+              <p:nvPr>
+                <p:ph idx="1"/>
+                <p:extLst>
+                  <p:ext uri="{D42A27DB-BD31-4B8C-83A1-F6EECF244321}">
+                    <p14:modId xmlns:p14="http://schemas.microsoft.com/office/powerpoint/2010/main" val="1458771815"/>
+                  </p:ext>
+                </p:extLst>
+              </p:nvPr>
+            </p:nvGraphicFramePr>
+            <p:xfrm>
+              <a:off x="838200" y="1690688"/>
+              <a:ext cx="8762995" cy="2946400"/>
+            </p:xfrm>
+            <a:graphic>
+              <a:graphicData uri="http://schemas.openxmlformats.org/drawingml/2006/table">
+                <a:tbl>
+                  <a:tblPr firstRow="1" bandRow="1">
+                    <a:tableStyleId>{5C22544A-7EE6-4342-B048-85BDC9FD1C3A}</a:tableStyleId>
+                  </a:tblPr>
+                  <a:tblGrid>
+                    <a:gridCol w="1752599">
+                      <a:extLst>
+                        <a:ext uri="{9D8B030D-6E8A-4147-A177-3AD203B41FA5}">
+                          <a16:colId xmlns:a16="http://schemas.microsoft.com/office/drawing/2014/main" val="324411291"/>
+                        </a:ext>
+                      </a:extLst>
+                    </a:gridCol>
+                    <a:gridCol w="1752599">
+                      <a:extLst>
+                        <a:ext uri="{9D8B030D-6E8A-4147-A177-3AD203B41FA5}">
+                          <a16:colId xmlns:a16="http://schemas.microsoft.com/office/drawing/2014/main" val="3560812984"/>
+                        </a:ext>
+                      </a:extLst>
+                    </a:gridCol>
+                    <a:gridCol w="1752599">
+                      <a:extLst>
+                        <a:ext uri="{9D8B030D-6E8A-4147-A177-3AD203B41FA5}">
+                          <a16:colId xmlns:a16="http://schemas.microsoft.com/office/drawing/2014/main" val="3356275086"/>
+                        </a:ext>
+                      </a:extLst>
+                    </a:gridCol>
+                    <a:gridCol w="1752599">
+                      <a:extLst>
+                        <a:ext uri="{9D8B030D-6E8A-4147-A177-3AD203B41FA5}">
+                          <a16:colId xmlns:a16="http://schemas.microsoft.com/office/drawing/2014/main" val="1398645591"/>
+                        </a:ext>
+                      </a:extLst>
+                    </a:gridCol>
+                    <a:gridCol w="1752599">
+                      <a:extLst>
+                        <a:ext uri="{9D8B030D-6E8A-4147-A177-3AD203B41FA5}">
+                          <a16:colId xmlns:a16="http://schemas.microsoft.com/office/drawing/2014/main" val="3782166901"/>
+                        </a:ext>
+                      </a:extLst>
+                    </a:gridCol>
+                  </a:tblGrid>
+                  <a:tr h="370840">
+                    <a:tc>
+                      <a:txBody>
+                        <a:bodyPr/>
+                        <a:lstStyle/>
+                        <a:p>
+                          <a:r>
+                            <a:rPr lang="en-US" dirty="0"/>
+                            <a:t>Indicator of whether </a:t>
+                          </a:r>
+                          <a14:m>
+                            <m:oMath xmlns:m="http://schemas.openxmlformats.org/officeDocument/2006/math">
+                              <m:sSub>
+                                <m:sSubPr>
+                                  <m:ctrlPr>
+                                    <a:rPr lang="en-US" b="1" i="0" smtClean="0">
+                                      <a:latin typeface="Cambria Math" panose="02040503050406030204" pitchFamily="18" charset="0"/>
+                                    </a:rPr>
+                                  </m:ctrlPr>
+                                </m:sSubPr>
+                                <m:e>
+                                  <m:r>
+                                    <a:rPr lang="en-US" b="1" i="0" smtClean="0">
+                                      <a:latin typeface="Cambria Math" panose="02040503050406030204" pitchFamily="18" charset="0"/>
+                                    </a:rPr>
+                                    <m:t>𝐗</m:t>
+                                  </m:r>
+                                </m:e>
+                                <m:sub>
+                                  <m:r>
+                                    <a:rPr lang="en-US" b="1" i="0" smtClean="0">
+                                      <a:latin typeface="Cambria Math" panose="02040503050406030204" pitchFamily="18" charset="0"/>
+                                    </a:rPr>
+                                    <m:t>𝐢</m:t>
+                                  </m:r>
+                                </m:sub>
+                              </m:sSub>
+                            </m:oMath>
+                          </a14:m>
+                          <a:r>
+                            <a:rPr lang="en-US" dirty="0"/>
+                            <a:t> is an outlier </a:t>
+                          </a:r>
+                        </a:p>
+                      </a:txBody>
+                      <a:tcPr/>
+                    </a:tc>
+                    <a:tc>
+                      <a:txBody>
+                        <a:bodyPr/>
+                        <a:lstStyle/>
+                        <a:p>
+                          <a:r>
+                            <a:rPr lang="en-US" dirty="0"/>
+                            <a:t>Indicator of whether </a:t>
+                          </a:r>
+                          <a14:m>
+                            <m:oMath xmlns:m="http://schemas.openxmlformats.org/officeDocument/2006/math">
+                              <m:sSub>
+                                <m:sSubPr>
+                                  <m:ctrlPr>
+                                    <a:rPr lang="en-US" b="1" i="1" smtClean="0">
+                                      <a:latin typeface="Cambria Math" panose="02040503050406030204" pitchFamily="18" charset="0"/>
+                                    </a:rPr>
+                                  </m:ctrlPr>
+                                </m:sSubPr>
+                                <m:e>
+                                  <m:r>
+                                    <a:rPr lang="en-US" b="1" i="0" smtClean="0">
+                                      <a:latin typeface="Cambria Math" panose="02040503050406030204" pitchFamily="18" charset="0"/>
+                                    </a:rPr>
+                                    <m:t>𝐗</m:t>
+                                  </m:r>
+                                </m:e>
+                                <m:sub>
+                                  <m:r>
+                                    <a:rPr lang="en-US" b="1" i="0" smtClean="0">
+                                      <a:latin typeface="Cambria Math" panose="02040503050406030204" pitchFamily="18" charset="0"/>
+                                    </a:rPr>
+                                    <m:t>𝐢</m:t>
+                                  </m:r>
+                                </m:sub>
+                              </m:sSub>
+                            </m:oMath>
+                          </a14:m>
+                          <a:r>
+                            <a:rPr lang="en-US" dirty="0"/>
+                            <a:t> is an outlier interacted with </a:t>
+                          </a:r>
+                          <a14:m>
+                            <m:oMath xmlns:m="http://schemas.openxmlformats.org/officeDocument/2006/math">
+                              <m:sSub>
+                                <m:sSubPr>
+                                  <m:ctrlPr>
+                                    <a:rPr lang="en-US" b="1" i="1" smtClean="0">
+                                      <a:latin typeface="Cambria Math" panose="02040503050406030204" pitchFamily="18" charset="0"/>
+                                    </a:rPr>
+                                  </m:ctrlPr>
+                                </m:sSubPr>
+                                <m:e>
+                                  <m:r>
+                                    <a:rPr lang="en-US" b="1" i="0" smtClean="0">
+                                      <a:latin typeface="Cambria Math" panose="02040503050406030204" pitchFamily="18" charset="0"/>
+                                    </a:rPr>
+                                    <m:t>𝐗</m:t>
+                                  </m:r>
+                                </m:e>
+                                <m:sub>
+                                  <m:r>
+                                    <a:rPr lang="en-US" b="1" i="0" smtClean="0">
+                                      <a:latin typeface="Cambria Math" panose="02040503050406030204" pitchFamily="18" charset="0"/>
+                                    </a:rPr>
+                                    <m:t>𝐢</m:t>
+                                  </m:r>
+                                </m:sub>
+                              </m:sSub>
+                            </m:oMath>
+                          </a14:m>
+                          <a:r>
+                            <a:rPr lang="en-US" dirty="0"/>
+                            <a:t> </a:t>
+                          </a:r>
+                        </a:p>
+                      </a:txBody>
+                      <a:tcPr/>
+                    </a:tc>
+                    <a:tc>
+                      <a:txBody>
+                        <a:bodyPr/>
+                        <a:lstStyle/>
+                        <a:p>
+                          <a:r>
+                            <a:rPr lang="en-US" dirty="0"/>
+                            <a:t>Natural log of </a:t>
+                          </a:r>
+                          <a14:m>
+                            <m:oMath xmlns:m="http://schemas.openxmlformats.org/officeDocument/2006/math">
+                              <m:sSub>
+                                <m:sSubPr>
+                                  <m:ctrlPr>
+                                    <a:rPr lang="en-US" b="1" i="1" smtClean="0">
+                                      <a:latin typeface="Cambria Math" panose="02040503050406030204" pitchFamily="18" charset="0"/>
+                                    </a:rPr>
+                                  </m:ctrlPr>
+                                </m:sSubPr>
+                                <m:e>
+                                  <m:r>
+                                    <a:rPr lang="en-US" b="1" i="0" smtClean="0">
+                                      <a:latin typeface="Cambria Math" panose="02040503050406030204" pitchFamily="18" charset="0"/>
+                                    </a:rPr>
+                                    <m:t>𝐗</m:t>
+                                  </m:r>
+                                </m:e>
+                                <m:sub>
+                                  <m:r>
+                                    <a:rPr lang="en-US" b="1" i="0" smtClean="0">
+                                      <a:latin typeface="Cambria Math" panose="02040503050406030204" pitchFamily="18" charset="0"/>
+                                    </a:rPr>
+                                    <m:t>𝐢</m:t>
+                                  </m:r>
+                                </m:sub>
+                              </m:sSub>
+                              <m:r>
+                                <a:rPr lang="en-US" b="1" i="1" smtClean="0">
+                                  <a:latin typeface="Cambria Math" panose="02040503050406030204" pitchFamily="18" charset="0"/>
+                                </a:rPr>
+                                <m:t>+</m:t>
+                              </m:r>
+                              <m:r>
+                                <a:rPr lang="en-US" b="1" i="1" smtClean="0">
+                                  <a:latin typeface="Cambria Math" panose="02040503050406030204" pitchFamily="18" charset="0"/>
+                                </a:rPr>
+                                <m:t>𝟏</m:t>
+                              </m:r>
+                            </m:oMath>
+                          </a14:m>
+                          <a:endParaRPr lang="en-US" dirty="0"/>
+                        </a:p>
+                      </a:txBody>
+                      <a:tcPr/>
+                    </a:tc>
+                    <a:tc>
+                      <a:txBody>
+                        <a:bodyPr/>
+                        <a:lstStyle/>
+                        <a:p>
+                          <a:r>
+                            <a:rPr lang="en-US" dirty="0"/>
+                            <a:t>Estimate (True Value is 50)</a:t>
+                          </a:r>
+                        </a:p>
+                      </a:txBody>
+                      <a:tcPr/>
+                    </a:tc>
+                    <a:tc>
+                      <a:txBody>
+                        <a:bodyPr/>
+                        <a:lstStyle/>
+                        <a:p>
+                          <a:r>
+                            <a:rPr lang="en-US" dirty="0"/>
+                            <a:t>Standard Error</a:t>
+                          </a:r>
+                        </a:p>
+                      </a:txBody>
+                      <a:tcPr/>
+                    </a:tc>
+                    <a:extLst>
+                      <a:ext uri="{0D108BD9-81ED-4DB2-BD59-A6C34878D82A}">
+                        <a16:rowId xmlns:a16="http://schemas.microsoft.com/office/drawing/2014/main" val="1918825794"/>
+                      </a:ext>
+                    </a:extLst>
+                  </a:tr>
+                  <a:tr h="370840">
+                    <a:tc>
+                      <a:txBody>
+                        <a:bodyPr/>
+                        <a:lstStyle/>
+                        <a:p>
+                          <a:pPr algn="ctr"/>
+                          <a:r>
+                            <a:rPr lang="en-US" dirty="0"/>
+                            <a:t>X</a:t>
+                          </a:r>
+                        </a:p>
+                      </a:txBody>
+                      <a:tcPr/>
+                    </a:tc>
+                    <a:tc>
+                      <a:txBody>
+                        <a:bodyPr/>
+                        <a:lstStyle/>
+                        <a:p>
+                          <a:pPr algn="ctr"/>
+                          <a:endParaRPr lang="en-US" dirty="0"/>
+                        </a:p>
+                      </a:txBody>
+                      <a:tcPr/>
+                    </a:tc>
+                    <a:tc>
+                      <a:txBody>
+                        <a:bodyPr/>
+                        <a:lstStyle/>
+                        <a:p>
+                          <a:pPr algn="ctr"/>
+                          <a:endParaRPr lang="en-US" dirty="0"/>
+                        </a:p>
+                      </a:txBody>
+                      <a:tcPr/>
+                    </a:tc>
+                    <a:tc>
+                      <a:txBody>
+                        <a:bodyPr/>
+                        <a:lstStyle/>
+                        <a:p>
+                          <a:r>
+                            <a:rPr lang="en-US" dirty="0"/>
+                            <a:t>333.766</a:t>
+                          </a:r>
+                        </a:p>
+                      </a:txBody>
+                      <a:tcPr/>
+                    </a:tc>
+                    <a:tc>
+                      <a:txBody>
+                        <a:bodyPr/>
+                        <a:lstStyle/>
+                        <a:p>
+                          <a:r>
+                            <a:rPr lang="en-US" dirty="0"/>
+                            <a:t>360.346</a:t>
+                          </a:r>
+                        </a:p>
+                      </a:txBody>
+                      <a:tcPr/>
+                    </a:tc>
+                    <a:extLst>
+                      <a:ext uri="{0D108BD9-81ED-4DB2-BD59-A6C34878D82A}">
+                        <a16:rowId xmlns:a16="http://schemas.microsoft.com/office/drawing/2014/main" val="3019297492"/>
+                      </a:ext>
+                    </a:extLst>
+                  </a:tr>
+                  <a:tr h="370840">
+                    <a:tc>
+                      <a:txBody>
+                        <a:bodyPr/>
+                        <a:lstStyle/>
+                        <a:p>
+                          <a:pPr algn="ctr"/>
+                          <a:r>
+                            <a:rPr lang="en-US" dirty="0"/>
+                            <a:t>X</a:t>
+                          </a:r>
+                        </a:p>
+                      </a:txBody>
+                      <a:tcPr/>
+                    </a:tc>
+                    <a:tc>
+                      <a:txBody>
+                        <a:bodyPr/>
+                        <a:lstStyle/>
+                        <a:p>
+                          <a:pPr algn="ctr"/>
+                          <a:r>
+                            <a:rPr lang="en-US" dirty="0"/>
+                            <a:t>X</a:t>
+                          </a:r>
+                        </a:p>
+                      </a:txBody>
+                      <a:tcPr/>
+                    </a:tc>
+                    <a:tc>
+                      <a:txBody>
+                        <a:bodyPr/>
+                        <a:lstStyle/>
+                        <a:p>
+                          <a:pPr algn="ctr"/>
+                          <a:endParaRPr lang="en-US" dirty="0"/>
+                        </a:p>
+                      </a:txBody>
+                      <a:tcPr/>
+                    </a:tc>
+                    <a:tc>
+                      <a:txBody>
+                        <a:bodyPr/>
+                        <a:lstStyle/>
+                        <a:p>
+                          <a:r>
+                            <a:rPr lang="en-US" dirty="0"/>
+                            <a:t>288.162</a:t>
+                          </a:r>
+                        </a:p>
+                      </a:txBody>
+                      <a:tcPr/>
+                    </a:tc>
+                    <a:tc>
+                      <a:txBody>
+                        <a:bodyPr/>
+                        <a:lstStyle/>
+                        <a:p>
+                          <a:r>
+                            <a:rPr lang="en-US" dirty="0"/>
+                            <a:t>361.047</a:t>
+                          </a:r>
+                        </a:p>
+                      </a:txBody>
+                      <a:tcPr/>
+                    </a:tc>
+                    <a:extLst>
+                      <a:ext uri="{0D108BD9-81ED-4DB2-BD59-A6C34878D82A}">
+                        <a16:rowId xmlns:a16="http://schemas.microsoft.com/office/drawing/2014/main" val="658820603"/>
+                      </a:ext>
+                    </a:extLst>
+                  </a:tr>
+                  <a:tr h="370840">
+                    <a:tc>
+                      <a:txBody>
+                        <a:bodyPr/>
+                        <a:lstStyle/>
+                        <a:p>
+                          <a:pPr algn="ctr"/>
+                          <a:r>
+                            <a:rPr lang="en-US" dirty="0"/>
+                            <a:t>X</a:t>
+                          </a:r>
+                        </a:p>
+                      </a:txBody>
+                      <a:tcPr/>
+                    </a:tc>
+                    <a:tc>
+                      <a:txBody>
+                        <a:bodyPr/>
+                        <a:lstStyle/>
+                        <a:p>
+                          <a:pPr algn="ctr"/>
+                          <a:endParaRPr lang="en-US" dirty="0"/>
+                        </a:p>
+                      </a:txBody>
+                      <a:tcPr/>
+                    </a:tc>
+                    <a:tc>
+                      <a:txBody>
+                        <a:bodyPr/>
+                        <a:lstStyle/>
+                        <a:p>
+                          <a:pPr algn="ctr"/>
+                          <a:r>
+                            <a:rPr lang="en-US" dirty="0"/>
+                            <a:t>X</a:t>
+                          </a:r>
+                        </a:p>
+                      </a:txBody>
+                      <a:tcPr/>
+                    </a:tc>
+                    <a:tc>
+                      <a:txBody>
+                        <a:bodyPr/>
+                        <a:lstStyle/>
+                        <a:p>
+                          <a:r>
+                            <a:rPr lang="en-US" dirty="0"/>
+                            <a:t>328.213</a:t>
+                          </a:r>
+                        </a:p>
+                      </a:txBody>
+                      <a:tcPr/>
+                    </a:tc>
+                    <a:tc>
+                      <a:txBody>
+                        <a:bodyPr/>
+                        <a:lstStyle/>
+                        <a:p>
+                          <a:r>
+                            <a:rPr lang="en-US" dirty="0"/>
+                            <a:t>358.607</a:t>
+                          </a:r>
+                        </a:p>
+                      </a:txBody>
+                      <a:tcPr/>
+                    </a:tc>
+                    <a:extLst>
+                      <a:ext uri="{0D108BD9-81ED-4DB2-BD59-A6C34878D82A}">
+                        <a16:rowId xmlns:a16="http://schemas.microsoft.com/office/drawing/2014/main" val="645035697"/>
+                      </a:ext>
+                    </a:extLst>
+                  </a:tr>
+                  <a:tr h="370840">
+                    <a:tc>
+                      <a:txBody>
+                        <a:bodyPr/>
+                        <a:lstStyle/>
+                        <a:p>
+                          <a:pPr algn="ctr"/>
+                          <a:r>
+                            <a:rPr lang="en-US" dirty="0"/>
+                            <a:t>X</a:t>
+                          </a:r>
+                        </a:p>
+                      </a:txBody>
+                      <a:tcPr/>
+                    </a:tc>
+                    <a:tc>
+                      <a:txBody>
+                        <a:bodyPr/>
+                        <a:lstStyle/>
+                        <a:p>
+                          <a:pPr algn="ctr"/>
+                          <a:r>
+                            <a:rPr lang="en-US" dirty="0"/>
+                            <a:t>X</a:t>
+                          </a:r>
+                        </a:p>
+                      </a:txBody>
+                      <a:tcPr/>
+                    </a:tc>
+                    <a:tc>
+                      <a:txBody>
+                        <a:bodyPr/>
+                        <a:lstStyle/>
+                        <a:p>
+                          <a:pPr algn="ctr"/>
+                          <a:r>
+                            <a:rPr lang="en-US" dirty="0"/>
+                            <a:t>X</a:t>
+                          </a:r>
+                        </a:p>
+                      </a:txBody>
+                      <a:tcPr/>
+                    </a:tc>
+                    <a:tc>
+                      <a:txBody>
+                        <a:bodyPr/>
+                        <a:lstStyle/>
+                        <a:p>
+                          <a:r>
+                            <a:rPr lang="en-US" dirty="0"/>
+                            <a:t>262.311</a:t>
+                          </a:r>
+                        </a:p>
+                      </a:txBody>
+                      <a:tcPr/>
+                    </a:tc>
+                    <a:tc>
+                      <a:txBody>
+                        <a:bodyPr/>
+                        <a:lstStyle/>
+                        <a:p>
+                          <a:r>
+                            <a:rPr lang="en-US" dirty="0"/>
+                            <a:t>358.995</a:t>
+                          </a:r>
+                        </a:p>
+                      </a:txBody>
+                      <a:tcPr/>
+                    </a:tc>
+                    <a:extLst>
+                      <a:ext uri="{0D108BD9-81ED-4DB2-BD59-A6C34878D82A}">
+                        <a16:rowId xmlns:a16="http://schemas.microsoft.com/office/drawing/2014/main" val="4050629206"/>
+                      </a:ext>
+                    </a:extLst>
+                  </a:tr>
+                </a:tbl>
+              </a:graphicData>
+            </a:graphic>
+          </p:graphicFrame>
+        </mc:Choice>
+        <mc:Fallback>
+          <p:graphicFrame>
+            <p:nvGraphicFramePr>
+              <p:cNvPr id="5" name="Table 5">
+                <a:extLst>
+                  <a:ext uri="{FF2B5EF4-FFF2-40B4-BE49-F238E27FC236}">
+                    <a16:creationId xmlns:a16="http://schemas.microsoft.com/office/drawing/2014/main" id="{BED19636-CF4E-3D4A-8F66-B1FE4826B826}"/>
+                  </a:ext>
+                </a:extLst>
+              </p:cNvPr>
+              <p:cNvGraphicFramePr>
+                <a:graphicFrameLocks noGrp="1"/>
+              </p:cNvGraphicFramePr>
+              <p:nvPr>
+                <p:ph idx="1"/>
+                <p:extLst>
+                  <p:ext uri="{D42A27DB-BD31-4B8C-83A1-F6EECF244321}">
+                    <p14:modId xmlns:p14="http://schemas.microsoft.com/office/powerpoint/2010/main" val="1458771815"/>
+                  </p:ext>
+                </p:extLst>
+              </p:nvPr>
+            </p:nvGraphicFramePr>
+            <p:xfrm>
+              <a:off x="838200" y="1690688"/>
+              <a:ext cx="8762995" cy="2946400"/>
+            </p:xfrm>
+            <a:graphic>
+              <a:graphicData uri="http://schemas.openxmlformats.org/drawingml/2006/table">
+                <a:tbl>
+                  <a:tblPr firstRow="1" bandRow="1">
+                    <a:tableStyleId>{5C22544A-7EE6-4342-B048-85BDC9FD1C3A}</a:tableStyleId>
+                  </a:tblPr>
+                  <a:tblGrid>
+                    <a:gridCol w="1752599">
+                      <a:extLst>
+                        <a:ext uri="{9D8B030D-6E8A-4147-A177-3AD203B41FA5}">
+                          <a16:colId xmlns:a16="http://schemas.microsoft.com/office/drawing/2014/main" val="324411291"/>
+                        </a:ext>
+                      </a:extLst>
+                    </a:gridCol>
+                    <a:gridCol w="1752599">
+                      <a:extLst>
+                        <a:ext uri="{9D8B030D-6E8A-4147-A177-3AD203B41FA5}">
+                          <a16:colId xmlns:a16="http://schemas.microsoft.com/office/drawing/2014/main" val="3560812984"/>
+                        </a:ext>
+                      </a:extLst>
+                    </a:gridCol>
+                    <a:gridCol w="1752599">
+                      <a:extLst>
+                        <a:ext uri="{9D8B030D-6E8A-4147-A177-3AD203B41FA5}">
+                          <a16:colId xmlns:a16="http://schemas.microsoft.com/office/drawing/2014/main" val="3356275086"/>
+                        </a:ext>
+                      </a:extLst>
+                    </a:gridCol>
+                    <a:gridCol w="1752599">
+                      <a:extLst>
+                        <a:ext uri="{9D8B030D-6E8A-4147-A177-3AD203B41FA5}">
+                          <a16:colId xmlns:a16="http://schemas.microsoft.com/office/drawing/2014/main" val="1398645591"/>
+                        </a:ext>
+                      </a:extLst>
+                    </a:gridCol>
+                    <a:gridCol w="1752599">
+                      <a:extLst>
+                        <a:ext uri="{9D8B030D-6E8A-4147-A177-3AD203B41FA5}">
+                          <a16:colId xmlns:a16="http://schemas.microsoft.com/office/drawing/2014/main" val="3782166901"/>
+                        </a:ext>
+                      </a:extLst>
+                    </a:gridCol>
+                  </a:tblGrid>
+                  <a:tr h="1463040">
+                    <a:tc>
+                      <a:txBody>
+                        <a:bodyPr/>
+                        <a:lstStyle/>
+                        <a:p>
+                          <a:endParaRPr lang="en-US"/>
+                        </a:p>
+                      </a:txBody>
+                      <a:tcPr>
+                        <a:blipFill>
+                          <a:blip r:embed="rId3"/>
+                          <a:stretch>
+                            <a:fillRect l="-725" t="-1724" r="-402174" b="-106897"/>
+                          </a:stretch>
+                        </a:blipFill>
+                      </a:tcPr>
+                    </a:tc>
+                    <a:tc>
+                      <a:txBody>
+                        <a:bodyPr/>
+                        <a:lstStyle/>
+                        <a:p>
+                          <a:endParaRPr lang="en-US"/>
+                        </a:p>
+                      </a:txBody>
+                      <a:tcPr>
+                        <a:blipFill>
+                          <a:blip r:embed="rId3"/>
+                          <a:stretch>
+                            <a:fillRect l="-100725" t="-1724" r="-302174" b="-106897"/>
+                          </a:stretch>
+                        </a:blipFill>
+                      </a:tcPr>
+                    </a:tc>
+                    <a:tc>
+                      <a:txBody>
+                        <a:bodyPr/>
+                        <a:lstStyle/>
+                        <a:p>
+                          <a:endParaRPr lang="en-US"/>
+                        </a:p>
+                      </a:txBody>
+                      <a:tcPr>
+                        <a:blipFill>
+                          <a:blip r:embed="rId3"/>
+                          <a:stretch>
+                            <a:fillRect l="-200725" t="-1724" r="-202174" b="-106897"/>
+                          </a:stretch>
+                        </a:blipFill>
+                      </a:tcPr>
+                    </a:tc>
+                    <a:tc>
+                      <a:txBody>
+                        <a:bodyPr/>
+                        <a:lstStyle/>
+                        <a:p>
+                          <a:r>
+                            <a:rPr lang="en-US" dirty="0"/>
+                            <a:t>Estimate (True Value is 50)</a:t>
+                          </a:r>
+                        </a:p>
+                      </a:txBody>
+                      <a:tcPr/>
+                    </a:tc>
+                    <a:tc>
+                      <a:txBody>
+                        <a:bodyPr/>
+                        <a:lstStyle/>
+                        <a:p>
+                          <a:r>
+                            <a:rPr lang="en-US" dirty="0"/>
+                            <a:t>Standard Error</a:t>
+                          </a:r>
+                        </a:p>
+                      </a:txBody>
+                      <a:tcPr/>
+                    </a:tc>
+                    <a:extLst>
+                      <a:ext uri="{0D108BD9-81ED-4DB2-BD59-A6C34878D82A}">
+                        <a16:rowId xmlns:a16="http://schemas.microsoft.com/office/drawing/2014/main" val="1918825794"/>
+                      </a:ext>
+                    </a:extLst>
+                  </a:tr>
+                  <a:tr h="370840">
+                    <a:tc>
+                      <a:txBody>
+                        <a:bodyPr/>
+                        <a:lstStyle/>
+                        <a:p>
+                          <a:pPr algn="ctr"/>
+                          <a:r>
+                            <a:rPr lang="en-US" dirty="0"/>
+                            <a:t>X</a:t>
+                          </a:r>
+                        </a:p>
+                      </a:txBody>
+                      <a:tcPr/>
+                    </a:tc>
+                    <a:tc>
+                      <a:txBody>
+                        <a:bodyPr/>
+                        <a:lstStyle/>
+                        <a:p>
+                          <a:pPr algn="ctr"/>
+                          <a:endParaRPr lang="en-US" dirty="0"/>
+                        </a:p>
+                      </a:txBody>
+                      <a:tcPr/>
+                    </a:tc>
+                    <a:tc>
+                      <a:txBody>
+                        <a:bodyPr/>
+                        <a:lstStyle/>
+                        <a:p>
+                          <a:pPr algn="ctr"/>
+                          <a:endParaRPr lang="en-US" dirty="0"/>
+                        </a:p>
+                      </a:txBody>
+                      <a:tcPr/>
+                    </a:tc>
+                    <a:tc>
+                      <a:txBody>
+                        <a:bodyPr/>
+                        <a:lstStyle/>
+                        <a:p>
+                          <a:r>
+                            <a:rPr lang="en-US" dirty="0"/>
+                            <a:t>333.766</a:t>
+                          </a:r>
+                        </a:p>
+                      </a:txBody>
+                      <a:tcPr/>
+                    </a:tc>
+                    <a:tc>
+                      <a:txBody>
+                        <a:bodyPr/>
+                        <a:lstStyle/>
+                        <a:p>
+                          <a:r>
+                            <a:rPr lang="en-US" dirty="0"/>
+                            <a:t>360.346</a:t>
+                          </a:r>
+                        </a:p>
+                      </a:txBody>
+                      <a:tcPr/>
+                    </a:tc>
+                    <a:extLst>
+                      <a:ext uri="{0D108BD9-81ED-4DB2-BD59-A6C34878D82A}">
+                        <a16:rowId xmlns:a16="http://schemas.microsoft.com/office/drawing/2014/main" val="3019297492"/>
+                      </a:ext>
+                    </a:extLst>
+                  </a:tr>
+                  <a:tr h="370840">
+                    <a:tc>
+                      <a:txBody>
+                        <a:bodyPr/>
+                        <a:lstStyle/>
+                        <a:p>
+                          <a:pPr algn="ctr"/>
+                          <a:r>
+                            <a:rPr lang="en-US" dirty="0"/>
+                            <a:t>X</a:t>
+                          </a:r>
+                        </a:p>
+                      </a:txBody>
+                      <a:tcPr/>
+                    </a:tc>
+                    <a:tc>
+                      <a:txBody>
+                        <a:bodyPr/>
+                        <a:lstStyle/>
+                        <a:p>
+                          <a:pPr algn="ctr"/>
+                          <a:r>
+                            <a:rPr lang="en-US" dirty="0"/>
+                            <a:t>X</a:t>
+                          </a:r>
+                        </a:p>
+                      </a:txBody>
+                      <a:tcPr/>
+                    </a:tc>
+                    <a:tc>
+                      <a:txBody>
+                        <a:bodyPr/>
+                        <a:lstStyle/>
+                        <a:p>
+                          <a:pPr algn="ctr"/>
+                          <a:endParaRPr lang="en-US" dirty="0"/>
+                        </a:p>
+                      </a:txBody>
+                      <a:tcPr/>
+                    </a:tc>
+                    <a:tc>
+                      <a:txBody>
+                        <a:bodyPr/>
+                        <a:lstStyle/>
+                        <a:p>
+                          <a:r>
+                            <a:rPr lang="en-US" dirty="0"/>
+                            <a:t>288.162</a:t>
+                          </a:r>
+                        </a:p>
+                      </a:txBody>
+                      <a:tcPr/>
+                    </a:tc>
+                    <a:tc>
+                      <a:txBody>
+                        <a:bodyPr/>
+                        <a:lstStyle/>
+                        <a:p>
+                          <a:r>
+                            <a:rPr lang="en-US" dirty="0"/>
+                            <a:t>361.047</a:t>
+                          </a:r>
+                        </a:p>
+                      </a:txBody>
+                      <a:tcPr/>
+                    </a:tc>
+                    <a:extLst>
+                      <a:ext uri="{0D108BD9-81ED-4DB2-BD59-A6C34878D82A}">
+                        <a16:rowId xmlns:a16="http://schemas.microsoft.com/office/drawing/2014/main" val="658820603"/>
+                      </a:ext>
+                    </a:extLst>
+                  </a:tr>
+                  <a:tr h="370840">
+                    <a:tc>
+                      <a:txBody>
+                        <a:bodyPr/>
+                        <a:lstStyle/>
+                        <a:p>
+                          <a:pPr algn="ctr"/>
+                          <a:r>
+                            <a:rPr lang="en-US" dirty="0"/>
+                            <a:t>X</a:t>
+                          </a:r>
+                        </a:p>
+                      </a:txBody>
+                      <a:tcPr/>
+                    </a:tc>
+                    <a:tc>
+                      <a:txBody>
+                        <a:bodyPr/>
+                        <a:lstStyle/>
+                        <a:p>
+                          <a:pPr algn="ctr"/>
+                          <a:endParaRPr lang="en-US" dirty="0"/>
+                        </a:p>
+                      </a:txBody>
+                      <a:tcPr/>
+                    </a:tc>
+                    <a:tc>
+                      <a:txBody>
+                        <a:bodyPr/>
+                        <a:lstStyle/>
+                        <a:p>
+                          <a:pPr algn="ctr"/>
+                          <a:r>
+                            <a:rPr lang="en-US" dirty="0"/>
+                            <a:t>X</a:t>
+                          </a:r>
+                        </a:p>
+                      </a:txBody>
+                      <a:tcPr/>
+                    </a:tc>
+                    <a:tc>
+                      <a:txBody>
+                        <a:bodyPr/>
+                        <a:lstStyle/>
+                        <a:p>
+                          <a:r>
+                            <a:rPr lang="en-US" dirty="0"/>
+                            <a:t>328.213</a:t>
+                          </a:r>
+                        </a:p>
+                      </a:txBody>
+                      <a:tcPr/>
+                    </a:tc>
+                    <a:tc>
+                      <a:txBody>
+                        <a:bodyPr/>
+                        <a:lstStyle/>
+                        <a:p>
+                          <a:r>
+                            <a:rPr lang="en-US" dirty="0"/>
+                            <a:t>358.607</a:t>
+                          </a:r>
+                        </a:p>
+                      </a:txBody>
+                      <a:tcPr/>
+                    </a:tc>
+                    <a:extLst>
+                      <a:ext uri="{0D108BD9-81ED-4DB2-BD59-A6C34878D82A}">
+                        <a16:rowId xmlns:a16="http://schemas.microsoft.com/office/drawing/2014/main" val="645035697"/>
+                      </a:ext>
+                    </a:extLst>
+                  </a:tr>
+                  <a:tr h="370840">
+                    <a:tc>
+                      <a:txBody>
+                        <a:bodyPr/>
+                        <a:lstStyle/>
+                        <a:p>
+                          <a:pPr algn="ctr"/>
+                          <a:r>
+                            <a:rPr lang="en-US" dirty="0"/>
+                            <a:t>X</a:t>
+                          </a:r>
+                        </a:p>
+                      </a:txBody>
+                      <a:tcPr/>
+                    </a:tc>
+                    <a:tc>
+                      <a:txBody>
+                        <a:bodyPr/>
+                        <a:lstStyle/>
+                        <a:p>
+                          <a:pPr algn="ctr"/>
+                          <a:r>
+                            <a:rPr lang="en-US" dirty="0"/>
+                            <a:t>X</a:t>
+                          </a:r>
+                        </a:p>
+                      </a:txBody>
+                      <a:tcPr/>
+                    </a:tc>
+                    <a:tc>
+                      <a:txBody>
+                        <a:bodyPr/>
+                        <a:lstStyle/>
+                        <a:p>
+                          <a:pPr algn="ctr"/>
+                          <a:r>
+                            <a:rPr lang="en-US" dirty="0"/>
+                            <a:t>X</a:t>
+                          </a:r>
+                        </a:p>
+                      </a:txBody>
+                      <a:tcPr/>
+                    </a:tc>
+                    <a:tc>
+                      <a:txBody>
+                        <a:bodyPr/>
+                        <a:lstStyle/>
+                        <a:p>
+                          <a:r>
+                            <a:rPr lang="en-US" dirty="0"/>
+                            <a:t>262.311</a:t>
+                          </a:r>
+                        </a:p>
+                      </a:txBody>
+                      <a:tcPr/>
+                    </a:tc>
+                    <a:tc>
+                      <a:txBody>
+                        <a:bodyPr/>
+                        <a:lstStyle/>
+                        <a:p>
+                          <a:r>
+                            <a:rPr lang="en-US" dirty="0"/>
+                            <a:t>358.995</a:t>
+                          </a:r>
+                        </a:p>
+                      </a:txBody>
+                      <a:tcPr/>
+                    </a:tc>
+                    <a:extLst>
+                      <a:ext uri="{0D108BD9-81ED-4DB2-BD59-A6C34878D82A}">
+                        <a16:rowId xmlns:a16="http://schemas.microsoft.com/office/drawing/2014/main" val="4050629206"/>
+                      </a:ext>
+                    </a:extLst>
+                  </a:tr>
+                </a:tbl>
+              </a:graphicData>
+            </a:graphic>
+          </p:graphicFrame>
+        </mc:Fallback>
+      </mc:AlternateContent>
       <p:sp>
         <p:nvSpPr>
-          <p:cNvPr id="2" name="Title 1">
-            <a:extLst>
-              <a:ext uri="{FF2B5EF4-FFF2-40B4-BE49-F238E27FC236}">
-                <a16:creationId xmlns:a16="http://schemas.microsoft.com/office/drawing/2014/main" id="{15AD2BCF-0826-294E-AAE6-3E269F587A95}"/>
-              </a:ext>
-            </a:extLst>
-          </p:cNvPr>
-          <p:cNvSpPr>
-            <a:spLocks noGrp="1"/>
-          </p:cNvSpPr>
-          <p:nvPr>
-            <p:ph type="title"/>
-          </p:nvPr>
+          <p:cNvPr id="6" name="TextBox 5">
+            <a:extLst>
+              <a:ext uri="{FF2B5EF4-FFF2-40B4-BE49-F238E27FC236}">
+                <a16:creationId xmlns:a16="http://schemas.microsoft.com/office/drawing/2014/main" id="{E943DAE8-A651-B948-8913-7679B5317A4A}"/>
+              </a:ext>
+            </a:extLst>
+          </p:cNvPr>
+          <p:cNvSpPr txBox="1"/>
+          <p:nvPr/>
         </p:nvSpPr>
-        <p:spPr/>
+        <p:spPr>
+          <a:xfrm>
+            <a:off x="701458" y="4637088"/>
+            <a:ext cx="10652342" cy="1384995"/>
+          </a:xfrm>
+          <a:prstGeom prst="rect">
+            <a:avLst/>
+          </a:prstGeom>
+          <a:noFill/>
+        </p:spPr>
         <p:txBody>
-          <a:bodyPr/>
+          <a:bodyPr wrap="square" rtlCol="0">
+            <a:spAutoFit/>
+          </a:bodyPr>
           <a:lstStyle/>
           <a:p>
-            <a:endParaRPr lang="en-US"/>
-          </a:p>
-        </p:txBody>
-      </p:sp>
-      <p:sp>
-        <p:nvSpPr>
-          <p:cNvPr id="3" name="Content Placeholder 2">
-            <a:extLst>
-              <a:ext uri="{FF2B5EF4-FFF2-40B4-BE49-F238E27FC236}">
-                <a16:creationId xmlns:a16="http://schemas.microsoft.com/office/drawing/2014/main" id="{BF88C6CF-B168-2E44-8760-D78CA5EC04D9}"/>
-              </a:ext>
-            </a:extLst>
-          </p:cNvPr>
-          <p:cNvSpPr>
-            <a:spLocks noGrp="1"/>
-          </p:cNvSpPr>
-          <p:nvPr>
-            <p:ph idx="1"/>
-          </p:nvPr>
-        </p:nvSpPr>
-        <p:spPr/>
-        <p:txBody>
-          <a:bodyPr/>
-          <a:lstStyle/>
-          <a:p>
-            <a:endParaRPr lang="en-US"/>
+            <a:pPr marL="285750" indent="-285750">
+              <a:buFont typeface="Arial" panose="020B0604020202020204" pitchFamily="34" charset="0"/>
+              <a:buChar char="•"/>
+            </a:pPr>
+            <a:r>
+              <a:rPr lang="en-US" sz="2800" dirty="0"/>
+              <a:t>Conditioning on additional features drives the estimate to be closer to the truth, but at best the estimate is more than 400% larger</a:t>
+            </a:r>
+          </a:p>
+          <a:p>
+            <a:pPr marL="285750" indent="-285750">
+              <a:buFont typeface="Arial" panose="020B0604020202020204" pitchFamily="34" charset="0"/>
+              <a:buChar char="•"/>
+            </a:pPr>
+            <a:r>
+              <a:rPr lang="en-US" sz="2800" dirty="0"/>
+              <a:t>There is also no impact on the standard error</a:t>
+            </a:r>
           </a:p>
         </p:txBody>
       </p:sp>
     </p:spTree>
     <p:extLst>
       <p:ext uri="{BB962C8B-B14F-4D97-AF65-F5344CB8AC3E}">
-        <p14:creationId xmlns:p14="http://schemas.microsoft.com/office/powerpoint/2010/main" val="3299200423"/>
+        <p14:creationId xmlns:p14="http://schemas.microsoft.com/office/powerpoint/2010/main" val="2537171878"/>
       </p:ext>
     </p:extLst>
   </p:cSld>
@@ -3678,63 +5423,238 @@
           <a:chExt cx="0" cy="0"/>
         </a:xfrm>
       </p:grpSpPr>
-      <p:sp>
-        <p:nvSpPr>
-          <p:cNvPr id="4" name="Title 3">
-            <a:extLst>
-              <a:ext uri="{FF2B5EF4-FFF2-40B4-BE49-F238E27FC236}">
-                <a16:creationId xmlns:a16="http://schemas.microsoft.com/office/drawing/2014/main" id="{81203072-0A89-A743-98A8-624657DC9B25}"/>
-              </a:ext>
-            </a:extLst>
-          </p:cNvPr>
-          <p:cNvSpPr>
-            <a:spLocks noGrp="1"/>
-          </p:cNvSpPr>
-          <p:nvPr>
-            <p:ph type="title"/>
-          </p:nvPr>
-        </p:nvSpPr>
-        <p:spPr/>
-        <p:txBody>
-          <a:bodyPr/>
-          <a:lstStyle/>
-          <a:p>
-            <a:r>
-              <a:rPr lang="en-US" dirty="0"/>
-              <a:t>Appendix</a:t>
-            </a:r>
-          </a:p>
-        </p:txBody>
-      </p:sp>
-      <p:sp>
-        <p:nvSpPr>
-          <p:cNvPr id="5" name="Text Placeholder 4">
-            <a:extLst>
-              <a:ext uri="{FF2B5EF4-FFF2-40B4-BE49-F238E27FC236}">
-                <a16:creationId xmlns:a16="http://schemas.microsoft.com/office/drawing/2014/main" id="{527E5198-97A2-E64B-A776-B5417264E81F}"/>
-              </a:ext>
-            </a:extLst>
-          </p:cNvPr>
-          <p:cNvSpPr>
-            <a:spLocks noGrp="1"/>
-          </p:cNvSpPr>
-          <p:nvPr>
-            <p:ph type="body" idx="1"/>
-          </p:nvPr>
-        </p:nvSpPr>
-        <p:spPr/>
-        <p:txBody>
-          <a:bodyPr/>
-          <a:lstStyle/>
-          <a:p>
-            <a:endParaRPr lang="en-US"/>
-          </a:p>
-        </p:txBody>
-      </p:sp>
+      <mc:AlternateContent xmlns:mc="http://schemas.openxmlformats.org/markup-compatibility/2006">
+        <mc:Choice xmlns:a14="http://schemas.microsoft.com/office/drawing/2010/main" Requires="a14">
+          <p:sp>
+            <p:nvSpPr>
+              <p:cNvPr id="2" name="Title 1">
+                <a:extLst>
+                  <a:ext uri="{FF2B5EF4-FFF2-40B4-BE49-F238E27FC236}">
+                    <a16:creationId xmlns:a16="http://schemas.microsoft.com/office/drawing/2014/main" id="{CB198514-9CC3-FF41-BBB3-34F1404426A7}"/>
+                  </a:ext>
+                </a:extLst>
+              </p:cNvPr>
+              <p:cNvSpPr>
+                <a:spLocks noGrp="1"/>
+              </p:cNvSpPr>
+              <p:nvPr>
+                <p:ph type="title"/>
+              </p:nvPr>
+            </p:nvSpPr>
+            <p:spPr/>
+            <p:txBody>
+              <a:bodyPr/>
+              <a:lstStyle/>
+              <a:p>
+                <a:r>
+                  <a:rPr lang="en-US" dirty="0"/>
+                  <a:t>Truncating Values of </a:t>
+                </a:r>
+                <a14:m>
+                  <m:oMath xmlns:m="http://schemas.openxmlformats.org/officeDocument/2006/math">
+                    <m:sSub>
+                      <m:sSubPr>
+                        <m:ctrlPr>
+                          <a:rPr lang="en-US" i="1">
+                            <a:latin typeface="Cambria Math" panose="02040503050406030204" pitchFamily="18" charset="0"/>
+                          </a:rPr>
+                        </m:ctrlPr>
+                      </m:sSubPr>
+                      <m:e>
+                        <m:r>
+                          <a:rPr lang="en-US" i="1">
+                            <a:latin typeface="Cambria Math" panose="02040503050406030204" pitchFamily="18" charset="0"/>
+                          </a:rPr>
+                          <m:t>𝑌</m:t>
+                        </m:r>
+                      </m:e>
+                      <m:sub>
+                        <m:r>
+                          <a:rPr lang="en-US" i="1">
+                            <a:latin typeface="Cambria Math" panose="02040503050406030204" pitchFamily="18" charset="0"/>
+                          </a:rPr>
+                          <m:t>𝑖</m:t>
+                        </m:r>
+                      </m:sub>
+                    </m:sSub>
+                  </m:oMath>
+                </a14:m>
+                <a:r>
+                  <a:rPr lang="en-US" dirty="0"/>
+                  <a:t> </a:t>
+                </a:r>
+              </a:p>
+            </p:txBody>
+          </p:sp>
+        </mc:Choice>
+        <mc:Fallback>
+          <p:sp>
+            <p:nvSpPr>
+              <p:cNvPr id="2" name="Title 1">
+                <a:extLst>
+                  <a:ext uri="{FF2B5EF4-FFF2-40B4-BE49-F238E27FC236}">
+                    <a16:creationId xmlns:a16="http://schemas.microsoft.com/office/drawing/2014/main" id="{CB198514-9CC3-FF41-BBB3-34F1404426A7}"/>
+                  </a:ext>
+                </a:extLst>
+              </p:cNvPr>
+              <p:cNvSpPr>
+                <a:spLocks noGrp="1" noRot="1" noChangeAspect="1" noMove="1" noResize="1" noEditPoints="1" noAdjustHandles="1" noChangeArrowheads="1" noChangeShapeType="1" noTextEdit="1"/>
+              </p:cNvSpPr>
+              <p:nvPr>
+                <p:ph type="title"/>
+              </p:nvPr>
+            </p:nvSpPr>
+            <p:spPr>
+              <a:blipFill>
+                <a:blip r:embed="rId2"/>
+                <a:stretch>
+                  <a:fillRect l="-2413"/>
+                </a:stretch>
+              </a:blipFill>
+            </p:spPr>
+            <p:txBody>
+              <a:bodyPr/>
+              <a:lstStyle/>
+              <a:p>
+                <a:r>
+                  <a:rPr lang="en-US">
+                    <a:noFill/>
+                  </a:rPr>
+                  <a:t> </a:t>
+                </a:r>
+              </a:p>
+            </p:txBody>
+          </p:sp>
+        </mc:Fallback>
+      </mc:AlternateContent>
+      <mc:AlternateContent xmlns:mc="http://schemas.openxmlformats.org/markup-compatibility/2006">
+        <mc:Choice xmlns:a14="http://schemas.microsoft.com/office/drawing/2010/main" Requires="a14">
+          <p:sp>
+            <p:nvSpPr>
+              <p:cNvPr id="3" name="Content Placeholder 2">
+                <a:extLst>
+                  <a:ext uri="{FF2B5EF4-FFF2-40B4-BE49-F238E27FC236}">
+                    <a16:creationId xmlns:a16="http://schemas.microsoft.com/office/drawing/2014/main" id="{73950D4F-9EF9-494F-A4BD-FE22618E9547}"/>
+                  </a:ext>
+                </a:extLst>
+              </p:cNvPr>
+              <p:cNvSpPr>
+                <a:spLocks noGrp="1"/>
+              </p:cNvSpPr>
+              <p:nvPr>
+                <p:ph idx="1"/>
+              </p:nvPr>
+            </p:nvSpPr>
+            <p:spPr/>
+            <p:txBody>
+              <a:bodyPr/>
+              <a:lstStyle/>
+              <a:p>
+                <a:r>
+                  <a:rPr lang="en-US" dirty="0"/>
+                  <a:t>Truncation is removing observations based on values of </a:t>
+                </a:r>
+                <a14:m>
+                  <m:oMath xmlns:m="http://schemas.openxmlformats.org/officeDocument/2006/math">
+                    <m:sSub>
+                      <m:sSubPr>
+                        <m:ctrlPr>
+                          <a:rPr lang="en-US" i="1">
+                            <a:latin typeface="Cambria Math" panose="02040503050406030204" pitchFamily="18" charset="0"/>
+                          </a:rPr>
+                        </m:ctrlPr>
+                      </m:sSubPr>
+                      <m:e>
+                        <m:r>
+                          <a:rPr lang="en-US" i="1">
+                            <a:latin typeface="Cambria Math" panose="02040503050406030204" pitchFamily="18" charset="0"/>
+                          </a:rPr>
+                          <m:t>𝑌</m:t>
+                        </m:r>
+                      </m:e>
+                      <m:sub>
+                        <m:r>
+                          <a:rPr lang="en-US" i="1">
+                            <a:latin typeface="Cambria Math" panose="02040503050406030204" pitchFamily="18" charset="0"/>
+                          </a:rPr>
+                          <m:t>𝑖</m:t>
+                        </m:r>
+                      </m:sub>
+                    </m:sSub>
+                  </m:oMath>
+                </a14:m>
+                <a:r>
+                  <a:rPr lang="en-US" dirty="0"/>
+                  <a:t> .</a:t>
+                </a:r>
+              </a:p>
+              <a:p>
+                <a:r>
+                  <a:rPr lang="en-US" dirty="0"/>
+                  <a:t>However, it is unclear how much to truncate. The more data is truncated, the less </a:t>
+                </a:r>
+                <a:r>
+                  <a:rPr lang="en-US" u="sng" dirty="0"/>
+                  <a:t>natural variation</a:t>
+                </a:r>
+                <a:r>
+                  <a:rPr lang="en-US" dirty="0"/>
+                  <a:t> in the data is removed. </a:t>
+                </a:r>
+              </a:p>
+              <a:p>
+                <a:r>
+                  <a:rPr lang="en-US" dirty="0"/>
+                  <a:t>No principled way to determine the best truncation point. </a:t>
+                </a:r>
+              </a:p>
+            </p:txBody>
+          </p:sp>
+        </mc:Choice>
+        <mc:Fallback>
+          <p:sp>
+            <p:nvSpPr>
+              <p:cNvPr id="3" name="Content Placeholder 2">
+                <a:extLst>
+                  <a:ext uri="{FF2B5EF4-FFF2-40B4-BE49-F238E27FC236}">
+                    <a16:creationId xmlns:a16="http://schemas.microsoft.com/office/drawing/2014/main" id="{73950D4F-9EF9-494F-A4BD-FE22618E9547}"/>
+                  </a:ext>
+                </a:extLst>
+              </p:cNvPr>
+              <p:cNvSpPr>
+                <a:spLocks noGrp="1" noRot="1" noChangeAspect="1" noMove="1" noResize="1" noEditPoints="1" noAdjustHandles="1" noChangeArrowheads="1" noChangeShapeType="1" noTextEdit="1"/>
+              </p:cNvSpPr>
+              <p:nvPr>
+                <p:ph idx="1"/>
+              </p:nvPr>
+            </p:nvSpPr>
+            <p:spPr>
+              <a:blipFill>
+                <a:blip r:embed="rId3"/>
+                <a:stretch>
+                  <a:fillRect l="-1086" t="-2326"/>
+                </a:stretch>
+              </a:blipFill>
+            </p:spPr>
+            <p:txBody>
+              <a:bodyPr/>
+              <a:lstStyle/>
+              <a:p>
+                <a:r>
+                  <a:rPr lang="en-US">
+                    <a:noFill/>
+                  </a:rPr>
+                  <a:t> </a:t>
+                </a:r>
+              </a:p>
+            </p:txBody>
+          </p:sp>
+        </mc:Fallback>
+      </mc:AlternateContent>
     </p:spTree>
     <p:extLst>
       <p:ext uri="{BB962C8B-B14F-4D97-AF65-F5344CB8AC3E}">
-        <p14:creationId xmlns:p14="http://schemas.microsoft.com/office/powerpoint/2010/main" val="581244798"/>
+        <p14:creationId xmlns:p14="http://schemas.microsoft.com/office/powerpoint/2010/main" val="388686028"/>
       </p:ext>
     </p:extLst>
   </p:cSld>
@@ -3766,6 +5686,1441 @@
           <p:cNvPr id="2" name="Title 1">
             <a:extLst>
               <a:ext uri="{FF2B5EF4-FFF2-40B4-BE49-F238E27FC236}">
+                <a16:creationId xmlns:a16="http://schemas.microsoft.com/office/drawing/2014/main" id="{B561EDC7-5FC3-134F-8133-F91B3D3BCE9E}"/>
+              </a:ext>
+            </a:extLst>
+          </p:cNvPr>
+          <p:cNvSpPr>
+            <a:spLocks noGrp="1"/>
+          </p:cNvSpPr>
+          <p:nvPr>
+            <p:ph type="title"/>
+          </p:nvPr>
+        </p:nvSpPr>
+        <p:spPr>
+          <a:xfrm>
+            <a:off x="838200" y="365125"/>
+            <a:ext cx="5448561" cy="1325563"/>
+          </a:xfrm>
+        </p:spPr>
+        <p:txBody>
+          <a:bodyPr/>
+          <a:lstStyle/>
+          <a:p>
+            <a:r>
+              <a:rPr lang="en-US" dirty="0"/>
+              <a:t>Truncation simulation evidence</a:t>
+            </a:r>
+          </a:p>
+        </p:txBody>
+      </p:sp>
+      <mc:AlternateContent xmlns:mc="http://schemas.openxmlformats.org/markup-compatibility/2006">
+        <mc:Choice xmlns:a14="http://schemas.microsoft.com/office/drawing/2010/main" Requires="a14">
+          <p:sp>
+            <p:nvSpPr>
+              <p:cNvPr id="3" name="Content Placeholder 2">
+                <a:extLst>
+                  <a:ext uri="{FF2B5EF4-FFF2-40B4-BE49-F238E27FC236}">
+                    <a16:creationId xmlns:a16="http://schemas.microsoft.com/office/drawing/2014/main" id="{48727945-5691-6F41-8ADB-A58AADBAA803}"/>
+                  </a:ext>
+                </a:extLst>
+              </p:cNvPr>
+              <p:cNvSpPr>
+                <a:spLocks noGrp="1"/>
+              </p:cNvSpPr>
+              <p:nvPr>
+                <p:ph idx="1"/>
+              </p:nvPr>
+            </p:nvSpPr>
+            <p:spPr>
+              <a:xfrm>
+                <a:off x="838200" y="1825625"/>
+                <a:ext cx="5257800" cy="4351338"/>
+              </a:xfrm>
+            </p:spPr>
+            <p:txBody>
+              <a:bodyPr/>
+              <a:lstStyle/>
+              <a:p>
+                <a:r>
+                  <a:rPr lang="en-US" dirty="0"/>
+                  <a:t>Truncated data based on the 90</a:t>
+                </a:r>
+                <a:r>
+                  <a:rPr lang="en-US" baseline="30000" dirty="0"/>
+                  <a:t>th </a:t>
+                </a:r>
+                <a:r>
+                  <a:rPr lang="en-US" dirty="0"/>
+                  <a:t>, 91</a:t>
+                </a:r>
+                <a:r>
+                  <a:rPr lang="en-US" baseline="30000" dirty="0"/>
+                  <a:t>st</a:t>
+                </a:r>
+                <a:r>
+                  <a:rPr lang="en-US" dirty="0"/>
+                  <a:t>, … 99</a:t>
+                </a:r>
+                <a:r>
+                  <a:rPr lang="en-US" baseline="30000" dirty="0"/>
+                  <a:t>th</a:t>
+                </a:r>
+                <a:r>
+                  <a:rPr lang="en-US" dirty="0"/>
+                  <a:t> percentile in </a:t>
+                </a:r>
+                <a14:m>
+                  <m:oMath xmlns:m="http://schemas.openxmlformats.org/officeDocument/2006/math">
+                    <m:sSub>
+                      <m:sSubPr>
+                        <m:ctrlPr>
+                          <a:rPr lang="en-US" i="1">
+                            <a:latin typeface="Cambria Math" panose="02040503050406030204" pitchFamily="18" charset="0"/>
+                          </a:rPr>
+                        </m:ctrlPr>
+                      </m:sSubPr>
+                      <m:e>
+                        <m:r>
+                          <a:rPr lang="en-US" i="1">
+                            <a:latin typeface="Cambria Math" panose="02040503050406030204" pitchFamily="18" charset="0"/>
+                          </a:rPr>
+                          <m:t>𝑌</m:t>
+                        </m:r>
+                      </m:e>
+                      <m:sub>
+                        <m:r>
+                          <a:rPr lang="en-US" i="1">
+                            <a:latin typeface="Cambria Math" panose="02040503050406030204" pitchFamily="18" charset="0"/>
+                          </a:rPr>
+                          <m:t>𝑖</m:t>
+                        </m:r>
+                      </m:sub>
+                    </m:sSub>
+                  </m:oMath>
+                </a14:m>
+                <a:r>
+                  <a:rPr lang="en-US" dirty="0"/>
+                  <a:t> </a:t>
+                </a:r>
+              </a:p>
+              <a:p>
+                <a:r>
+                  <a:rPr lang="en-US" dirty="0"/>
+                  <a:t>The less truncation, the more biased and less precise the estimate is.</a:t>
+                </a:r>
+              </a:p>
+              <a:p>
+                <a:r>
+                  <a:rPr lang="en-US" dirty="0"/>
+                  <a:t>However, the idea of removing data is not palatable and will likely break down in more flexible data settings</a:t>
+                </a:r>
+              </a:p>
+            </p:txBody>
+          </p:sp>
+        </mc:Choice>
+        <mc:Fallback>
+          <p:sp>
+            <p:nvSpPr>
+              <p:cNvPr id="3" name="Content Placeholder 2">
+                <a:extLst>
+                  <a:ext uri="{FF2B5EF4-FFF2-40B4-BE49-F238E27FC236}">
+                    <a16:creationId xmlns:a16="http://schemas.microsoft.com/office/drawing/2014/main" id="{48727945-5691-6F41-8ADB-A58AADBAA803}"/>
+                  </a:ext>
+                </a:extLst>
+              </p:cNvPr>
+              <p:cNvSpPr>
+                <a:spLocks noGrp="1" noRot="1" noChangeAspect="1" noMove="1" noResize="1" noEditPoints="1" noAdjustHandles="1" noChangeArrowheads="1" noChangeShapeType="1" noTextEdit="1"/>
+              </p:cNvSpPr>
+              <p:nvPr>
+                <p:ph idx="1"/>
+              </p:nvPr>
+            </p:nvSpPr>
+            <p:spPr>
+              <a:xfrm>
+                <a:off x="838200" y="1825625"/>
+                <a:ext cx="5257800" cy="4351338"/>
+              </a:xfrm>
+              <a:blipFill>
+                <a:blip r:embed="rId2"/>
+                <a:stretch>
+                  <a:fillRect l="-2169" t="-2326" r="-3614"/>
+                </a:stretch>
+              </a:blipFill>
+            </p:spPr>
+            <p:txBody>
+              <a:bodyPr/>
+              <a:lstStyle/>
+              <a:p>
+                <a:r>
+                  <a:rPr lang="en-US">
+                    <a:noFill/>
+                  </a:rPr>
+                  <a:t> </a:t>
+                </a:r>
+              </a:p>
+            </p:txBody>
+          </p:sp>
+        </mc:Fallback>
+      </mc:AlternateContent>
+      <p:pic>
+        <p:nvPicPr>
+          <p:cNvPr id="5" name="Picture 2">
+            <a:extLst>
+              <a:ext uri="{FF2B5EF4-FFF2-40B4-BE49-F238E27FC236}">
+                <a16:creationId xmlns:a16="http://schemas.microsoft.com/office/drawing/2014/main" id="{29430AFD-28BE-CF47-8565-A1F354F61607}"/>
+              </a:ext>
+            </a:extLst>
+          </p:cNvPr>
+          <p:cNvPicPr>
+            <a:picLocks noChangeAspect="1" noChangeArrowheads="1"/>
+          </p:cNvPicPr>
+          <p:nvPr/>
+        </p:nvPicPr>
+        <p:blipFill rotWithShape="1">
+          <a:blip r:embed="rId3">
+            <a:extLst>
+              <a:ext uri="{28A0092B-C50C-407E-A947-70E740481C1C}">
+                <a14:useLocalDpi xmlns:a14="http://schemas.microsoft.com/office/drawing/2010/main" val="0"/>
+              </a:ext>
+            </a:extLst>
+          </a:blip>
+          <a:srcRect t="9707" r="51523"/>
+          <a:stretch/>
+        </p:blipFill>
+        <p:spPr bwMode="auto">
+          <a:xfrm>
+            <a:off x="6338431" y="493145"/>
+            <a:ext cx="5448561" cy="6157913"/>
+          </a:xfrm>
+          <a:prstGeom prst="rect">
+            <a:avLst/>
+          </a:prstGeom>
+          <a:noFill/>
+          <a:extLst>
+            <a:ext uri="{909E8E84-426E-40DD-AFC4-6F175D3DCCD1}">
+              <a14:hiddenFill xmlns:a14="http://schemas.microsoft.com/office/drawing/2010/main">
+                <a:solidFill>
+                  <a:srgbClr val="FFFFFF"/>
+                </a:solidFill>
+              </a14:hiddenFill>
+            </a:ext>
+          </a:extLst>
+        </p:spPr>
+      </p:pic>
+    </p:spTree>
+    <p:extLst>
+      <p:ext uri="{BB962C8B-B14F-4D97-AF65-F5344CB8AC3E}">
+        <p14:creationId xmlns:p14="http://schemas.microsoft.com/office/powerpoint/2010/main" val="2692857822"/>
+      </p:ext>
+    </p:extLst>
+  </p:cSld>
+  <p:clrMapOvr>
+    <a:masterClrMapping/>
+  </p:clrMapOvr>
+</p:sld>
+</file>
+
+<file path=ppt/slides/slide15.xml><?xml version="1.0" encoding="utf-8"?>
+<p:sld xmlns:a="http://schemas.openxmlformats.org/drawingml/2006/main" xmlns:r="http://schemas.openxmlformats.org/officeDocument/2006/relationships" xmlns:p="http://schemas.openxmlformats.org/presentationml/2006/main">
+  <p:cSld>
+    <p:spTree>
+      <p:nvGrpSpPr>
+        <p:cNvPr id="1" name=""/>
+        <p:cNvGrpSpPr/>
+        <p:nvPr/>
+      </p:nvGrpSpPr>
+      <p:grpSpPr>
+        <a:xfrm>
+          <a:off x="0" y="0"/>
+          <a:ext cx="0" cy="0"/>
+          <a:chOff x="0" y="0"/>
+          <a:chExt cx="0" cy="0"/>
+        </a:xfrm>
+      </p:grpSpPr>
+      <mc:AlternateContent xmlns:mc="http://schemas.openxmlformats.org/markup-compatibility/2006">
+        <mc:Choice xmlns:a14="http://schemas.microsoft.com/office/drawing/2010/main" Requires="a14">
+          <p:sp>
+            <p:nvSpPr>
+              <p:cNvPr id="2" name="Title 1">
+                <a:extLst>
+                  <a:ext uri="{FF2B5EF4-FFF2-40B4-BE49-F238E27FC236}">
+                    <a16:creationId xmlns:a16="http://schemas.microsoft.com/office/drawing/2014/main" id="{CB198514-9CC3-FF41-BBB3-34F1404426A7}"/>
+                  </a:ext>
+                </a:extLst>
+              </p:cNvPr>
+              <p:cNvSpPr>
+                <a:spLocks noGrp="1"/>
+              </p:cNvSpPr>
+              <p:nvPr>
+                <p:ph type="title"/>
+              </p:nvPr>
+            </p:nvSpPr>
+            <p:spPr/>
+            <p:txBody>
+              <a:bodyPr/>
+              <a:lstStyle/>
+              <a:p>
+                <a:r>
+                  <a:rPr lang="en-US" dirty="0" err="1"/>
+                  <a:t>Winsorizing</a:t>
+                </a:r>
+                <a:r>
+                  <a:rPr lang="en-US" dirty="0"/>
+                  <a:t> Values of </a:t>
+                </a:r>
+                <a14:m>
+                  <m:oMath xmlns:m="http://schemas.openxmlformats.org/officeDocument/2006/math">
+                    <m:sSub>
+                      <m:sSubPr>
+                        <m:ctrlPr>
+                          <a:rPr lang="en-US" i="1">
+                            <a:latin typeface="Cambria Math" panose="02040503050406030204" pitchFamily="18" charset="0"/>
+                          </a:rPr>
+                        </m:ctrlPr>
+                      </m:sSubPr>
+                      <m:e>
+                        <m:r>
+                          <a:rPr lang="en-US" i="1">
+                            <a:latin typeface="Cambria Math" panose="02040503050406030204" pitchFamily="18" charset="0"/>
+                          </a:rPr>
+                          <m:t>𝑌</m:t>
+                        </m:r>
+                      </m:e>
+                      <m:sub>
+                        <m:r>
+                          <a:rPr lang="en-US" i="1">
+                            <a:latin typeface="Cambria Math" panose="02040503050406030204" pitchFamily="18" charset="0"/>
+                          </a:rPr>
+                          <m:t>𝑖</m:t>
+                        </m:r>
+                      </m:sub>
+                    </m:sSub>
+                  </m:oMath>
+                </a14:m>
+                <a:r>
+                  <a:rPr lang="en-US" dirty="0"/>
+                  <a:t> </a:t>
+                </a:r>
+              </a:p>
+            </p:txBody>
+          </p:sp>
+        </mc:Choice>
+        <mc:Fallback>
+          <p:sp>
+            <p:nvSpPr>
+              <p:cNvPr id="2" name="Title 1">
+                <a:extLst>
+                  <a:ext uri="{FF2B5EF4-FFF2-40B4-BE49-F238E27FC236}">
+                    <a16:creationId xmlns:a16="http://schemas.microsoft.com/office/drawing/2014/main" id="{CB198514-9CC3-FF41-BBB3-34F1404426A7}"/>
+                  </a:ext>
+                </a:extLst>
+              </p:cNvPr>
+              <p:cNvSpPr>
+                <a:spLocks noGrp="1" noRot="1" noChangeAspect="1" noMove="1" noResize="1" noEditPoints="1" noAdjustHandles="1" noChangeArrowheads="1" noChangeShapeType="1" noTextEdit="1"/>
+              </p:cNvSpPr>
+              <p:nvPr>
+                <p:ph type="title"/>
+              </p:nvPr>
+            </p:nvSpPr>
+            <p:spPr>
+              <a:blipFill>
+                <a:blip r:embed="rId2"/>
+                <a:stretch>
+                  <a:fillRect l="-2413"/>
+                </a:stretch>
+              </a:blipFill>
+            </p:spPr>
+            <p:txBody>
+              <a:bodyPr/>
+              <a:lstStyle/>
+              <a:p>
+                <a:r>
+                  <a:rPr lang="en-US">
+                    <a:noFill/>
+                  </a:rPr>
+                  <a:t> </a:t>
+                </a:r>
+              </a:p>
+            </p:txBody>
+          </p:sp>
+        </mc:Fallback>
+      </mc:AlternateContent>
+      <mc:AlternateContent xmlns:mc="http://schemas.openxmlformats.org/markup-compatibility/2006">
+        <mc:Choice xmlns:a14="http://schemas.microsoft.com/office/drawing/2010/main" Requires="a14">
+          <p:sp>
+            <p:nvSpPr>
+              <p:cNvPr id="3" name="Content Placeholder 2">
+                <a:extLst>
+                  <a:ext uri="{FF2B5EF4-FFF2-40B4-BE49-F238E27FC236}">
+                    <a16:creationId xmlns:a16="http://schemas.microsoft.com/office/drawing/2014/main" id="{73950D4F-9EF9-494F-A4BD-FE22618E9547}"/>
+                  </a:ext>
+                </a:extLst>
+              </p:cNvPr>
+              <p:cNvSpPr>
+                <a:spLocks noGrp="1"/>
+              </p:cNvSpPr>
+              <p:nvPr>
+                <p:ph idx="1"/>
+              </p:nvPr>
+            </p:nvSpPr>
+            <p:spPr>
+              <a:xfrm>
+                <a:off x="838200" y="1825625"/>
+                <a:ext cx="5257800" cy="4351338"/>
+              </a:xfrm>
+            </p:spPr>
+            <p:txBody>
+              <a:bodyPr/>
+              <a:lstStyle/>
+              <a:p>
+                <a:r>
+                  <a:rPr lang="en-US" dirty="0" err="1"/>
+                  <a:t>Winsorizing</a:t>
+                </a:r>
+                <a:r>
+                  <a:rPr lang="en-US" dirty="0"/>
+                  <a:t> is replacing values of </a:t>
+                </a:r>
+                <a14:m>
+                  <m:oMath xmlns:m="http://schemas.openxmlformats.org/officeDocument/2006/math">
+                    <m:sSub>
+                      <m:sSubPr>
+                        <m:ctrlPr>
+                          <a:rPr lang="en-US" i="1">
+                            <a:latin typeface="Cambria Math" panose="02040503050406030204" pitchFamily="18" charset="0"/>
+                          </a:rPr>
+                        </m:ctrlPr>
+                      </m:sSubPr>
+                      <m:e>
+                        <m:r>
+                          <a:rPr lang="en-US" i="1">
+                            <a:latin typeface="Cambria Math" panose="02040503050406030204" pitchFamily="18" charset="0"/>
+                          </a:rPr>
+                          <m:t>𝑌</m:t>
+                        </m:r>
+                      </m:e>
+                      <m:sub>
+                        <m:r>
+                          <a:rPr lang="en-US" i="1">
+                            <a:latin typeface="Cambria Math" panose="02040503050406030204" pitchFamily="18" charset="0"/>
+                          </a:rPr>
+                          <m:t>𝑖</m:t>
+                        </m:r>
+                      </m:sub>
+                    </m:sSub>
+                  </m:oMath>
+                </a14:m>
+                <a:r>
+                  <a:rPr lang="en-US" dirty="0"/>
+                  <a:t> with a top coded or bottom coded number</a:t>
+                </a:r>
+              </a:p>
+              <a:p>
+                <a:r>
+                  <a:rPr lang="en-US" dirty="0"/>
+                  <a:t>Like truncation, it is unclear how much to </a:t>
+                </a:r>
+                <a:r>
+                  <a:rPr lang="en-US" dirty="0" err="1"/>
+                  <a:t>winsorize</a:t>
+                </a:r>
+                <a:r>
+                  <a:rPr lang="en-US" dirty="0"/>
+                  <a:t>. </a:t>
+                </a:r>
+              </a:p>
+              <a:p>
+                <a:r>
+                  <a:rPr lang="en-US" dirty="0"/>
+                  <a:t>Simulation evidence shows that more </a:t>
+                </a:r>
+                <a:r>
+                  <a:rPr lang="en-US" dirty="0" err="1"/>
+                  <a:t>winsorization</a:t>
+                </a:r>
+                <a:r>
+                  <a:rPr lang="en-US" dirty="0"/>
+                  <a:t> leads to more biased estimates and more precision</a:t>
+                </a:r>
+              </a:p>
+            </p:txBody>
+          </p:sp>
+        </mc:Choice>
+        <mc:Fallback>
+          <p:sp>
+            <p:nvSpPr>
+              <p:cNvPr id="3" name="Content Placeholder 2">
+                <a:extLst>
+                  <a:ext uri="{FF2B5EF4-FFF2-40B4-BE49-F238E27FC236}">
+                    <a16:creationId xmlns:a16="http://schemas.microsoft.com/office/drawing/2014/main" id="{73950D4F-9EF9-494F-A4BD-FE22618E9547}"/>
+                  </a:ext>
+                </a:extLst>
+              </p:cNvPr>
+              <p:cNvSpPr>
+                <a:spLocks noGrp="1" noRot="1" noChangeAspect="1" noMove="1" noResize="1" noEditPoints="1" noAdjustHandles="1" noChangeArrowheads="1" noChangeShapeType="1" noTextEdit="1"/>
+              </p:cNvSpPr>
+              <p:nvPr>
+                <p:ph idx="1"/>
+              </p:nvPr>
+            </p:nvSpPr>
+            <p:spPr>
+              <a:xfrm>
+                <a:off x="838200" y="1825625"/>
+                <a:ext cx="5257800" cy="4351338"/>
+              </a:xfrm>
+              <a:blipFill>
+                <a:blip r:embed="rId3"/>
+                <a:stretch>
+                  <a:fillRect l="-2169" t="-2326" r="-3855"/>
+                </a:stretch>
+              </a:blipFill>
+            </p:spPr>
+            <p:txBody>
+              <a:bodyPr/>
+              <a:lstStyle/>
+              <a:p>
+                <a:r>
+                  <a:rPr lang="en-US">
+                    <a:noFill/>
+                  </a:rPr>
+                  <a:t> </a:t>
+                </a:r>
+              </a:p>
+            </p:txBody>
+          </p:sp>
+        </mc:Fallback>
+      </mc:AlternateContent>
+      <p:pic>
+        <p:nvPicPr>
+          <p:cNvPr id="5122" name="Picture 2">
+            <a:extLst>
+              <a:ext uri="{FF2B5EF4-FFF2-40B4-BE49-F238E27FC236}">
+                <a16:creationId xmlns:a16="http://schemas.microsoft.com/office/drawing/2014/main" id="{D4FF6C52-087A-3D4D-812B-C66B1ACF6664}"/>
+              </a:ext>
+            </a:extLst>
+          </p:cNvPr>
+          <p:cNvPicPr>
+            <a:picLocks noChangeAspect="1" noChangeArrowheads="1"/>
+          </p:cNvPicPr>
+          <p:nvPr/>
+        </p:nvPicPr>
+        <p:blipFill rotWithShape="1">
+          <a:blip r:embed="rId4">
+            <a:extLst>
+              <a:ext uri="{28A0092B-C50C-407E-A947-70E740481C1C}">
+                <a14:useLocalDpi xmlns:a14="http://schemas.microsoft.com/office/drawing/2010/main" val="0"/>
+              </a:ext>
+            </a:extLst>
+          </a:blip>
+          <a:srcRect t="9427" r="51635"/>
+          <a:stretch/>
+        </p:blipFill>
+        <p:spPr bwMode="auto">
+          <a:xfrm>
+            <a:off x="6476217" y="593354"/>
+            <a:ext cx="5436035" cy="6176963"/>
+          </a:xfrm>
+          <a:prstGeom prst="rect">
+            <a:avLst/>
+          </a:prstGeom>
+          <a:noFill/>
+          <a:extLst>
+            <a:ext uri="{909E8E84-426E-40DD-AFC4-6F175D3DCCD1}">
+              <a14:hiddenFill xmlns:a14="http://schemas.microsoft.com/office/drawing/2010/main">
+                <a:solidFill>
+                  <a:srgbClr val="FFFFFF"/>
+                </a:solidFill>
+              </a14:hiddenFill>
+            </a:ext>
+          </a:extLst>
+        </p:spPr>
+      </p:pic>
+    </p:spTree>
+    <p:extLst>
+      <p:ext uri="{BB962C8B-B14F-4D97-AF65-F5344CB8AC3E}">
+        <p14:creationId xmlns:p14="http://schemas.microsoft.com/office/powerpoint/2010/main" val="3740601388"/>
+      </p:ext>
+    </p:extLst>
+  </p:cSld>
+  <p:clrMapOvr>
+    <a:masterClrMapping/>
+  </p:clrMapOvr>
+</p:sld>
+</file>
+
+<file path=ppt/slides/slide16.xml><?xml version="1.0" encoding="utf-8"?>
+<p:sld xmlns:a="http://schemas.openxmlformats.org/drawingml/2006/main" xmlns:r="http://schemas.openxmlformats.org/officeDocument/2006/relationships" xmlns:p="http://schemas.openxmlformats.org/presentationml/2006/main">
+  <p:cSld>
+    <p:spTree>
+      <p:nvGrpSpPr>
+        <p:cNvPr id="1" name=""/>
+        <p:cNvGrpSpPr/>
+        <p:nvPr/>
+      </p:nvGrpSpPr>
+      <p:grpSpPr>
+        <a:xfrm>
+          <a:off x="0" y="0"/>
+          <a:ext cx="0" cy="0"/>
+          <a:chOff x="0" y="0"/>
+          <a:chExt cx="0" cy="0"/>
+        </a:xfrm>
+      </p:grpSpPr>
+      <p:sp>
+        <p:nvSpPr>
+          <p:cNvPr id="2" name="Title 1">
+            <a:extLst>
+              <a:ext uri="{FF2B5EF4-FFF2-40B4-BE49-F238E27FC236}">
+                <a16:creationId xmlns:a16="http://schemas.microsoft.com/office/drawing/2014/main" id="{EE7DA19D-EB1F-F646-BC6D-9CBCAE204B85}"/>
+              </a:ext>
+            </a:extLst>
+          </p:cNvPr>
+          <p:cNvSpPr>
+            <a:spLocks noGrp="1"/>
+          </p:cNvSpPr>
+          <p:nvPr>
+            <p:ph type="title"/>
+          </p:nvPr>
+        </p:nvSpPr>
+        <p:spPr/>
+        <p:txBody>
+          <a:bodyPr/>
+          <a:lstStyle/>
+          <a:p>
+            <a:r>
+              <a:rPr lang="en-US" dirty="0"/>
+              <a:t>WIP – Median and Quantile Treatment Effects</a:t>
+            </a:r>
+          </a:p>
+        </p:txBody>
+      </p:sp>
+      <p:pic>
+        <p:nvPicPr>
+          <p:cNvPr id="6146" name="Picture 2">
+            <a:extLst>
+              <a:ext uri="{FF2B5EF4-FFF2-40B4-BE49-F238E27FC236}">
+                <a16:creationId xmlns:a16="http://schemas.microsoft.com/office/drawing/2014/main" id="{4092A93E-F20B-F34F-B98D-1D6F63228070}"/>
+              </a:ext>
+            </a:extLst>
+          </p:cNvPr>
+          <p:cNvPicPr>
+            <a:picLocks noGrp="1" noChangeAspect="1" noChangeArrowheads="1"/>
+          </p:cNvPicPr>
+          <p:nvPr>
+            <p:ph idx="1"/>
+          </p:nvPr>
+        </p:nvPicPr>
+        <p:blipFill>
+          <a:blip r:embed="rId2">
+            <a:extLst>
+              <a:ext uri="{28A0092B-C50C-407E-A947-70E740481C1C}">
+                <a14:useLocalDpi xmlns:a14="http://schemas.microsoft.com/office/drawing/2010/main" val="0"/>
+              </a:ext>
+            </a:extLst>
+          </a:blip>
+          <a:srcRect/>
+          <a:stretch>
+            <a:fillRect/>
+          </a:stretch>
+        </p:blipFill>
+        <p:spPr bwMode="auto">
+          <a:xfrm>
+            <a:off x="3856874" y="1825625"/>
+            <a:ext cx="4478252" cy="4351338"/>
+          </a:xfrm>
+          <a:prstGeom prst="rect">
+            <a:avLst/>
+          </a:prstGeom>
+          <a:noFill/>
+          <a:extLst>
+            <a:ext uri="{909E8E84-426E-40DD-AFC4-6F175D3DCCD1}">
+              <a14:hiddenFill xmlns:a14="http://schemas.microsoft.com/office/drawing/2010/main">
+                <a:solidFill>
+                  <a:srgbClr val="FFFFFF"/>
+                </a:solidFill>
+              </a14:hiddenFill>
+            </a:ext>
+          </a:extLst>
+        </p:spPr>
+      </p:pic>
+    </p:spTree>
+    <p:extLst>
+      <p:ext uri="{BB962C8B-B14F-4D97-AF65-F5344CB8AC3E}">
+        <p14:creationId xmlns:p14="http://schemas.microsoft.com/office/powerpoint/2010/main" val="2572615332"/>
+      </p:ext>
+    </p:extLst>
+  </p:cSld>
+  <p:clrMapOvr>
+    <a:masterClrMapping/>
+  </p:clrMapOvr>
+</p:sld>
+</file>
+
+<file path=ppt/slides/slide17.xml><?xml version="1.0" encoding="utf-8"?>
+<p:sld xmlns:a="http://schemas.openxmlformats.org/drawingml/2006/main" xmlns:r="http://schemas.openxmlformats.org/officeDocument/2006/relationships" xmlns:p="http://schemas.openxmlformats.org/presentationml/2006/main">
+  <p:cSld>
+    <p:spTree>
+      <p:nvGrpSpPr>
+        <p:cNvPr id="1" name=""/>
+        <p:cNvGrpSpPr/>
+        <p:nvPr/>
+      </p:nvGrpSpPr>
+      <p:grpSpPr>
+        <a:xfrm>
+          <a:off x="0" y="0"/>
+          <a:ext cx="0" cy="0"/>
+          <a:chOff x="0" y="0"/>
+          <a:chExt cx="0" cy="0"/>
+        </a:xfrm>
+      </p:grpSpPr>
+      <p:sp>
+        <p:nvSpPr>
+          <p:cNvPr id="4" name="Title 3">
+            <a:extLst>
+              <a:ext uri="{FF2B5EF4-FFF2-40B4-BE49-F238E27FC236}">
+                <a16:creationId xmlns:a16="http://schemas.microsoft.com/office/drawing/2014/main" id="{81203072-0A89-A743-98A8-624657DC9B25}"/>
+              </a:ext>
+            </a:extLst>
+          </p:cNvPr>
+          <p:cNvSpPr>
+            <a:spLocks noGrp="1"/>
+          </p:cNvSpPr>
+          <p:nvPr>
+            <p:ph type="title"/>
+          </p:nvPr>
+        </p:nvSpPr>
+        <p:spPr/>
+        <p:txBody>
+          <a:bodyPr/>
+          <a:lstStyle/>
+          <a:p>
+            <a:r>
+              <a:rPr lang="en-US" dirty="0"/>
+              <a:t>B. Class Imbalance in Propensity Scores</a:t>
+            </a:r>
+          </a:p>
+        </p:txBody>
+      </p:sp>
+      <p:sp>
+        <p:nvSpPr>
+          <p:cNvPr id="5" name="Text Placeholder 4">
+            <a:extLst>
+              <a:ext uri="{FF2B5EF4-FFF2-40B4-BE49-F238E27FC236}">
+                <a16:creationId xmlns:a16="http://schemas.microsoft.com/office/drawing/2014/main" id="{527E5198-97A2-E64B-A776-B5417264E81F}"/>
+              </a:ext>
+            </a:extLst>
+          </p:cNvPr>
+          <p:cNvSpPr>
+            <a:spLocks noGrp="1"/>
+          </p:cNvSpPr>
+          <p:nvPr>
+            <p:ph type="body" idx="1"/>
+          </p:nvPr>
+        </p:nvSpPr>
+        <p:spPr/>
+        <p:txBody>
+          <a:bodyPr/>
+          <a:lstStyle/>
+          <a:p>
+            <a:r>
+              <a:rPr lang="en-US" dirty="0"/>
+              <a:t>WIP</a:t>
+            </a:r>
+          </a:p>
+        </p:txBody>
+      </p:sp>
+    </p:spTree>
+    <p:extLst>
+      <p:ext uri="{BB962C8B-B14F-4D97-AF65-F5344CB8AC3E}">
+        <p14:creationId xmlns:p14="http://schemas.microsoft.com/office/powerpoint/2010/main" val="3644722958"/>
+      </p:ext>
+    </p:extLst>
+  </p:cSld>
+  <p:clrMapOvr>
+    <a:masterClrMapping/>
+  </p:clrMapOvr>
+</p:sld>
+</file>
+
+<file path=ppt/slides/slide18.xml><?xml version="1.0" encoding="utf-8"?>
+<p:sld xmlns:a="http://schemas.openxmlformats.org/drawingml/2006/main" xmlns:r="http://schemas.openxmlformats.org/officeDocument/2006/relationships" xmlns:p="http://schemas.openxmlformats.org/presentationml/2006/main">
+  <p:cSld>
+    <p:spTree>
+      <p:nvGrpSpPr>
+        <p:cNvPr id="1" name=""/>
+        <p:cNvGrpSpPr/>
+        <p:nvPr/>
+      </p:nvGrpSpPr>
+      <p:grpSpPr>
+        <a:xfrm>
+          <a:off x="0" y="0"/>
+          <a:ext cx="0" cy="0"/>
+          <a:chOff x="0" y="0"/>
+          <a:chExt cx="0" cy="0"/>
+        </a:xfrm>
+      </p:grpSpPr>
+      <p:sp>
+        <p:nvSpPr>
+          <p:cNvPr id="4" name="Title 3">
+            <a:extLst>
+              <a:ext uri="{FF2B5EF4-FFF2-40B4-BE49-F238E27FC236}">
+                <a16:creationId xmlns:a16="http://schemas.microsoft.com/office/drawing/2014/main" id="{6210D7AA-6874-D14C-ABFB-35F399DD76C6}"/>
+              </a:ext>
+            </a:extLst>
+          </p:cNvPr>
+          <p:cNvSpPr>
+            <a:spLocks noGrp="1"/>
+          </p:cNvSpPr>
+          <p:nvPr>
+            <p:ph type="title"/>
+          </p:nvPr>
+        </p:nvSpPr>
+        <p:spPr/>
+        <p:txBody>
+          <a:bodyPr/>
+          <a:lstStyle/>
+          <a:p>
+            <a:endParaRPr lang="en-US"/>
+          </a:p>
+        </p:txBody>
+      </p:sp>
+      <p:sp>
+        <p:nvSpPr>
+          <p:cNvPr id="5" name="Content Placeholder 4">
+            <a:extLst>
+              <a:ext uri="{FF2B5EF4-FFF2-40B4-BE49-F238E27FC236}">
+                <a16:creationId xmlns:a16="http://schemas.microsoft.com/office/drawing/2014/main" id="{59F2A1D3-6A45-2A4E-92BD-B25DA800456E}"/>
+              </a:ext>
+            </a:extLst>
+          </p:cNvPr>
+          <p:cNvSpPr>
+            <a:spLocks noGrp="1"/>
+          </p:cNvSpPr>
+          <p:nvPr>
+            <p:ph idx="1"/>
+          </p:nvPr>
+        </p:nvSpPr>
+        <p:spPr/>
+        <p:txBody>
+          <a:bodyPr/>
+          <a:lstStyle/>
+          <a:p>
+            <a:endParaRPr lang="en-US"/>
+          </a:p>
+        </p:txBody>
+      </p:sp>
+    </p:spTree>
+    <p:extLst>
+      <p:ext uri="{BB962C8B-B14F-4D97-AF65-F5344CB8AC3E}">
+        <p14:creationId xmlns:p14="http://schemas.microsoft.com/office/powerpoint/2010/main" val="1271872675"/>
+      </p:ext>
+    </p:extLst>
+  </p:cSld>
+  <p:clrMapOvr>
+    <a:masterClrMapping/>
+  </p:clrMapOvr>
+</p:sld>
+</file>
+
+<file path=ppt/slides/slide19.xml><?xml version="1.0" encoding="utf-8"?>
+<p:sld xmlns:a="http://schemas.openxmlformats.org/drawingml/2006/main" xmlns:r="http://schemas.openxmlformats.org/officeDocument/2006/relationships" xmlns:p="http://schemas.openxmlformats.org/presentationml/2006/main">
+  <p:cSld>
+    <p:spTree>
+      <p:nvGrpSpPr>
+        <p:cNvPr id="1" name=""/>
+        <p:cNvGrpSpPr/>
+        <p:nvPr/>
+      </p:nvGrpSpPr>
+      <p:grpSpPr>
+        <a:xfrm>
+          <a:off x="0" y="0"/>
+          <a:ext cx="0" cy="0"/>
+          <a:chOff x="0" y="0"/>
+          <a:chExt cx="0" cy="0"/>
+        </a:xfrm>
+      </p:grpSpPr>
+      <p:sp>
+        <p:nvSpPr>
+          <p:cNvPr id="4" name="Title 3">
+            <a:extLst>
+              <a:ext uri="{FF2B5EF4-FFF2-40B4-BE49-F238E27FC236}">
+                <a16:creationId xmlns:a16="http://schemas.microsoft.com/office/drawing/2014/main" id="{81203072-0A89-A743-98A8-624657DC9B25}"/>
+              </a:ext>
+            </a:extLst>
+          </p:cNvPr>
+          <p:cNvSpPr>
+            <a:spLocks noGrp="1"/>
+          </p:cNvSpPr>
+          <p:nvPr>
+            <p:ph type="title"/>
+          </p:nvPr>
+        </p:nvSpPr>
+        <p:spPr/>
+        <p:txBody>
+          <a:bodyPr/>
+          <a:lstStyle/>
+          <a:p>
+            <a:r>
+              <a:rPr lang="en-US" dirty="0"/>
+              <a:t>C. Feature Selection</a:t>
+            </a:r>
+          </a:p>
+        </p:txBody>
+      </p:sp>
+      <p:sp>
+        <p:nvSpPr>
+          <p:cNvPr id="5" name="Text Placeholder 4">
+            <a:extLst>
+              <a:ext uri="{FF2B5EF4-FFF2-40B4-BE49-F238E27FC236}">
+                <a16:creationId xmlns:a16="http://schemas.microsoft.com/office/drawing/2014/main" id="{527E5198-97A2-E64B-A776-B5417264E81F}"/>
+              </a:ext>
+            </a:extLst>
+          </p:cNvPr>
+          <p:cNvSpPr>
+            <a:spLocks noGrp="1"/>
+          </p:cNvSpPr>
+          <p:nvPr>
+            <p:ph type="body" idx="1"/>
+          </p:nvPr>
+        </p:nvSpPr>
+        <p:spPr/>
+        <p:txBody>
+          <a:bodyPr/>
+          <a:lstStyle/>
+          <a:p>
+            <a:r>
+              <a:rPr lang="en-US" dirty="0"/>
+              <a:t>WIP</a:t>
+            </a:r>
+          </a:p>
+        </p:txBody>
+      </p:sp>
+    </p:spTree>
+    <p:extLst>
+      <p:ext uri="{BB962C8B-B14F-4D97-AF65-F5344CB8AC3E}">
+        <p14:creationId xmlns:p14="http://schemas.microsoft.com/office/powerpoint/2010/main" val="3742294393"/>
+      </p:ext>
+    </p:extLst>
+  </p:cSld>
+  <p:clrMapOvr>
+    <a:masterClrMapping/>
+  </p:clrMapOvr>
+</p:sld>
+</file>
+
+<file path=ppt/slides/slide2.xml><?xml version="1.0" encoding="utf-8"?>
+<p:sld xmlns:a="http://schemas.openxmlformats.org/drawingml/2006/main" xmlns:r="http://schemas.openxmlformats.org/officeDocument/2006/relationships" xmlns:p="http://schemas.openxmlformats.org/presentationml/2006/main">
+  <p:cSld>
+    <p:spTree>
+      <p:nvGrpSpPr>
+        <p:cNvPr id="1" name=""/>
+        <p:cNvGrpSpPr/>
+        <p:nvPr/>
+      </p:nvGrpSpPr>
+      <p:grpSpPr>
+        <a:xfrm>
+          <a:off x="0" y="0"/>
+          <a:ext cx="0" cy="0"/>
+          <a:chOff x="0" y="0"/>
+          <a:chExt cx="0" cy="0"/>
+        </a:xfrm>
+      </p:grpSpPr>
+      <p:sp>
+        <p:nvSpPr>
+          <p:cNvPr id="2" name="Title 1">
+            <a:extLst>
+              <a:ext uri="{FF2B5EF4-FFF2-40B4-BE49-F238E27FC236}">
+                <a16:creationId xmlns:a16="http://schemas.microsoft.com/office/drawing/2014/main" id="{F1821B62-5F2B-0042-B4D1-0A616B9A2397}"/>
+              </a:ext>
+            </a:extLst>
+          </p:cNvPr>
+          <p:cNvSpPr>
+            <a:spLocks noGrp="1"/>
+          </p:cNvSpPr>
+          <p:nvPr>
+            <p:ph type="title"/>
+          </p:nvPr>
+        </p:nvSpPr>
+        <p:spPr/>
+        <p:txBody>
+          <a:bodyPr/>
+          <a:lstStyle/>
+          <a:p>
+            <a:r>
+              <a:rPr lang="en-US" dirty="0"/>
+              <a:t>Causal Inference Series</a:t>
+            </a:r>
+          </a:p>
+        </p:txBody>
+      </p:sp>
+      <p:sp>
+        <p:nvSpPr>
+          <p:cNvPr id="3" name="Content Placeholder 2">
+            <a:extLst>
+              <a:ext uri="{FF2B5EF4-FFF2-40B4-BE49-F238E27FC236}">
+                <a16:creationId xmlns:a16="http://schemas.microsoft.com/office/drawing/2014/main" id="{70C15C76-6BD6-0F41-AB0A-743D563189AD}"/>
+              </a:ext>
+            </a:extLst>
+          </p:cNvPr>
+          <p:cNvSpPr>
+            <a:spLocks noGrp="1"/>
+          </p:cNvSpPr>
+          <p:nvPr>
+            <p:ph idx="1"/>
+          </p:nvPr>
+        </p:nvSpPr>
+        <p:spPr/>
+        <p:txBody>
+          <a:bodyPr>
+            <a:normAutofit lnSpcReduction="10000"/>
+          </a:bodyPr>
+          <a:lstStyle/>
+          <a:p>
+            <a:pPr marL="514350" indent="-514350">
+              <a:buFont typeface="+mj-lt"/>
+              <a:buAutoNum type="arabicParenR"/>
+            </a:pPr>
+            <a:r>
+              <a:rPr lang="en-US" dirty="0"/>
+              <a:t>Foundations</a:t>
+            </a:r>
+          </a:p>
+          <a:p>
+            <a:pPr marL="514350" indent="-514350">
+              <a:buFont typeface="+mj-lt"/>
+              <a:buAutoNum type="arabicParenR"/>
+            </a:pPr>
+            <a:r>
+              <a:rPr lang="en-US" dirty="0"/>
+              <a:t>Defining Some ATE/ATET Causal Models</a:t>
+            </a:r>
+          </a:p>
+          <a:p>
+            <a:pPr marL="514350" indent="-514350">
+              <a:buFont typeface="+mj-lt"/>
+              <a:buAutoNum type="arabicParenR"/>
+            </a:pPr>
+            <a:r>
+              <a:rPr lang="en-US" dirty="0"/>
+              <a:t>ATE/ATET Inference, Asymptotic Theory, and Bootstrapping</a:t>
+            </a:r>
+          </a:p>
+          <a:p>
+            <a:pPr marL="514350" indent="-514350">
+              <a:buFont typeface="+mj-lt"/>
+              <a:buAutoNum type="arabicParenR"/>
+            </a:pPr>
+            <a:r>
+              <a:rPr lang="en-US" b="1" dirty="0"/>
+              <a:t>Best Practices: Outliers, Class Imbalance, Feature Selection, and Bad Control </a:t>
+            </a:r>
+          </a:p>
+          <a:p>
+            <a:pPr marL="514350" indent="-514350">
+              <a:buFont typeface="+mj-lt"/>
+              <a:buAutoNum type="arabicParenR"/>
+            </a:pPr>
+            <a:r>
+              <a:rPr lang="en-US" dirty="0"/>
+              <a:t>Heterogeneous Treatment Effect Models and Inference</a:t>
+            </a:r>
+          </a:p>
+          <a:p>
+            <a:pPr marL="514350" indent="-514350">
+              <a:buFont typeface="+mj-lt"/>
+              <a:buAutoNum type="arabicParenR"/>
+            </a:pPr>
+            <a:r>
+              <a:rPr lang="en-US" dirty="0"/>
+              <a:t>Difference-in-Difference Models for Panel Data</a:t>
+            </a:r>
+          </a:p>
+          <a:p>
+            <a:pPr marL="514350" indent="-514350">
+              <a:buFont typeface="+mj-lt"/>
+              <a:buAutoNum type="arabicParenR"/>
+            </a:pPr>
+            <a:r>
+              <a:rPr lang="en-US" dirty="0"/>
+              <a:t>Regression Discontinuity Models</a:t>
+            </a:r>
+          </a:p>
+          <a:p>
+            <a:pPr marL="514350" indent="-514350">
+              <a:buFont typeface="+mj-lt"/>
+              <a:buAutoNum type="arabicParenR"/>
+            </a:pPr>
+            <a:r>
+              <a:rPr lang="en-US" dirty="0"/>
+              <a:t>Arguable Validation</a:t>
+            </a:r>
+          </a:p>
+        </p:txBody>
+      </p:sp>
+    </p:spTree>
+    <p:extLst>
+      <p:ext uri="{BB962C8B-B14F-4D97-AF65-F5344CB8AC3E}">
+        <p14:creationId xmlns:p14="http://schemas.microsoft.com/office/powerpoint/2010/main" val="2385803048"/>
+      </p:ext>
+    </p:extLst>
+  </p:cSld>
+  <p:clrMapOvr>
+    <a:masterClrMapping/>
+  </p:clrMapOvr>
+</p:sld>
+</file>
+
+<file path=ppt/slides/slide20.xml><?xml version="1.0" encoding="utf-8"?>
+<p:sld xmlns:a="http://schemas.openxmlformats.org/drawingml/2006/main" xmlns:r="http://schemas.openxmlformats.org/officeDocument/2006/relationships" xmlns:p="http://schemas.openxmlformats.org/presentationml/2006/main">
+  <p:cSld>
+    <p:spTree>
+      <p:nvGrpSpPr>
+        <p:cNvPr id="1" name=""/>
+        <p:cNvGrpSpPr/>
+        <p:nvPr/>
+      </p:nvGrpSpPr>
+      <p:grpSpPr>
+        <a:xfrm>
+          <a:off x="0" y="0"/>
+          <a:ext cx="0" cy="0"/>
+          <a:chOff x="0" y="0"/>
+          <a:chExt cx="0" cy="0"/>
+        </a:xfrm>
+      </p:grpSpPr>
+      <p:sp>
+        <p:nvSpPr>
+          <p:cNvPr id="4" name="Title 3">
+            <a:extLst>
+              <a:ext uri="{FF2B5EF4-FFF2-40B4-BE49-F238E27FC236}">
+                <a16:creationId xmlns:a16="http://schemas.microsoft.com/office/drawing/2014/main" id="{6210D7AA-6874-D14C-ABFB-35F399DD76C6}"/>
+              </a:ext>
+            </a:extLst>
+          </p:cNvPr>
+          <p:cNvSpPr>
+            <a:spLocks noGrp="1"/>
+          </p:cNvSpPr>
+          <p:nvPr>
+            <p:ph type="title"/>
+          </p:nvPr>
+        </p:nvSpPr>
+        <p:spPr/>
+        <p:txBody>
+          <a:bodyPr/>
+          <a:lstStyle/>
+          <a:p>
+            <a:endParaRPr lang="en-US"/>
+          </a:p>
+        </p:txBody>
+      </p:sp>
+      <p:sp>
+        <p:nvSpPr>
+          <p:cNvPr id="5" name="Content Placeholder 4">
+            <a:extLst>
+              <a:ext uri="{FF2B5EF4-FFF2-40B4-BE49-F238E27FC236}">
+                <a16:creationId xmlns:a16="http://schemas.microsoft.com/office/drawing/2014/main" id="{59F2A1D3-6A45-2A4E-92BD-B25DA800456E}"/>
+              </a:ext>
+            </a:extLst>
+          </p:cNvPr>
+          <p:cNvSpPr>
+            <a:spLocks noGrp="1"/>
+          </p:cNvSpPr>
+          <p:nvPr>
+            <p:ph idx="1"/>
+          </p:nvPr>
+        </p:nvSpPr>
+        <p:spPr/>
+        <p:txBody>
+          <a:bodyPr/>
+          <a:lstStyle/>
+          <a:p>
+            <a:endParaRPr lang="en-US"/>
+          </a:p>
+        </p:txBody>
+      </p:sp>
+    </p:spTree>
+    <p:extLst>
+      <p:ext uri="{BB962C8B-B14F-4D97-AF65-F5344CB8AC3E}">
+        <p14:creationId xmlns:p14="http://schemas.microsoft.com/office/powerpoint/2010/main" val="3174559458"/>
+      </p:ext>
+    </p:extLst>
+  </p:cSld>
+  <p:clrMapOvr>
+    <a:masterClrMapping/>
+  </p:clrMapOvr>
+</p:sld>
+</file>
+
+<file path=ppt/slides/slide21.xml><?xml version="1.0" encoding="utf-8"?>
+<p:sld xmlns:a="http://schemas.openxmlformats.org/drawingml/2006/main" xmlns:r="http://schemas.openxmlformats.org/officeDocument/2006/relationships" xmlns:p="http://schemas.openxmlformats.org/presentationml/2006/main">
+  <p:cSld>
+    <p:spTree>
+      <p:nvGrpSpPr>
+        <p:cNvPr id="1" name=""/>
+        <p:cNvGrpSpPr/>
+        <p:nvPr/>
+      </p:nvGrpSpPr>
+      <p:grpSpPr>
+        <a:xfrm>
+          <a:off x="0" y="0"/>
+          <a:ext cx="0" cy="0"/>
+          <a:chOff x="0" y="0"/>
+          <a:chExt cx="0" cy="0"/>
+        </a:xfrm>
+      </p:grpSpPr>
+      <p:sp>
+        <p:nvSpPr>
+          <p:cNvPr id="4" name="Title 3">
+            <a:extLst>
+              <a:ext uri="{FF2B5EF4-FFF2-40B4-BE49-F238E27FC236}">
+                <a16:creationId xmlns:a16="http://schemas.microsoft.com/office/drawing/2014/main" id="{81203072-0A89-A743-98A8-624657DC9B25}"/>
+              </a:ext>
+            </a:extLst>
+          </p:cNvPr>
+          <p:cNvSpPr>
+            <a:spLocks noGrp="1"/>
+          </p:cNvSpPr>
+          <p:nvPr>
+            <p:ph type="title"/>
+          </p:nvPr>
+        </p:nvSpPr>
+        <p:spPr/>
+        <p:txBody>
+          <a:bodyPr/>
+          <a:lstStyle/>
+          <a:p>
+            <a:r>
+              <a:rPr lang="en-US" dirty="0"/>
+              <a:t>D. Bad Control</a:t>
+            </a:r>
+          </a:p>
+        </p:txBody>
+      </p:sp>
+      <p:sp>
+        <p:nvSpPr>
+          <p:cNvPr id="5" name="Text Placeholder 4">
+            <a:extLst>
+              <a:ext uri="{FF2B5EF4-FFF2-40B4-BE49-F238E27FC236}">
+                <a16:creationId xmlns:a16="http://schemas.microsoft.com/office/drawing/2014/main" id="{527E5198-97A2-E64B-A776-B5417264E81F}"/>
+              </a:ext>
+            </a:extLst>
+          </p:cNvPr>
+          <p:cNvSpPr>
+            <a:spLocks noGrp="1"/>
+          </p:cNvSpPr>
+          <p:nvPr>
+            <p:ph type="body" idx="1"/>
+          </p:nvPr>
+        </p:nvSpPr>
+        <p:spPr/>
+        <p:txBody>
+          <a:bodyPr/>
+          <a:lstStyle/>
+          <a:p>
+            <a:r>
+              <a:rPr lang="en-US" dirty="0"/>
+              <a:t>WIP</a:t>
+            </a:r>
+          </a:p>
+        </p:txBody>
+      </p:sp>
+    </p:spTree>
+    <p:extLst>
+      <p:ext uri="{BB962C8B-B14F-4D97-AF65-F5344CB8AC3E}">
+        <p14:creationId xmlns:p14="http://schemas.microsoft.com/office/powerpoint/2010/main" val="255999913"/>
+      </p:ext>
+    </p:extLst>
+  </p:cSld>
+  <p:clrMapOvr>
+    <a:masterClrMapping/>
+  </p:clrMapOvr>
+</p:sld>
+</file>
+
+<file path=ppt/slides/slide22.xml><?xml version="1.0" encoding="utf-8"?>
+<p:sld xmlns:a="http://schemas.openxmlformats.org/drawingml/2006/main" xmlns:r="http://schemas.openxmlformats.org/officeDocument/2006/relationships" xmlns:p="http://schemas.openxmlformats.org/presentationml/2006/main">
+  <p:cSld>
+    <p:spTree>
+      <p:nvGrpSpPr>
+        <p:cNvPr id="1" name=""/>
+        <p:cNvGrpSpPr/>
+        <p:nvPr/>
+      </p:nvGrpSpPr>
+      <p:grpSpPr>
+        <a:xfrm>
+          <a:off x="0" y="0"/>
+          <a:ext cx="0" cy="0"/>
+          <a:chOff x="0" y="0"/>
+          <a:chExt cx="0" cy="0"/>
+        </a:xfrm>
+      </p:grpSpPr>
+      <p:sp>
+        <p:nvSpPr>
+          <p:cNvPr id="4" name="Title 3">
+            <a:extLst>
+              <a:ext uri="{FF2B5EF4-FFF2-40B4-BE49-F238E27FC236}">
+                <a16:creationId xmlns:a16="http://schemas.microsoft.com/office/drawing/2014/main" id="{6210D7AA-6874-D14C-ABFB-35F399DD76C6}"/>
+              </a:ext>
+            </a:extLst>
+          </p:cNvPr>
+          <p:cNvSpPr>
+            <a:spLocks noGrp="1"/>
+          </p:cNvSpPr>
+          <p:nvPr>
+            <p:ph type="title"/>
+          </p:nvPr>
+        </p:nvSpPr>
+        <p:spPr/>
+        <p:txBody>
+          <a:bodyPr/>
+          <a:lstStyle/>
+          <a:p>
+            <a:endParaRPr lang="en-US"/>
+          </a:p>
+        </p:txBody>
+      </p:sp>
+      <p:sp>
+        <p:nvSpPr>
+          <p:cNvPr id="5" name="Content Placeholder 4">
+            <a:extLst>
+              <a:ext uri="{FF2B5EF4-FFF2-40B4-BE49-F238E27FC236}">
+                <a16:creationId xmlns:a16="http://schemas.microsoft.com/office/drawing/2014/main" id="{59F2A1D3-6A45-2A4E-92BD-B25DA800456E}"/>
+              </a:ext>
+            </a:extLst>
+          </p:cNvPr>
+          <p:cNvSpPr>
+            <a:spLocks noGrp="1"/>
+          </p:cNvSpPr>
+          <p:nvPr>
+            <p:ph idx="1"/>
+          </p:nvPr>
+        </p:nvSpPr>
+        <p:spPr/>
+        <p:txBody>
+          <a:bodyPr/>
+          <a:lstStyle/>
+          <a:p>
+            <a:endParaRPr lang="en-US"/>
+          </a:p>
+        </p:txBody>
+      </p:sp>
+    </p:spTree>
+    <p:extLst>
+      <p:ext uri="{BB962C8B-B14F-4D97-AF65-F5344CB8AC3E}">
+        <p14:creationId xmlns:p14="http://schemas.microsoft.com/office/powerpoint/2010/main" val="887500604"/>
+      </p:ext>
+    </p:extLst>
+  </p:cSld>
+  <p:clrMapOvr>
+    <a:masterClrMapping/>
+  </p:clrMapOvr>
+</p:sld>
+</file>
+
+<file path=ppt/slides/slide23.xml><?xml version="1.0" encoding="utf-8"?>
+<p:sld xmlns:a="http://schemas.openxmlformats.org/drawingml/2006/main" xmlns:r="http://schemas.openxmlformats.org/officeDocument/2006/relationships" xmlns:p="http://schemas.openxmlformats.org/presentationml/2006/main">
+  <p:cSld>
+    <p:spTree>
+      <p:nvGrpSpPr>
+        <p:cNvPr id="1" name=""/>
+        <p:cNvGrpSpPr/>
+        <p:nvPr/>
+      </p:nvGrpSpPr>
+      <p:grpSpPr>
+        <a:xfrm>
+          <a:off x="0" y="0"/>
+          <a:ext cx="0" cy="0"/>
+          <a:chOff x="0" y="0"/>
+          <a:chExt cx="0" cy="0"/>
+        </a:xfrm>
+      </p:grpSpPr>
+      <p:sp>
+        <p:nvSpPr>
+          <p:cNvPr id="4" name="Title 3">
+            <a:extLst>
+              <a:ext uri="{FF2B5EF4-FFF2-40B4-BE49-F238E27FC236}">
+                <a16:creationId xmlns:a16="http://schemas.microsoft.com/office/drawing/2014/main" id="{81203072-0A89-A743-98A8-624657DC9B25}"/>
+              </a:ext>
+            </a:extLst>
+          </p:cNvPr>
+          <p:cNvSpPr>
+            <a:spLocks noGrp="1"/>
+          </p:cNvSpPr>
+          <p:nvPr>
+            <p:ph type="title"/>
+          </p:nvPr>
+        </p:nvSpPr>
+        <p:spPr/>
+        <p:txBody>
+          <a:bodyPr/>
+          <a:lstStyle/>
+          <a:p>
+            <a:r>
+              <a:rPr lang="en-US" dirty="0"/>
+              <a:t>Appendix</a:t>
+            </a:r>
+          </a:p>
+        </p:txBody>
+      </p:sp>
+      <p:sp>
+        <p:nvSpPr>
+          <p:cNvPr id="5" name="Text Placeholder 4">
+            <a:extLst>
+              <a:ext uri="{FF2B5EF4-FFF2-40B4-BE49-F238E27FC236}">
+                <a16:creationId xmlns:a16="http://schemas.microsoft.com/office/drawing/2014/main" id="{527E5198-97A2-E64B-A776-B5417264E81F}"/>
+              </a:ext>
+            </a:extLst>
+          </p:cNvPr>
+          <p:cNvSpPr>
+            <a:spLocks noGrp="1"/>
+          </p:cNvSpPr>
+          <p:nvPr>
+            <p:ph type="body" idx="1"/>
+          </p:nvPr>
+        </p:nvSpPr>
+        <p:spPr/>
+        <p:txBody>
+          <a:bodyPr/>
+          <a:lstStyle/>
+          <a:p>
+            <a:endParaRPr lang="en-US"/>
+          </a:p>
+        </p:txBody>
+      </p:sp>
+    </p:spTree>
+    <p:extLst>
+      <p:ext uri="{BB962C8B-B14F-4D97-AF65-F5344CB8AC3E}">
+        <p14:creationId xmlns:p14="http://schemas.microsoft.com/office/powerpoint/2010/main" val="581244798"/>
+      </p:ext>
+    </p:extLst>
+  </p:cSld>
+  <p:clrMapOvr>
+    <a:masterClrMapping/>
+  </p:clrMapOvr>
+</p:sld>
+</file>
+
+<file path=ppt/slides/slide24.xml><?xml version="1.0" encoding="utf-8"?>
+<p:sld xmlns:a="http://schemas.openxmlformats.org/drawingml/2006/main" xmlns:r="http://schemas.openxmlformats.org/officeDocument/2006/relationships" xmlns:p="http://schemas.openxmlformats.org/presentationml/2006/main">
+  <p:cSld>
+    <p:spTree>
+      <p:nvGrpSpPr>
+        <p:cNvPr id="1" name=""/>
+        <p:cNvGrpSpPr/>
+        <p:nvPr/>
+      </p:nvGrpSpPr>
+      <p:grpSpPr>
+        <a:xfrm>
+          <a:off x="0" y="0"/>
+          <a:ext cx="0" cy="0"/>
+          <a:chOff x="0" y="0"/>
+          <a:chExt cx="0" cy="0"/>
+        </a:xfrm>
+      </p:grpSpPr>
+      <p:sp>
+        <p:nvSpPr>
+          <p:cNvPr id="2" name="Title 1">
+            <a:extLst>
+              <a:ext uri="{FF2B5EF4-FFF2-40B4-BE49-F238E27FC236}">
                 <a16:creationId xmlns:a16="http://schemas.microsoft.com/office/drawing/2014/main" id="{B3869005-6E22-A84F-A1A8-45CFB5848291}"/>
               </a:ext>
             </a:extLst>
@@ -3882,168 +7237,6 @@
     <p:extLst>
       <p:ext uri="{BB962C8B-B14F-4D97-AF65-F5344CB8AC3E}">
         <p14:creationId xmlns:p14="http://schemas.microsoft.com/office/powerpoint/2010/main" val="2448271982"/>
-      </p:ext>
-    </p:extLst>
-  </p:cSld>
-  <p:clrMapOvr>
-    <a:masterClrMapping/>
-  </p:clrMapOvr>
-</p:sld>
-</file>
-
-<file path=ppt/slides/slide2.xml><?xml version="1.0" encoding="utf-8"?>
-<p:sld xmlns:a="http://schemas.openxmlformats.org/drawingml/2006/main" xmlns:r="http://schemas.openxmlformats.org/officeDocument/2006/relationships" xmlns:p="http://schemas.openxmlformats.org/presentationml/2006/main">
-  <p:cSld>
-    <p:spTree>
-      <p:nvGrpSpPr>
-        <p:cNvPr id="1" name=""/>
-        <p:cNvGrpSpPr/>
-        <p:nvPr/>
-      </p:nvGrpSpPr>
-      <p:grpSpPr>
-        <a:xfrm>
-          <a:off x="0" y="0"/>
-          <a:ext cx="0" cy="0"/>
-          <a:chOff x="0" y="0"/>
-          <a:chExt cx="0" cy="0"/>
-        </a:xfrm>
-      </p:grpSpPr>
-      <p:sp>
-        <p:nvSpPr>
-          <p:cNvPr id="2" name="Title 1">
-            <a:extLst>
-              <a:ext uri="{FF2B5EF4-FFF2-40B4-BE49-F238E27FC236}">
-                <a16:creationId xmlns:a16="http://schemas.microsoft.com/office/drawing/2014/main" id="{F1821B62-5F2B-0042-B4D1-0A616B9A2397}"/>
-              </a:ext>
-            </a:extLst>
-          </p:cNvPr>
-          <p:cNvSpPr>
-            <a:spLocks noGrp="1"/>
-          </p:cNvSpPr>
-          <p:nvPr>
-            <p:ph type="title"/>
-          </p:nvPr>
-        </p:nvSpPr>
-        <p:spPr/>
-        <p:txBody>
-          <a:bodyPr/>
-          <a:lstStyle/>
-          <a:p>
-            <a:r>
-              <a:rPr lang="en-US" dirty="0"/>
-              <a:t>Causal Inference Series</a:t>
-            </a:r>
-          </a:p>
-        </p:txBody>
-      </p:sp>
-      <p:sp>
-        <p:nvSpPr>
-          <p:cNvPr id="3" name="Content Placeholder 2">
-            <a:extLst>
-              <a:ext uri="{FF2B5EF4-FFF2-40B4-BE49-F238E27FC236}">
-                <a16:creationId xmlns:a16="http://schemas.microsoft.com/office/drawing/2014/main" id="{70C15C76-6BD6-0F41-AB0A-743D563189AD}"/>
-              </a:ext>
-            </a:extLst>
-          </p:cNvPr>
-          <p:cNvSpPr>
-            <a:spLocks noGrp="1"/>
-          </p:cNvSpPr>
-          <p:nvPr>
-            <p:ph idx="1"/>
-          </p:nvPr>
-        </p:nvSpPr>
-        <p:spPr/>
-        <p:txBody>
-          <a:bodyPr>
-            <a:normAutofit lnSpcReduction="10000"/>
-          </a:bodyPr>
-          <a:lstStyle/>
-          <a:p>
-            <a:pPr marL="514350" indent="-514350">
-              <a:buFont typeface="+mj-lt"/>
-              <a:buAutoNum type="arabicParenR"/>
-            </a:pPr>
-            <a:r>
-              <a:rPr lang="en-US" dirty="0"/>
-              <a:t>Foundations</a:t>
-            </a:r>
-          </a:p>
-          <a:p>
-            <a:pPr marL="514350" indent="-514350">
-              <a:buFont typeface="+mj-lt"/>
-              <a:buAutoNum type="arabicParenR"/>
-            </a:pPr>
-            <a:r>
-              <a:rPr lang="en-US" dirty="0"/>
-              <a:t>Defining Some ATE/ATET Causal Models</a:t>
-            </a:r>
-          </a:p>
-          <a:p>
-            <a:pPr marL="514350" indent="-514350">
-              <a:buFont typeface="+mj-lt"/>
-              <a:buAutoNum type="arabicParenR"/>
-            </a:pPr>
-            <a:r>
-              <a:rPr lang="en-US" dirty="0"/>
-              <a:t>ATE/ATET Inference, Asymptotic Theory, and Bootstrapping</a:t>
-            </a:r>
-          </a:p>
-          <a:p>
-            <a:pPr marL="514350" indent="-514350">
-              <a:buFont typeface="+mj-lt"/>
-              <a:buAutoNum type="arabicParenR"/>
-            </a:pPr>
-            <a:r>
-              <a:rPr lang="en-US" b="1" dirty="0"/>
-              <a:t>Best Practices: Outliers, Class Imbalance, Feature Selection, and Bad Control </a:t>
-            </a:r>
-          </a:p>
-          <a:p>
-            <a:pPr marL="514350" indent="-514350">
-              <a:buFont typeface="+mj-lt"/>
-              <a:buAutoNum type="arabicParenR"/>
-            </a:pPr>
-            <a:r>
-              <a:rPr lang="en-US" dirty="0"/>
-              <a:t>Heterogeneous Treatment Effect Models and Inference</a:t>
-            </a:r>
-          </a:p>
-          <a:p>
-            <a:pPr marL="514350" indent="-514350">
-              <a:buFont typeface="+mj-lt"/>
-              <a:buAutoNum type="arabicParenR"/>
-            </a:pPr>
-            <a:r>
-              <a:rPr lang="en-US" dirty="0"/>
-              <a:t>Difference-in-Difference Models for Panel Data</a:t>
-            </a:r>
-          </a:p>
-          <a:p>
-            <a:pPr marL="514350" indent="-514350">
-              <a:buFont typeface="+mj-lt"/>
-              <a:buAutoNum type="arabicParenR"/>
-            </a:pPr>
-            <a:r>
-              <a:rPr lang="en-US" dirty="0"/>
-              <a:t>Regression Discontinuity Models</a:t>
-            </a:r>
-          </a:p>
-          <a:p>
-            <a:pPr marL="514350" indent="-514350">
-              <a:buFont typeface="+mj-lt"/>
-              <a:buAutoNum type="arabicParenR"/>
-            </a:pPr>
-            <a:r>
-              <a:rPr lang="en-US" dirty="0"/>
-              <a:t>Arguable Validation</a:t>
-            </a:r>
-          </a:p>
-        </p:txBody>
-      </p:sp>
-    </p:spTree>
-    <p:extLst>
-      <p:ext uri="{BB962C8B-B14F-4D97-AF65-F5344CB8AC3E}">
-        <p14:creationId xmlns:p14="http://schemas.microsoft.com/office/powerpoint/2010/main" val="2385803048"/>
       </p:ext>
     </p:extLst>
   </p:cSld>
@@ -4302,35 +7495,239 @@
           <a:bodyPr/>
           <a:lstStyle/>
           <a:p>
-            <a:endParaRPr lang="en-US"/>
+            <a:r>
+              <a:rPr lang="en-US" dirty="0"/>
+              <a:t>Why are outliers problems?</a:t>
+            </a:r>
           </a:p>
         </p:txBody>
       </p:sp>
-      <p:sp>
-        <p:nvSpPr>
-          <p:cNvPr id="5" name="Content Placeholder 4">
-            <a:extLst>
-              <a:ext uri="{FF2B5EF4-FFF2-40B4-BE49-F238E27FC236}">
-                <a16:creationId xmlns:a16="http://schemas.microsoft.com/office/drawing/2014/main" id="{59F2A1D3-6A45-2A4E-92BD-B25DA800456E}"/>
-              </a:ext>
-            </a:extLst>
-          </p:cNvPr>
-          <p:cNvSpPr>
-            <a:spLocks noGrp="1"/>
-          </p:cNvSpPr>
-          <p:nvPr>
-            <p:ph idx="1"/>
-          </p:nvPr>
-        </p:nvSpPr>
-        <p:spPr/>
-        <p:txBody>
-          <a:bodyPr/>
-          <a:lstStyle/>
-          <a:p>
-            <a:endParaRPr lang="en-US"/>
-          </a:p>
-        </p:txBody>
-      </p:sp>
+      <mc:AlternateContent xmlns:mc="http://schemas.openxmlformats.org/markup-compatibility/2006" xmlns:a14="http://schemas.microsoft.com/office/drawing/2010/main">
+        <mc:Choice Requires="a14">
+          <p:sp>
+            <p:nvSpPr>
+              <p:cNvPr id="5" name="Content Placeholder 4">
+                <a:extLst>
+                  <a:ext uri="{FF2B5EF4-FFF2-40B4-BE49-F238E27FC236}">
+                    <a16:creationId xmlns:a16="http://schemas.microsoft.com/office/drawing/2014/main" id="{59F2A1D3-6A45-2A4E-92BD-B25DA800456E}"/>
+                  </a:ext>
+                </a:extLst>
+              </p:cNvPr>
+              <p:cNvSpPr>
+                <a:spLocks noGrp="1"/>
+              </p:cNvSpPr>
+              <p:nvPr>
+                <p:ph idx="1"/>
+              </p:nvPr>
+            </p:nvSpPr>
+            <p:spPr/>
+            <p:txBody>
+              <a:bodyPr/>
+              <a:lstStyle/>
+              <a:p>
+                <a:r>
+                  <a:rPr lang="en-US" dirty="0"/>
+                  <a:t>Generally, treatment effects estimates are about the average.</a:t>
+                </a:r>
+              </a:p>
+              <a:p>
+                <a:pPr lvl="1"/>
+                <a:r>
+                  <a:rPr lang="en-US" dirty="0"/>
+                  <a:t>Average treatment effect</a:t>
+                </a:r>
+              </a:p>
+              <a:p>
+                <a:pPr lvl="1"/>
+                <a:r>
+                  <a:rPr lang="en-US" dirty="0"/>
+                  <a:t>Average treatment effect on the treated</a:t>
+                </a:r>
+              </a:p>
+              <a:p>
+                <a:pPr lvl="1"/>
+                <a:r>
+                  <a:rPr lang="en-US" dirty="0"/>
+                  <a:t>Conditional average treatment effect</a:t>
+                </a:r>
+              </a:p>
+              <a:p>
+                <a:r>
+                  <a:rPr lang="en-US" dirty="0"/>
+                  <a:t> This is represented in their technical implementation by the statistical conditions for estimation.</a:t>
+                </a:r>
+              </a:p>
+              <a:p>
+                <a:r>
+                  <a:rPr lang="en-US" dirty="0"/>
+                  <a:t>For example, the </a:t>
+                </a:r>
+                <a:r>
+                  <a:rPr lang="en-US" dirty="0" err="1"/>
+                  <a:t>unconfoundedness</a:t>
+                </a:r>
+                <a:r>
+                  <a:rPr lang="en-US" dirty="0"/>
+                  <a:t> assumption can be represented as  </a:t>
+                </a:r>
+                <a14:m>
+                  <m:oMath xmlns:m="http://schemas.openxmlformats.org/officeDocument/2006/math">
+                    <m:r>
+                      <a:rPr lang="en-US" b="0" i="1" smtClean="0">
+                        <a:latin typeface="Cambria Math" panose="02040503050406030204" pitchFamily="18" charset="0"/>
+                      </a:rPr>
+                      <m:t>𝐸</m:t>
+                    </m:r>
+                    <m:d>
+                      <m:dPr>
+                        <m:begChr m:val="["/>
+                        <m:endChr m:val="|"/>
+                        <m:ctrlPr>
+                          <a:rPr lang="en-US" b="0" i="1" smtClean="0">
+                            <a:latin typeface="Cambria Math" panose="02040503050406030204" pitchFamily="18" charset="0"/>
+                          </a:rPr>
+                        </m:ctrlPr>
+                      </m:dPr>
+                      <m:e>
+                        <m:sSub>
+                          <m:sSubPr>
+                            <m:ctrlPr>
+                              <a:rPr lang="en-US" b="0" i="1" smtClean="0">
+                                <a:latin typeface="Cambria Math" panose="02040503050406030204" pitchFamily="18" charset="0"/>
+                              </a:rPr>
+                            </m:ctrlPr>
+                          </m:sSubPr>
+                          <m:e>
+                            <m:r>
+                              <a:rPr lang="en-US" b="0" i="1" smtClean="0">
+                                <a:latin typeface="Cambria Math" panose="02040503050406030204" pitchFamily="18" charset="0"/>
+                              </a:rPr>
+                              <m:t>𝑢</m:t>
+                            </m:r>
+                          </m:e>
+                          <m:sub>
+                            <m:r>
+                              <a:rPr lang="en-US" b="0" i="1" smtClean="0">
+                                <a:latin typeface="Cambria Math" panose="02040503050406030204" pitchFamily="18" charset="0"/>
+                              </a:rPr>
+                              <m:t>𝑖</m:t>
+                            </m:r>
+                          </m:sub>
+                        </m:sSub>
+                      </m:e>
+                    </m:d>
+                    <m:sSub>
+                      <m:sSubPr>
+                        <m:ctrlPr>
+                          <a:rPr lang="en-US" b="0" i="1" smtClean="0">
+                            <a:latin typeface="Cambria Math" panose="02040503050406030204" pitchFamily="18" charset="0"/>
+                          </a:rPr>
+                        </m:ctrlPr>
+                      </m:sSubPr>
+                      <m:e>
+                        <m:r>
+                          <a:rPr lang="en-US" b="0" i="1" smtClean="0">
+                            <a:latin typeface="Cambria Math" panose="02040503050406030204" pitchFamily="18" charset="0"/>
+                          </a:rPr>
+                          <m:t>𝑋</m:t>
+                        </m:r>
+                      </m:e>
+                      <m:sub>
+                        <m:r>
+                          <a:rPr lang="en-US" b="0" i="1" smtClean="0">
+                            <a:latin typeface="Cambria Math" panose="02040503050406030204" pitchFamily="18" charset="0"/>
+                          </a:rPr>
+                          <m:t>𝑖</m:t>
+                        </m:r>
+                      </m:sub>
+                    </m:sSub>
+                    <m:r>
+                      <a:rPr lang="en-US" b="0" i="1" smtClean="0">
+                        <a:latin typeface="Cambria Math" panose="02040503050406030204" pitchFamily="18" charset="0"/>
+                      </a:rPr>
+                      <m:t>, </m:t>
+                    </m:r>
+                    <m:sSub>
+                      <m:sSubPr>
+                        <m:ctrlPr>
+                          <a:rPr lang="en-US" b="0" i="1" smtClean="0">
+                            <a:latin typeface="Cambria Math" panose="02040503050406030204" pitchFamily="18" charset="0"/>
+                          </a:rPr>
+                        </m:ctrlPr>
+                      </m:sSubPr>
+                      <m:e>
+                        <m:r>
+                          <a:rPr lang="en-US" b="0" i="1" smtClean="0">
+                            <a:latin typeface="Cambria Math" panose="02040503050406030204" pitchFamily="18" charset="0"/>
+                          </a:rPr>
+                          <m:t>𝑊</m:t>
+                        </m:r>
+                      </m:e>
+                      <m:sub>
+                        <m:r>
+                          <a:rPr lang="en-US" b="0" i="1" smtClean="0">
+                            <a:latin typeface="Cambria Math" panose="02040503050406030204" pitchFamily="18" charset="0"/>
+                          </a:rPr>
+                          <m:t>𝑖</m:t>
+                        </m:r>
+                      </m:sub>
+                    </m:sSub>
+                    <m:r>
+                      <a:rPr lang="en-US" b="0" i="1" smtClean="0">
+                        <a:latin typeface="Cambria Math" panose="02040503050406030204" pitchFamily="18" charset="0"/>
+                      </a:rPr>
+                      <m:t>]=0</m:t>
+                    </m:r>
+                  </m:oMath>
+                </a14:m>
+                <a:endParaRPr lang="en-US" i="1" dirty="0"/>
+              </a:p>
+              <a:p>
+                <a:endParaRPr lang="en-US" dirty="0"/>
+              </a:p>
+            </p:txBody>
+          </p:sp>
+        </mc:Choice>
+        <mc:Fallback xmlns="">
+          <p:sp>
+            <p:nvSpPr>
+              <p:cNvPr id="5" name="Content Placeholder 4">
+                <a:extLst>
+                  <a:ext uri="{FF2B5EF4-FFF2-40B4-BE49-F238E27FC236}">
+                    <a16:creationId xmlns:a16="http://schemas.microsoft.com/office/drawing/2014/main" id="{59F2A1D3-6A45-2A4E-92BD-B25DA800456E}"/>
+                  </a:ext>
+                </a:extLst>
+              </p:cNvPr>
+              <p:cNvSpPr>
+                <a:spLocks noGrp="1" noRot="1" noChangeAspect="1" noMove="1" noResize="1" noEditPoints="1" noAdjustHandles="1" noChangeArrowheads="1" noChangeShapeType="1" noTextEdit="1"/>
+              </p:cNvSpPr>
+              <p:nvPr>
+                <p:ph idx="1"/>
+              </p:nvPr>
+            </p:nvSpPr>
+            <p:spPr>
+              <a:blipFill>
+                <a:blip r:embed="rId2"/>
+                <a:stretch>
+                  <a:fillRect l="-1086" t="-2326"/>
+                </a:stretch>
+              </a:blipFill>
+            </p:spPr>
+            <p:txBody>
+              <a:bodyPr/>
+              <a:lstStyle/>
+              <a:p>
+                <a:r>
+                  <a:rPr lang="en-US">
+                    <a:noFill/>
+                  </a:rPr>
+                  <a:t> </a:t>
+                </a:r>
+              </a:p>
+            </p:txBody>
+          </p:sp>
+        </mc:Fallback>
+      </mc:AlternateContent>
     </p:spTree>
     <p:extLst>
       <p:ext uri="{BB962C8B-B14F-4D97-AF65-F5344CB8AC3E}">
@@ -4363,10 +7760,10 @@
       </p:grpSpPr>
       <p:sp>
         <p:nvSpPr>
-          <p:cNvPr id="4" name="Title 3">
-            <a:extLst>
-              <a:ext uri="{FF2B5EF4-FFF2-40B4-BE49-F238E27FC236}">
-                <a16:creationId xmlns:a16="http://schemas.microsoft.com/office/drawing/2014/main" id="{81203072-0A89-A743-98A8-624657DC9B25}"/>
+          <p:cNvPr id="2" name="Title 1">
+            <a:extLst>
+              <a:ext uri="{FF2B5EF4-FFF2-40B4-BE49-F238E27FC236}">
+                <a16:creationId xmlns:a16="http://schemas.microsoft.com/office/drawing/2014/main" id="{9CC14A86-6BC5-CD40-8CA2-03BD62B9281D}"/>
               </a:ext>
             </a:extLst>
           </p:cNvPr>
@@ -4384,17 +7781,17 @@
           <a:p>
             <a:r>
               <a:rPr lang="en-US" dirty="0"/>
-              <a:t>B. Class Imbalance in Propensity Scores</a:t>
+              <a:t>Outliers skew the average</a:t>
             </a:r>
           </a:p>
         </p:txBody>
       </p:sp>
       <p:sp>
         <p:nvSpPr>
-          <p:cNvPr id="5" name="Text Placeholder 4">
-            <a:extLst>
-              <a:ext uri="{FF2B5EF4-FFF2-40B4-BE49-F238E27FC236}">
-                <a16:creationId xmlns:a16="http://schemas.microsoft.com/office/drawing/2014/main" id="{527E5198-97A2-E64B-A776-B5417264E81F}"/>
+          <p:cNvPr id="3" name="Content Placeholder 2">
+            <a:extLst>
+              <a:ext uri="{FF2B5EF4-FFF2-40B4-BE49-F238E27FC236}">
+                <a16:creationId xmlns:a16="http://schemas.microsoft.com/office/drawing/2014/main" id="{CE916B79-2DC6-E84E-B95C-97A744679963}"/>
               </a:ext>
             </a:extLst>
           </p:cNvPr>
@@ -4402,7 +7799,7 @@
             <a:spLocks noGrp="1"/>
           </p:cNvSpPr>
           <p:nvPr>
-            <p:ph type="body" idx="1"/>
+            <p:ph idx="1"/>
           </p:nvPr>
         </p:nvSpPr>
         <p:spPr/>
@@ -4410,14 +7807,44 @@
           <a:bodyPr/>
           <a:lstStyle/>
           <a:p>
-            <a:endParaRPr lang="en-US"/>
+            <a:r>
+              <a:rPr lang="en-US" dirty="0"/>
+              <a:t>Obviously, outlier values cause the average to take on extreme values</a:t>
+            </a:r>
+          </a:p>
+          <a:p>
+            <a:r>
+              <a:rPr lang="en-US" dirty="0"/>
+              <a:t>From a </a:t>
+            </a:r>
+            <a:r>
+              <a:rPr lang="en-US" u="sng" dirty="0"/>
+              <a:t>strictly theoretical perspective, this is sometimes okay</a:t>
+            </a:r>
+            <a:r>
+              <a:rPr lang="en-US" dirty="0"/>
+              <a:t> because we have already decided our metric of interest is the average. We may care about the median instead, then the average would be a bad proxy measure.</a:t>
+            </a:r>
+          </a:p>
+          <a:p>
+            <a:pPr lvl="1"/>
+            <a:r>
+              <a:rPr lang="en-US" dirty="0"/>
+              <a:t>We’ll return to the median later.</a:t>
+            </a:r>
+          </a:p>
+          <a:p>
+            <a:r>
+              <a:rPr lang="en-US" dirty="0"/>
+              <a:t>Outliers can be a problem if the data is is meant to be representative, but we still have low sample size. </a:t>
+            </a:r>
           </a:p>
         </p:txBody>
       </p:sp>
     </p:spTree>
     <p:extLst>
       <p:ext uri="{BB962C8B-B14F-4D97-AF65-F5344CB8AC3E}">
-        <p14:creationId xmlns:p14="http://schemas.microsoft.com/office/powerpoint/2010/main" val="3644722958"/>
+        <p14:creationId xmlns:p14="http://schemas.microsoft.com/office/powerpoint/2010/main" val="4202894335"/>
       </p:ext>
     </p:extLst>
   </p:cSld>
@@ -4446,10 +7873,10 @@
       </p:grpSpPr>
       <p:sp>
         <p:nvSpPr>
-          <p:cNvPr id="4" name="Title 3">
-            <a:extLst>
-              <a:ext uri="{FF2B5EF4-FFF2-40B4-BE49-F238E27FC236}">
-                <a16:creationId xmlns:a16="http://schemas.microsoft.com/office/drawing/2014/main" id="{6210D7AA-6874-D14C-ABFB-35F399DD76C6}"/>
+          <p:cNvPr id="2" name="Title 1">
+            <a:extLst>
+              <a:ext uri="{FF2B5EF4-FFF2-40B4-BE49-F238E27FC236}">
+                <a16:creationId xmlns:a16="http://schemas.microsoft.com/office/drawing/2014/main" id="{96525208-33F8-F844-BD4C-9E138DA81591}"/>
               </a:ext>
             </a:extLst>
           </p:cNvPr>
@@ -4465,39 +7892,525 @@
           <a:bodyPr/>
           <a:lstStyle/>
           <a:p>
-            <a:endParaRPr lang="en-US"/>
+            <a:r>
+              <a:rPr lang="en-US" dirty="0"/>
+              <a:t>Two types of outliers</a:t>
+            </a:r>
           </a:p>
         </p:txBody>
       </p:sp>
-      <p:sp>
-        <p:nvSpPr>
-          <p:cNvPr id="5" name="Content Placeholder 4">
-            <a:extLst>
-              <a:ext uri="{FF2B5EF4-FFF2-40B4-BE49-F238E27FC236}">
-                <a16:creationId xmlns:a16="http://schemas.microsoft.com/office/drawing/2014/main" id="{59F2A1D3-6A45-2A4E-92BD-B25DA800456E}"/>
-              </a:ext>
-            </a:extLst>
-          </p:cNvPr>
-          <p:cNvSpPr>
-            <a:spLocks noGrp="1"/>
-          </p:cNvSpPr>
-          <p:nvPr>
-            <p:ph idx="1"/>
-          </p:nvPr>
-        </p:nvSpPr>
-        <p:spPr/>
-        <p:txBody>
-          <a:bodyPr/>
-          <a:lstStyle/>
-          <a:p>
-            <a:endParaRPr lang="en-US"/>
-          </a:p>
-        </p:txBody>
-      </p:sp>
+      <mc:AlternateContent xmlns:mc="http://schemas.openxmlformats.org/markup-compatibility/2006" xmlns:a14="http://schemas.microsoft.com/office/drawing/2010/main">
+        <mc:Choice Requires="a14">
+          <p:sp>
+            <p:nvSpPr>
+              <p:cNvPr id="3" name="Content Placeholder 2">
+                <a:extLst>
+                  <a:ext uri="{FF2B5EF4-FFF2-40B4-BE49-F238E27FC236}">
+                    <a16:creationId xmlns:a16="http://schemas.microsoft.com/office/drawing/2014/main" id="{91E909FA-F381-A346-A869-201523512180}"/>
+                  </a:ext>
+                </a:extLst>
+              </p:cNvPr>
+              <p:cNvSpPr>
+                <a:spLocks noGrp="1"/>
+              </p:cNvSpPr>
+              <p:nvPr>
+                <p:ph idx="1"/>
+              </p:nvPr>
+            </p:nvSpPr>
+            <p:spPr/>
+            <p:txBody>
+              <a:bodyPr/>
+              <a:lstStyle/>
+              <a:p>
+                <a:pPr marL="0" indent="0">
+                  <a:buNone/>
+                </a:pPr>
+                <a14:m>
+                  <m:oMathPara xmlns:m="http://schemas.openxmlformats.org/officeDocument/2006/math">
+                    <m:oMathParaPr>
+                      <m:jc m:val="centerGroup"/>
+                    </m:oMathParaPr>
+                    <m:oMath xmlns:m="http://schemas.openxmlformats.org/officeDocument/2006/math">
+                      <m:sSub>
+                        <m:sSubPr>
+                          <m:ctrlPr>
+                            <a:rPr lang="en-US" b="0" i="1" smtClean="0">
+                              <a:latin typeface="Cambria Math" panose="02040503050406030204" pitchFamily="18" charset="0"/>
+                            </a:rPr>
+                          </m:ctrlPr>
+                        </m:sSubPr>
+                        <m:e>
+                          <m:r>
+                            <a:rPr lang="en-US" b="0" i="1" smtClean="0">
+                              <a:latin typeface="Cambria Math" panose="02040503050406030204" pitchFamily="18" charset="0"/>
+                            </a:rPr>
+                            <m:t>𝑌</m:t>
+                          </m:r>
+                        </m:e>
+                        <m:sub>
+                          <m:r>
+                            <a:rPr lang="en-US" b="0" i="1" smtClean="0">
+                              <a:latin typeface="Cambria Math" panose="02040503050406030204" pitchFamily="18" charset="0"/>
+                            </a:rPr>
+                            <m:t>𝑖</m:t>
+                          </m:r>
+                        </m:sub>
+                      </m:sSub>
+                      <m:r>
+                        <a:rPr lang="en-US" b="0" i="1" smtClean="0">
+                          <a:latin typeface="Cambria Math" panose="02040503050406030204" pitchFamily="18" charset="0"/>
+                        </a:rPr>
+                        <m:t>=</m:t>
+                      </m:r>
+                      <m:r>
+                        <a:rPr lang="en-US" b="0" i="1" smtClean="0">
+                          <a:latin typeface="Cambria Math" panose="02040503050406030204" pitchFamily="18" charset="0"/>
+                        </a:rPr>
+                        <m:t>𝜏</m:t>
+                      </m:r>
+                      <m:sSub>
+                        <m:sSubPr>
+                          <m:ctrlPr>
+                            <a:rPr lang="en-US" b="0" i="1" smtClean="0">
+                              <a:latin typeface="Cambria Math" panose="02040503050406030204" pitchFamily="18" charset="0"/>
+                            </a:rPr>
+                          </m:ctrlPr>
+                        </m:sSubPr>
+                        <m:e>
+                          <m:r>
+                            <a:rPr lang="en-US" b="0" i="1" smtClean="0">
+                              <a:latin typeface="Cambria Math" panose="02040503050406030204" pitchFamily="18" charset="0"/>
+                            </a:rPr>
+                            <m:t>𝑊</m:t>
+                          </m:r>
+                        </m:e>
+                        <m:sub>
+                          <m:r>
+                            <a:rPr lang="en-US" b="0" i="1" smtClean="0">
+                              <a:latin typeface="Cambria Math" panose="02040503050406030204" pitchFamily="18" charset="0"/>
+                            </a:rPr>
+                            <m:t>𝑖</m:t>
+                          </m:r>
+                        </m:sub>
+                      </m:sSub>
+                      <m:r>
+                        <a:rPr lang="en-US" b="0" i="1" smtClean="0">
+                          <a:latin typeface="Cambria Math" panose="02040503050406030204" pitchFamily="18" charset="0"/>
+                        </a:rPr>
+                        <m:t>+</m:t>
+                      </m:r>
+                      <m:r>
+                        <a:rPr lang="en-US" b="0" i="1" smtClean="0">
+                          <a:latin typeface="Cambria Math" panose="02040503050406030204" pitchFamily="18" charset="0"/>
+                        </a:rPr>
+                        <m:t>𝑔</m:t>
+                      </m:r>
+                      <m:d>
+                        <m:dPr>
+                          <m:ctrlPr>
+                            <a:rPr lang="en-US" b="0" i="1" smtClean="0">
+                              <a:latin typeface="Cambria Math" panose="02040503050406030204" pitchFamily="18" charset="0"/>
+                            </a:rPr>
+                          </m:ctrlPr>
+                        </m:dPr>
+                        <m:e>
+                          <m:sSub>
+                            <m:sSubPr>
+                              <m:ctrlPr>
+                                <a:rPr lang="en-US" b="0" i="1" smtClean="0">
+                                  <a:latin typeface="Cambria Math" panose="02040503050406030204" pitchFamily="18" charset="0"/>
+                                </a:rPr>
+                              </m:ctrlPr>
+                            </m:sSubPr>
+                            <m:e>
+                              <m:r>
+                                <a:rPr lang="en-US" b="0" i="1" smtClean="0">
+                                  <a:latin typeface="Cambria Math" panose="02040503050406030204" pitchFamily="18" charset="0"/>
+                                </a:rPr>
+                                <m:t>𝑋</m:t>
+                              </m:r>
+                            </m:e>
+                            <m:sub>
+                              <m:r>
+                                <a:rPr lang="en-US" b="0" i="1" smtClean="0">
+                                  <a:latin typeface="Cambria Math" panose="02040503050406030204" pitchFamily="18" charset="0"/>
+                                </a:rPr>
+                                <m:t>𝑖</m:t>
+                              </m:r>
+                            </m:sub>
+                          </m:sSub>
+                        </m:e>
+                      </m:d>
+                      <m:r>
+                        <a:rPr lang="en-US" b="0" i="1" smtClean="0">
+                          <a:latin typeface="Cambria Math" panose="02040503050406030204" pitchFamily="18" charset="0"/>
+                        </a:rPr>
+                        <m:t>+</m:t>
+                      </m:r>
+                      <m:sSub>
+                        <m:sSubPr>
+                          <m:ctrlPr>
+                            <a:rPr lang="en-US" b="0" i="1" smtClean="0">
+                              <a:latin typeface="Cambria Math" panose="02040503050406030204" pitchFamily="18" charset="0"/>
+                            </a:rPr>
+                          </m:ctrlPr>
+                        </m:sSubPr>
+                        <m:e>
+                          <m:r>
+                            <a:rPr lang="en-US" b="0" i="1" smtClean="0">
+                              <a:latin typeface="Cambria Math" panose="02040503050406030204" pitchFamily="18" charset="0"/>
+                            </a:rPr>
+                            <m:t>𝑢</m:t>
+                          </m:r>
+                        </m:e>
+                        <m:sub>
+                          <m:r>
+                            <a:rPr lang="en-US" b="0" i="1" smtClean="0">
+                              <a:latin typeface="Cambria Math" panose="02040503050406030204" pitchFamily="18" charset="0"/>
+                            </a:rPr>
+                            <m:t>𝑖</m:t>
+                          </m:r>
+                        </m:sub>
+                      </m:sSub>
+                    </m:oMath>
+                  </m:oMathPara>
+                </a14:m>
+                <a:endParaRPr lang="en-US" i="1" dirty="0"/>
+              </a:p>
+              <a:p>
+                <a:r>
+                  <a:rPr lang="en-US" dirty="0"/>
+                  <a:t>This means that outlier values in </a:t>
+                </a:r>
+                <a14:m>
+                  <m:oMath xmlns:m="http://schemas.openxmlformats.org/officeDocument/2006/math">
+                    <m:sSub>
+                      <m:sSubPr>
+                        <m:ctrlPr>
+                          <a:rPr lang="en-US" i="1">
+                            <a:latin typeface="Cambria Math" panose="02040503050406030204" pitchFamily="18" charset="0"/>
+                          </a:rPr>
+                        </m:ctrlPr>
+                      </m:sSubPr>
+                      <m:e>
+                        <m:r>
+                          <a:rPr lang="en-US" i="1">
+                            <a:latin typeface="Cambria Math" panose="02040503050406030204" pitchFamily="18" charset="0"/>
+                          </a:rPr>
+                          <m:t>𝑌</m:t>
+                        </m:r>
+                      </m:e>
+                      <m:sub>
+                        <m:r>
+                          <a:rPr lang="en-US" i="1">
+                            <a:latin typeface="Cambria Math" panose="02040503050406030204" pitchFamily="18" charset="0"/>
+                          </a:rPr>
+                          <m:t>𝑖</m:t>
+                        </m:r>
+                      </m:sub>
+                    </m:sSub>
+                    <m:r>
+                      <a:rPr lang="en-US" i="1">
+                        <a:latin typeface="Cambria Math" panose="02040503050406030204" pitchFamily="18" charset="0"/>
+                      </a:rPr>
+                      <m:t> </m:t>
+                    </m:r>
+                  </m:oMath>
+                </a14:m>
+                <a:r>
+                  <a:rPr lang="en-US" dirty="0"/>
+                  <a:t>are potentially a problem. Outlier values in </a:t>
+                </a:r>
+                <a14:m>
+                  <m:oMath xmlns:m="http://schemas.openxmlformats.org/officeDocument/2006/math">
+                    <m:sSub>
+                      <m:sSubPr>
+                        <m:ctrlPr>
+                          <a:rPr lang="en-US" i="1" smtClean="0">
+                            <a:latin typeface="Cambria Math" panose="02040503050406030204" pitchFamily="18" charset="0"/>
+                          </a:rPr>
+                        </m:ctrlPr>
+                      </m:sSubPr>
+                      <m:e>
+                        <m:r>
+                          <a:rPr lang="en-US" b="0" i="1" smtClean="0">
+                            <a:latin typeface="Cambria Math" panose="02040503050406030204" pitchFamily="18" charset="0"/>
+                          </a:rPr>
+                          <m:t>𝑋</m:t>
+                        </m:r>
+                      </m:e>
+                      <m:sub>
+                        <m:r>
+                          <a:rPr lang="en-US" i="1">
+                            <a:latin typeface="Cambria Math" panose="02040503050406030204" pitchFamily="18" charset="0"/>
+                          </a:rPr>
+                          <m:t>𝑖</m:t>
+                        </m:r>
+                      </m:sub>
+                    </m:sSub>
+                  </m:oMath>
+                </a14:m>
+                <a:r>
+                  <a:rPr lang="en-US" i="1" dirty="0"/>
+                  <a:t> </a:t>
+                </a:r>
+                <a:r>
+                  <a:rPr lang="en-US" dirty="0"/>
+                  <a:t>(without any corresponding outlier values in </a:t>
+                </a:r>
+                <a14:m>
+                  <m:oMath xmlns:m="http://schemas.openxmlformats.org/officeDocument/2006/math">
+                    <m:sSub>
+                      <m:sSubPr>
+                        <m:ctrlPr>
+                          <a:rPr lang="en-US" i="1">
+                            <a:latin typeface="Cambria Math" panose="02040503050406030204" pitchFamily="18" charset="0"/>
+                          </a:rPr>
+                        </m:ctrlPr>
+                      </m:sSubPr>
+                      <m:e>
+                        <m:r>
+                          <m:rPr>
+                            <m:sty m:val="p"/>
+                          </m:rPr>
+                          <a:rPr lang="en-US" i="0">
+                            <a:latin typeface="Cambria Math" panose="02040503050406030204" pitchFamily="18" charset="0"/>
+                          </a:rPr>
+                          <m:t>Y</m:t>
+                        </m:r>
+                      </m:e>
+                      <m:sub>
+                        <m:r>
+                          <m:rPr>
+                            <m:sty m:val="p"/>
+                          </m:rPr>
+                          <a:rPr lang="en-US" i="0">
+                            <a:latin typeface="Cambria Math" panose="02040503050406030204" pitchFamily="18" charset="0"/>
+                          </a:rPr>
+                          <m:t>i</m:t>
+                        </m:r>
+                      </m:sub>
+                    </m:sSub>
+                  </m:oMath>
+                </a14:m>
+                <a:r>
+                  <a:rPr lang="en-US" dirty="0"/>
+                  <a:t>) can be addressed with feature generation. </a:t>
+                </a:r>
+              </a:p>
+              <a:p>
+                <a:r>
+                  <a:rPr lang="en-US" dirty="0"/>
+                  <a:t>We will discuss two types of outliers with simulations:</a:t>
+                </a:r>
+              </a:p>
+              <a:p>
+                <a:pPr marL="0" indent="0">
+                  <a:buNone/>
+                </a:pPr>
+                <a:r>
+                  <a:rPr lang="en-US" dirty="0"/>
+                  <a:t>1. Outliers in </a:t>
+                </a:r>
+                <a14:m>
+                  <m:oMath xmlns:m="http://schemas.openxmlformats.org/officeDocument/2006/math">
+                    <m:sSub>
+                      <m:sSubPr>
+                        <m:ctrlPr>
+                          <a:rPr lang="en-US" i="1">
+                            <a:latin typeface="Cambria Math" panose="02040503050406030204" pitchFamily="18" charset="0"/>
+                          </a:rPr>
+                        </m:ctrlPr>
+                      </m:sSubPr>
+                      <m:e>
+                        <m:r>
+                          <a:rPr lang="en-US" i="1">
+                            <a:latin typeface="Cambria Math" panose="02040503050406030204" pitchFamily="18" charset="0"/>
+                          </a:rPr>
+                          <m:t>𝑌</m:t>
+                        </m:r>
+                      </m:e>
+                      <m:sub>
+                        <m:r>
+                          <a:rPr lang="en-US" i="1">
+                            <a:latin typeface="Cambria Math" panose="02040503050406030204" pitchFamily="18" charset="0"/>
+                          </a:rPr>
+                          <m:t>𝑖</m:t>
+                        </m:r>
+                      </m:sub>
+                    </m:sSub>
+                  </m:oMath>
+                </a14:m>
+                <a:r>
+                  <a:rPr lang="en-US" i="1" dirty="0"/>
+                  <a:t> </a:t>
+                </a:r>
+                <a:r>
+                  <a:rPr lang="en-US" dirty="0"/>
+                  <a:t>due to random noise, or large values of </a:t>
+                </a:r>
+                <a14:m>
+                  <m:oMath xmlns:m="http://schemas.openxmlformats.org/officeDocument/2006/math">
+                    <m:sSub>
+                      <m:sSubPr>
+                        <m:ctrlPr>
+                          <a:rPr lang="en-US" i="1">
+                            <a:latin typeface="Cambria Math" panose="02040503050406030204" pitchFamily="18" charset="0"/>
+                          </a:rPr>
+                        </m:ctrlPr>
+                      </m:sSubPr>
+                      <m:e>
+                        <m:r>
+                          <m:rPr>
+                            <m:sty m:val="p"/>
+                          </m:rPr>
+                          <a:rPr lang="en-US" i="0">
+                            <a:latin typeface="Cambria Math" panose="02040503050406030204" pitchFamily="18" charset="0"/>
+                          </a:rPr>
+                          <m:t>u</m:t>
+                        </m:r>
+                      </m:e>
+                      <m:sub>
+                        <m:r>
+                          <m:rPr>
+                            <m:sty m:val="p"/>
+                          </m:rPr>
+                          <a:rPr lang="en-US" i="0">
+                            <a:latin typeface="Cambria Math" panose="02040503050406030204" pitchFamily="18" charset="0"/>
+                          </a:rPr>
+                          <m:t>i</m:t>
+                        </m:r>
+                      </m:sub>
+                    </m:sSub>
+                  </m:oMath>
+                </a14:m>
+                <a:r>
+                  <a:rPr lang="en-US" dirty="0"/>
+                  <a:t>;</a:t>
+                </a:r>
+              </a:p>
+              <a:p>
+                <a:pPr marL="0" indent="0">
+                  <a:buNone/>
+                </a:pPr>
+                <a:r>
+                  <a:rPr lang="en-US" dirty="0"/>
+                  <a:t>2. Outliers in </a:t>
+                </a:r>
+                <a14:m>
+                  <m:oMath xmlns:m="http://schemas.openxmlformats.org/officeDocument/2006/math">
+                    <m:sSub>
+                      <m:sSubPr>
+                        <m:ctrlPr>
+                          <a:rPr lang="en-US" b="0" i="1" smtClean="0">
+                            <a:latin typeface="Cambria Math" panose="02040503050406030204" pitchFamily="18" charset="0"/>
+                          </a:rPr>
+                        </m:ctrlPr>
+                      </m:sSubPr>
+                      <m:e>
+                        <m:r>
+                          <a:rPr lang="en-US" b="0" i="1" smtClean="0">
+                            <a:latin typeface="Cambria Math" panose="02040503050406030204" pitchFamily="18" charset="0"/>
+                          </a:rPr>
+                          <m:t>𝑌</m:t>
+                        </m:r>
+                      </m:e>
+                      <m:sub>
+                        <m:r>
+                          <a:rPr lang="en-US" b="0" i="1" smtClean="0">
+                            <a:latin typeface="Cambria Math" panose="02040503050406030204" pitchFamily="18" charset="0"/>
+                          </a:rPr>
+                          <m:t>𝑖</m:t>
+                        </m:r>
+                      </m:sub>
+                    </m:sSub>
+                  </m:oMath>
+                </a14:m>
+                <a:r>
+                  <a:rPr lang="en-US" dirty="0"/>
+                  <a:t> due to outlier values in </a:t>
+                </a:r>
+                <a14:m>
+                  <m:oMath xmlns:m="http://schemas.openxmlformats.org/officeDocument/2006/math">
+                    <m:sSub>
+                      <m:sSubPr>
+                        <m:ctrlPr>
+                          <a:rPr lang="en-US" i="1">
+                            <a:latin typeface="Cambria Math" panose="02040503050406030204" pitchFamily="18" charset="0"/>
+                          </a:rPr>
+                        </m:ctrlPr>
+                      </m:sSubPr>
+                      <m:e>
+                        <m:r>
+                          <a:rPr lang="en-US" i="1">
+                            <a:latin typeface="Cambria Math" panose="02040503050406030204" pitchFamily="18" charset="0"/>
+                          </a:rPr>
+                          <m:t>𝑋</m:t>
+                        </m:r>
+                      </m:e>
+                      <m:sub>
+                        <m:r>
+                          <a:rPr lang="en-US" i="1">
+                            <a:latin typeface="Cambria Math" panose="02040503050406030204" pitchFamily="18" charset="0"/>
+                          </a:rPr>
+                          <m:t>𝑖</m:t>
+                        </m:r>
+                      </m:sub>
+                    </m:sSub>
+                  </m:oMath>
+                </a14:m>
+                <a:r>
+                  <a:rPr lang="en-US" dirty="0"/>
+                  <a:t>.</a:t>
+                </a:r>
+              </a:p>
+            </p:txBody>
+          </p:sp>
+        </mc:Choice>
+        <mc:Fallback xmlns="">
+          <p:sp>
+            <p:nvSpPr>
+              <p:cNvPr id="3" name="Content Placeholder 2">
+                <a:extLst>
+                  <a:ext uri="{FF2B5EF4-FFF2-40B4-BE49-F238E27FC236}">
+                    <a16:creationId xmlns:a16="http://schemas.microsoft.com/office/drawing/2014/main" id="{91E909FA-F381-A346-A869-201523512180}"/>
+                  </a:ext>
+                </a:extLst>
+              </p:cNvPr>
+              <p:cNvSpPr>
+                <a:spLocks noGrp="1" noRot="1" noChangeAspect="1" noMove="1" noResize="1" noEditPoints="1" noAdjustHandles="1" noChangeArrowheads="1" noChangeShapeType="1" noTextEdit="1"/>
+              </p:cNvSpPr>
+              <p:nvPr>
+                <p:ph idx="1"/>
+              </p:nvPr>
+            </p:nvSpPr>
+            <p:spPr>
+              <a:blipFill>
+                <a:blip r:embed="rId2"/>
+                <a:stretch>
+                  <a:fillRect l="-1206" r="-121"/>
+                </a:stretch>
+              </a:blipFill>
+            </p:spPr>
+            <p:txBody>
+              <a:bodyPr/>
+              <a:lstStyle/>
+              <a:p>
+                <a:r>
+                  <a:rPr lang="en-US">
+                    <a:noFill/>
+                  </a:rPr>
+                  <a:t> </a:t>
+                </a:r>
+              </a:p>
+            </p:txBody>
+          </p:sp>
+        </mc:Fallback>
+      </mc:AlternateContent>
     </p:spTree>
     <p:extLst>
       <p:ext uri="{BB962C8B-B14F-4D97-AF65-F5344CB8AC3E}">
-        <p14:creationId xmlns:p14="http://schemas.microsoft.com/office/powerpoint/2010/main" val="1271872675"/>
+        <p14:creationId xmlns:p14="http://schemas.microsoft.com/office/powerpoint/2010/main" val="1447654901"/>
       </p:ext>
     </p:extLst>
   </p:cSld>
@@ -4524,63 +8437,843 @@
           <a:chExt cx="0" cy="0"/>
         </a:xfrm>
       </p:grpSpPr>
-      <p:sp>
-        <p:nvSpPr>
-          <p:cNvPr id="4" name="Title 3">
-            <a:extLst>
-              <a:ext uri="{FF2B5EF4-FFF2-40B4-BE49-F238E27FC236}">
-                <a16:creationId xmlns:a16="http://schemas.microsoft.com/office/drawing/2014/main" id="{81203072-0A89-A743-98A8-624657DC9B25}"/>
-              </a:ext>
-            </a:extLst>
-          </p:cNvPr>
-          <p:cNvSpPr>
-            <a:spLocks noGrp="1"/>
-          </p:cNvSpPr>
-          <p:nvPr>
-            <p:ph type="title"/>
-          </p:nvPr>
-        </p:nvSpPr>
-        <p:spPr/>
-        <p:txBody>
-          <a:bodyPr/>
-          <a:lstStyle/>
-          <a:p>
-            <a:r>
-              <a:rPr lang="en-US" dirty="0"/>
-              <a:t>C. Feature Selection</a:t>
-            </a:r>
-          </a:p>
-        </p:txBody>
-      </p:sp>
-      <p:sp>
-        <p:nvSpPr>
-          <p:cNvPr id="5" name="Text Placeholder 4">
-            <a:extLst>
-              <a:ext uri="{FF2B5EF4-FFF2-40B4-BE49-F238E27FC236}">
-                <a16:creationId xmlns:a16="http://schemas.microsoft.com/office/drawing/2014/main" id="{527E5198-97A2-E64B-A776-B5417264E81F}"/>
-              </a:ext>
-            </a:extLst>
-          </p:cNvPr>
-          <p:cNvSpPr>
-            <a:spLocks noGrp="1"/>
-          </p:cNvSpPr>
-          <p:nvPr>
-            <p:ph type="body" idx="1"/>
-          </p:nvPr>
-        </p:nvSpPr>
-        <p:spPr/>
-        <p:txBody>
-          <a:bodyPr/>
-          <a:lstStyle/>
-          <a:p>
-            <a:endParaRPr lang="en-US"/>
-          </a:p>
-        </p:txBody>
-      </p:sp>
+      <mc:AlternateContent xmlns:mc="http://schemas.openxmlformats.org/markup-compatibility/2006" xmlns:a14="http://schemas.microsoft.com/office/drawing/2010/main">
+        <mc:Choice Requires="a14">
+          <p:sp>
+            <p:nvSpPr>
+              <p:cNvPr id="2" name="Title 1">
+                <a:extLst>
+                  <a:ext uri="{FF2B5EF4-FFF2-40B4-BE49-F238E27FC236}">
+                    <a16:creationId xmlns:a16="http://schemas.microsoft.com/office/drawing/2014/main" id="{FF7A7B56-B59B-3C4A-918B-5D7088A6449E}"/>
+                  </a:ext>
+                </a:extLst>
+              </p:cNvPr>
+              <p:cNvSpPr>
+                <a:spLocks noGrp="1"/>
+              </p:cNvSpPr>
+              <p:nvPr>
+                <p:ph type="title"/>
+              </p:nvPr>
+            </p:nvSpPr>
+            <p:spPr/>
+            <p:txBody>
+              <a:bodyPr/>
+              <a:lstStyle/>
+              <a:p>
+                <a:r>
+                  <a:rPr lang="en-US" dirty="0"/>
+                  <a:t>Outlier </a:t>
+                </a:r>
+                <a14:m>
+                  <m:oMath xmlns:m="http://schemas.openxmlformats.org/officeDocument/2006/math">
+                    <m:sSub>
+                      <m:sSubPr>
+                        <m:ctrlPr>
+                          <a:rPr lang="en-US" i="1">
+                            <a:latin typeface="Cambria Math" panose="02040503050406030204" pitchFamily="18" charset="0"/>
+                          </a:rPr>
+                        </m:ctrlPr>
+                      </m:sSubPr>
+                      <m:e>
+                        <m:r>
+                          <a:rPr lang="en-US" i="1">
+                            <a:latin typeface="Cambria Math" panose="02040503050406030204" pitchFamily="18" charset="0"/>
+                          </a:rPr>
+                          <m:t>𝑌</m:t>
+                        </m:r>
+                      </m:e>
+                      <m:sub>
+                        <m:r>
+                          <a:rPr lang="en-US" i="1">
+                            <a:latin typeface="Cambria Math" panose="02040503050406030204" pitchFamily="18" charset="0"/>
+                          </a:rPr>
+                          <m:t>𝑖</m:t>
+                        </m:r>
+                      </m:sub>
+                    </m:sSub>
+                  </m:oMath>
+                </a14:m>
+                <a:r>
+                  <a:rPr lang="en-US" dirty="0"/>
+                  <a:t> values due to large values of </a:t>
+                </a:r>
+                <a14:m>
+                  <m:oMath xmlns:m="http://schemas.openxmlformats.org/officeDocument/2006/math">
+                    <m:sSub>
+                      <m:sSubPr>
+                        <m:ctrlPr>
+                          <a:rPr lang="en-US" b="0" i="1" smtClean="0">
+                            <a:latin typeface="Cambria Math" panose="02040503050406030204" pitchFamily="18" charset="0"/>
+                          </a:rPr>
+                        </m:ctrlPr>
+                      </m:sSubPr>
+                      <m:e>
+                        <m:r>
+                          <a:rPr lang="en-US" b="0" i="1" smtClean="0">
+                            <a:latin typeface="Cambria Math" panose="02040503050406030204" pitchFamily="18" charset="0"/>
+                          </a:rPr>
+                          <m:t>𝑢</m:t>
+                        </m:r>
+                      </m:e>
+                      <m:sub>
+                        <m:r>
+                          <a:rPr lang="en-US" b="0" i="1" smtClean="0">
+                            <a:latin typeface="Cambria Math" panose="02040503050406030204" pitchFamily="18" charset="0"/>
+                          </a:rPr>
+                          <m:t>𝑖</m:t>
+                        </m:r>
+                      </m:sub>
+                    </m:sSub>
+                  </m:oMath>
+                </a14:m>
+                <a:r>
+                  <a:rPr lang="en-US" dirty="0"/>
+                  <a:t> </a:t>
+                </a:r>
+              </a:p>
+            </p:txBody>
+          </p:sp>
+        </mc:Choice>
+        <mc:Fallback xmlns="">
+          <p:sp>
+            <p:nvSpPr>
+              <p:cNvPr id="2" name="Title 1">
+                <a:extLst>
+                  <a:ext uri="{FF2B5EF4-FFF2-40B4-BE49-F238E27FC236}">
+                    <a16:creationId xmlns:a16="http://schemas.microsoft.com/office/drawing/2014/main" id="{FF7A7B56-B59B-3C4A-918B-5D7088A6449E}"/>
+                  </a:ext>
+                </a:extLst>
+              </p:cNvPr>
+              <p:cNvSpPr>
+                <a:spLocks noGrp="1" noRot="1" noChangeAspect="1" noMove="1" noResize="1" noEditPoints="1" noAdjustHandles="1" noChangeArrowheads="1" noChangeShapeType="1" noTextEdit="1"/>
+              </p:cNvSpPr>
+              <p:nvPr>
+                <p:ph type="title"/>
+              </p:nvPr>
+            </p:nvSpPr>
+            <p:spPr>
+              <a:blipFill>
+                <a:blip r:embed="rId2"/>
+                <a:stretch>
+                  <a:fillRect l="-2413"/>
+                </a:stretch>
+              </a:blipFill>
+            </p:spPr>
+            <p:txBody>
+              <a:bodyPr/>
+              <a:lstStyle/>
+              <a:p>
+                <a:r>
+                  <a:rPr lang="en-US">
+                    <a:noFill/>
+                  </a:rPr>
+                  <a:t> </a:t>
+                </a:r>
+              </a:p>
+            </p:txBody>
+          </p:sp>
+        </mc:Fallback>
+      </mc:AlternateContent>
+      <mc:AlternateContent xmlns:mc="http://schemas.openxmlformats.org/markup-compatibility/2006">
+        <mc:Choice xmlns:a14="http://schemas.microsoft.com/office/drawing/2010/main" Requires="a14">
+          <p:sp>
+            <p:nvSpPr>
+              <p:cNvPr id="3" name="Content Placeholder 2">
+                <a:extLst>
+                  <a:ext uri="{FF2B5EF4-FFF2-40B4-BE49-F238E27FC236}">
+                    <a16:creationId xmlns:a16="http://schemas.microsoft.com/office/drawing/2014/main" id="{B9C1AAF8-47E2-6C43-87CD-A82B6D172979}"/>
+                  </a:ext>
+                </a:extLst>
+              </p:cNvPr>
+              <p:cNvSpPr>
+                <a:spLocks noGrp="1"/>
+              </p:cNvSpPr>
+              <p:nvPr>
+                <p:ph idx="1"/>
+              </p:nvPr>
+            </p:nvSpPr>
+            <p:spPr/>
+            <p:txBody>
+              <a:bodyPr/>
+              <a:lstStyle/>
+              <a:p>
+                <a:r>
+                  <a:rPr lang="en-US" dirty="0"/>
+                  <a:t>Generally, large values of </a:t>
+                </a:r>
+                <a14:m>
+                  <m:oMath xmlns:m="http://schemas.openxmlformats.org/officeDocument/2006/math">
+                    <m:sSub>
+                      <m:sSubPr>
+                        <m:ctrlPr>
+                          <a:rPr lang="en-US" i="1">
+                            <a:latin typeface="Cambria Math" panose="02040503050406030204" pitchFamily="18" charset="0"/>
+                          </a:rPr>
+                        </m:ctrlPr>
+                      </m:sSubPr>
+                      <m:e>
+                        <m:r>
+                          <a:rPr lang="en-US" i="1">
+                            <a:latin typeface="Cambria Math" panose="02040503050406030204" pitchFamily="18" charset="0"/>
+                          </a:rPr>
+                          <m:t>𝑢</m:t>
+                        </m:r>
+                      </m:e>
+                      <m:sub>
+                        <m:r>
+                          <a:rPr lang="en-US" i="1">
+                            <a:latin typeface="Cambria Math" panose="02040503050406030204" pitchFamily="18" charset="0"/>
+                          </a:rPr>
+                          <m:t>𝑖</m:t>
+                        </m:r>
+                      </m:sub>
+                    </m:sSub>
+                  </m:oMath>
+                </a14:m>
+                <a:r>
+                  <a:rPr lang="en-US" dirty="0"/>
+                  <a:t> are not a concern for the estimate, but can be a concern with inference. This is because </a:t>
+                </a:r>
+                <a14:m>
+                  <m:oMath xmlns:m="http://schemas.openxmlformats.org/officeDocument/2006/math">
+                    <m:sSub>
+                      <m:sSubPr>
+                        <m:ctrlPr>
+                          <a:rPr lang="en-US" i="1">
+                            <a:latin typeface="Cambria Math" panose="02040503050406030204" pitchFamily="18" charset="0"/>
+                          </a:rPr>
+                        </m:ctrlPr>
+                      </m:sSubPr>
+                      <m:e>
+                        <m:r>
+                          <a:rPr lang="en-US" i="1">
+                            <a:latin typeface="Cambria Math" panose="02040503050406030204" pitchFamily="18" charset="0"/>
+                          </a:rPr>
+                          <m:t>𝑢</m:t>
+                        </m:r>
+                      </m:e>
+                      <m:sub>
+                        <m:r>
+                          <a:rPr lang="en-US" i="1">
+                            <a:latin typeface="Cambria Math" panose="02040503050406030204" pitchFamily="18" charset="0"/>
+                          </a:rPr>
+                          <m:t>𝑖</m:t>
+                        </m:r>
+                      </m:sub>
+                    </m:sSub>
+                  </m:oMath>
+                </a14:m>
+                <a:r>
+                  <a:rPr lang="en-US" dirty="0"/>
+                  <a:t> will be identified as random noise.</a:t>
+                </a:r>
+              </a:p>
+              <a:p>
+                <a:r>
+                  <a:rPr lang="en-US" dirty="0"/>
+                  <a:t>Simulation setup:</a:t>
+                </a:r>
+              </a:p>
+              <a:p>
+                <a:pPr marL="0" indent="0">
+                  <a:buNone/>
+                </a:pPr>
+                <a14:m>
+                  <m:oMathPara xmlns:m="http://schemas.openxmlformats.org/officeDocument/2006/math">
+                    <m:oMathParaPr>
+                      <m:jc m:val="centerGroup"/>
+                    </m:oMathParaPr>
+                    <m:oMath xmlns:m="http://schemas.openxmlformats.org/officeDocument/2006/math">
+                      <m:sSub>
+                        <m:sSubPr>
+                          <m:ctrlPr>
+                            <a:rPr lang="en-US" i="1">
+                              <a:latin typeface="Cambria Math" panose="02040503050406030204" pitchFamily="18" charset="0"/>
+                            </a:rPr>
+                          </m:ctrlPr>
+                        </m:sSubPr>
+                        <m:e>
+                          <m:r>
+                            <a:rPr lang="en-US" i="1">
+                              <a:latin typeface="Cambria Math" panose="02040503050406030204" pitchFamily="18" charset="0"/>
+                            </a:rPr>
+                            <m:t>𝑌</m:t>
+                          </m:r>
+                        </m:e>
+                        <m:sub>
+                          <m:r>
+                            <a:rPr lang="en-US" i="1">
+                              <a:latin typeface="Cambria Math" panose="02040503050406030204" pitchFamily="18" charset="0"/>
+                            </a:rPr>
+                            <m:t>𝑖</m:t>
+                          </m:r>
+                        </m:sub>
+                      </m:sSub>
+                      <m:r>
+                        <a:rPr lang="en-US" i="1">
+                          <a:latin typeface="Cambria Math" panose="02040503050406030204" pitchFamily="18" charset="0"/>
+                        </a:rPr>
+                        <m:t>=</m:t>
+                      </m:r>
+                      <m:r>
+                        <a:rPr lang="en-US" i="1">
+                          <a:latin typeface="Cambria Math" panose="02040503050406030204" pitchFamily="18" charset="0"/>
+                        </a:rPr>
+                        <m:t>𝜏</m:t>
+                      </m:r>
+                      <m:sSub>
+                        <m:sSubPr>
+                          <m:ctrlPr>
+                            <a:rPr lang="en-US" i="1">
+                              <a:latin typeface="Cambria Math" panose="02040503050406030204" pitchFamily="18" charset="0"/>
+                            </a:rPr>
+                          </m:ctrlPr>
+                        </m:sSubPr>
+                        <m:e>
+                          <m:r>
+                            <a:rPr lang="en-US" i="1">
+                              <a:latin typeface="Cambria Math" panose="02040503050406030204" pitchFamily="18" charset="0"/>
+                            </a:rPr>
+                            <m:t>𝑊</m:t>
+                          </m:r>
+                        </m:e>
+                        <m:sub>
+                          <m:r>
+                            <a:rPr lang="en-US" i="1">
+                              <a:latin typeface="Cambria Math" panose="02040503050406030204" pitchFamily="18" charset="0"/>
+                            </a:rPr>
+                            <m:t>𝑖</m:t>
+                          </m:r>
+                        </m:sub>
+                      </m:sSub>
+                      <m:r>
+                        <a:rPr lang="en-US" i="1">
+                          <a:latin typeface="Cambria Math" panose="02040503050406030204" pitchFamily="18" charset="0"/>
+                        </a:rPr>
+                        <m:t>+</m:t>
+                      </m:r>
+                      <m:r>
+                        <a:rPr lang="en-US" i="1">
+                          <a:latin typeface="Cambria Math" panose="02040503050406030204" pitchFamily="18" charset="0"/>
+                        </a:rPr>
+                        <m:t>𝑔</m:t>
+                      </m:r>
+                      <m:d>
+                        <m:dPr>
+                          <m:ctrlPr>
+                            <a:rPr lang="en-US" i="1">
+                              <a:latin typeface="Cambria Math" panose="02040503050406030204" pitchFamily="18" charset="0"/>
+                            </a:rPr>
+                          </m:ctrlPr>
+                        </m:dPr>
+                        <m:e>
+                          <m:sSub>
+                            <m:sSubPr>
+                              <m:ctrlPr>
+                                <a:rPr lang="en-US" i="1">
+                                  <a:latin typeface="Cambria Math" panose="02040503050406030204" pitchFamily="18" charset="0"/>
+                                </a:rPr>
+                              </m:ctrlPr>
+                            </m:sSubPr>
+                            <m:e>
+                              <m:r>
+                                <a:rPr lang="en-US" i="1">
+                                  <a:latin typeface="Cambria Math" panose="02040503050406030204" pitchFamily="18" charset="0"/>
+                                </a:rPr>
+                                <m:t>𝑋</m:t>
+                              </m:r>
+                            </m:e>
+                            <m:sub>
+                              <m:r>
+                                <a:rPr lang="en-US" b="0" i="1" smtClean="0">
+                                  <a:latin typeface="Cambria Math" panose="02040503050406030204" pitchFamily="18" charset="0"/>
+                                </a:rPr>
+                                <m:t>1</m:t>
+                              </m:r>
+                              <m:r>
+                                <a:rPr lang="en-US" i="1">
+                                  <a:latin typeface="Cambria Math" panose="02040503050406030204" pitchFamily="18" charset="0"/>
+                                </a:rPr>
+                                <m:t>𝑖</m:t>
+                              </m:r>
+                            </m:sub>
+                          </m:sSub>
+                          <m:r>
+                            <a:rPr lang="en-US" b="0" i="1" smtClean="0">
+                              <a:latin typeface="Cambria Math" panose="02040503050406030204" pitchFamily="18" charset="0"/>
+                            </a:rPr>
+                            <m:t>,</m:t>
+                          </m:r>
+                          <m:sSub>
+                            <m:sSubPr>
+                              <m:ctrlPr>
+                                <a:rPr lang="en-US" b="0" i="1" smtClean="0">
+                                  <a:latin typeface="Cambria Math" panose="02040503050406030204" pitchFamily="18" charset="0"/>
+                                </a:rPr>
+                              </m:ctrlPr>
+                            </m:sSubPr>
+                            <m:e>
+                              <m:r>
+                                <a:rPr lang="en-US" b="0" i="1" smtClean="0">
+                                  <a:latin typeface="Cambria Math" panose="02040503050406030204" pitchFamily="18" charset="0"/>
+                                </a:rPr>
+                                <m:t>𝑋</m:t>
+                              </m:r>
+                            </m:e>
+                            <m:sub>
+                              <m:r>
+                                <a:rPr lang="en-US" b="0" i="1" smtClean="0">
+                                  <a:latin typeface="Cambria Math" panose="02040503050406030204" pitchFamily="18" charset="0"/>
+                                </a:rPr>
+                                <m:t>2</m:t>
+                              </m:r>
+                              <m:r>
+                                <a:rPr lang="en-US" b="0" i="1" smtClean="0">
+                                  <a:latin typeface="Cambria Math" panose="02040503050406030204" pitchFamily="18" charset="0"/>
+                                </a:rPr>
+                                <m:t>𝑖</m:t>
+                              </m:r>
+                            </m:sub>
+                          </m:sSub>
+                        </m:e>
+                      </m:d>
+                      <m:r>
+                        <a:rPr lang="en-US" i="1">
+                          <a:latin typeface="Cambria Math" panose="02040503050406030204" pitchFamily="18" charset="0"/>
+                        </a:rPr>
+                        <m:t>+</m:t>
+                      </m:r>
+                      <m:sSub>
+                        <m:sSubPr>
+                          <m:ctrlPr>
+                            <a:rPr lang="en-US" i="1">
+                              <a:latin typeface="Cambria Math" panose="02040503050406030204" pitchFamily="18" charset="0"/>
+                            </a:rPr>
+                          </m:ctrlPr>
+                        </m:sSubPr>
+                        <m:e>
+                          <m:r>
+                            <a:rPr lang="en-US" i="1">
+                              <a:latin typeface="Cambria Math" panose="02040503050406030204" pitchFamily="18" charset="0"/>
+                            </a:rPr>
+                            <m:t>𝑢</m:t>
+                          </m:r>
+                        </m:e>
+                        <m:sub>
+                          <m:r>
+                            <a:rPr lang="en-US" i="1">
+                              <a:latin typeface="Cambria Math" panose="02040503050406030204" pitchFamily="18" charset="0"/>
+                            </a:rPr>
+                            <m:t>𝑖</m:t>
+                          </m:r>
+                        </m:sub>
+                      </m:sSub>
+                    </m:oMath>
+                  </m:oMathPara>
+                </a14:m>
+                <a:endParaRPr lang="en-US" i="1" dirty="0"/>
+              </a:p>
+              <a:p>
+                <a:pPr marL="0" indent="0">
+                  <a:buNone/>
+                </a:pPr>
+                <a14:m>
+                  <m:oMathPara xmlns:m="http://schemas.openxmlformats.org/officeDocument/2006/math">
+                    <m:oMathParaPr>
+                      <m:jc m:val="centerGroup"/>
+                    </m:oMathParaPr>
+                    <m:oMath xmlns:m="http://schemas.openxmlformats.org/officeDocument/2006/math">
+                      <m:sSub>
+                        <m:sSubPr>
+                          <m:ctrlPr>
+                            <a:rPr lang="en-US" b="0" i="1" smtClean="0">
+                              <a:latin typeface="Cambria Math" panose="02040503050406030204" pitchFamily="18" charset="0"/>
+                            </a:rPr>
+                          </m:ctrlPr>
+                        </m:sSubPr>
+                        <m:e>
+                          <m:r>
+                            <a:rPr lang="en-US" b="0" i="1" smtClean="0">
+                              <a:latin typeface="Cambria Math" panose="02040503050406030204" pitchFamily="18" charset="0"/>
+                            </a:rPr>
+                            <m:t>𝑊</m:t>
+                          </m:r>
+                        </m:e>
+                        <m:sub>
+                          <m:r>
+                            <a:rPr lang="en-US" b="0" i="1" smtClean="0">
+                              <a:latin typeface="Cambria Math" panose="02040503050406030204" pitchFamily="18" charset="0"/>
+                            </a:rPr>
+                            <m:t>𝑖</m:t>
+                          </m:r>
+                        </m:sub>
+                      </m:sSub>
+                      <m:r>
+                        <a:rPr lang="en-US" b="0" i="1" smtClean="0">
+                          <a:latin typeface="Cambria Math" panose="02040503050406030204" pitchFamily="18" charset="0"/>
+                        </a:rPr>
+                        <m:t>=</m:t>
+                      </m:r>
+                      <m:r>
+                        <a:rPr lang="en-US" b="0" i="1" smtClean="0">
+                          <a:latin typeface="Cambria Math" panose="02040503050406030204" pitchFamily="18" charset="0"/>
+                        </a:rPr>
+                        <m:t>h</m:t>
+                      </m:r>
+                      <m:r>
+                        <a:rPr lang="en-US" b="0" i="1" smtClean="0">
+                          <a:latin typeface="Cambria Math" panose="02040503050406030204" pitchFamily="18" charset="0"/>
+                        </a:rPr>
+                        <m:t>(</m:t>
+                      </m:r>
+                      <m:sSub>
+                        <m:sSubPr>
+                          <m:ctrlPr>
+                            <a:rPr lang="en-US" b="0" i="1" smtClean="0">
+                              <a:latin typeface="Cambria Math" panose="02040503050406030204" pitchFamily="18" charset="0"/>
+                            </a:rPr>
+                          </m:ctrlPr>
+                        </m:sSubPr>
+                        <m:e>
+                          <m:r>
+                            <a:rPr lang="en-US" b="0" i="1" smtClean="0">
+                              <a:latin typeface="Cambria Math" panose="02040503050406030204" pitchFamily="18" charset="0"/>
+                            </a:rPr>
+                            <m:t>𝑋</m:t>
+                          </m:r>
+                        </m:e>
+                        <m:sub>
+                          <m:r>
+                            <a:rPr lang="en-US" b="0" i="1" smtClean="0">
+                              <a:latin typeface="Cambria Math" panose="02040503050406030204" pitchFamily="18" charset="0"/>
+                            </a:rPr>
+                            <m:t>1</m:t>
+                          </m:r>
+                          <m:r>
+                            <a:rPr lang="en-US" b="0" i="1" smtClean="0">
+                              <a:latin typeface="Cambria Math" panose="02040503050406030204" pitchFamily="18" charset="0"/>
+                            </a:rPr>
+                            <m:t>𝑖</m:t>
+                          </m:r>
+                        </m:sub>
+                      </m:sSub>
+                      <m:r>
+                        <a:rPr lang="en-US" b="0" i="1" smtClean="0">
+                          <a:latin typeface="Cambria Math" panose="02040503050406030204" pitchFamily="18" charset="0"/>
+                        </a:rPr>
+                        <m:t>, </m:t>
+                      </m:r>
+                      <m:sSub>
+                        <m:sSubPr>
+                          <m:ctrlPr>
+                            <a:rPr lang="en-US" b="0" i="1" smtClean="0">
+                              <a:latin typeface="Cambria Math" panose="02040503050406030204" pitchFamily="18" charset="0"/>
+                            </a:rPr>
+                          </m:ctrlPr>
+                        </m:sSubPr>
+                        <m:e>
+                          <m:r>
+                            <a:rPr lang="en-US" b="0" i="1" smtClean="0">
+                              <a:latin typeface="Cambria Math" panose="02040503050406030204" pitchFamily="18" charset="0"/>
+                            </a:rPr>
+                            <m:t>𝑋</m:t>
+                          </m:r>
+                        </m:e>
+                        <m:sub>
+                          <m:r>
+                            <a:rPr lang="en-US" b="0" i="1" smtClean="0">
+                              <a:latin typeface="Cambria Math" panose="02040503050406030204" pitchFamily="18" charset="0"/>
+                            </a:rPr>
+                            <m:t>2</m:t>
+                          </m:r>
+                          <m:r>
+                            <a:rPr lang="en-US" b="0" i="1" smtClean="0">
+                              <a:latin typeface="Cambria Math" panose="02040503050406030204" pitchFamily="18" charset="0"/>
+                            </a:rPr>
+                            <m:t>𝑖</m:t>
+                          </m:r>
+                        </m:sub>
+                      </m:sSub>
+                      <m:r>
+                        <a:rPr lang="en-US" b="0" i="1" smtClean="0">
+                          <a:latin typeface="Cambria Math" panose="02040503050406030204" pitchFamily="18" charset="0"/>
+                        </a:rPr>
+                        <m:t>, </m:t>
+                      </m:r>
+                      <m:sSub>
+                        <m:sSubPr>
+                          <m:ctrlPr>
+                            <a:rPr lang="en-US" b="0" i="1" smtClean="0">
+                              <a:latin typeface="Cambria Math" panose="02040503050406030204" pitchFamily="18" charset="0"/>
+                            </a:rPr>
+                          </m:ctrlPr>
+                        </m:sSubPr>
+                        <m:e>
+                          <m:r>
+                            <a:rPr lang="en-US" b="0" i="1" smtClean="0">
+                              <a:latin typeface="Cambria Math" panose="02040503050406030204" pitchFamily="18" charset="0"/>
+                            </a:rPr>
+                            <m:t>𝜂</m:t>
+                          </m:r>
+                        </m:e>
+                        <m:sub>
+                          <m:r>
+                            <a:rPr lang="en-US" b="0" i="1" smtClean="0">
+                              <a:latin typeface="Cambria Math" panose="02040503050406030204" pitchFamily="18" charset="0"/>
+                            </a:rPr>
+                            <m:t>𝑖</m:t>
+                          </m:r>
+                        </m:sub>
+                      </m:sSub>
+                      <m:r>
+                        <a:rPr lang="en-US" b="0" i="1" smtClean="0">
+                          <a:latin typeface="Cambria Math" panose="02040503050406030204" pitchFamily="18" charset="0"/>
+                        </a:rPr>
+                        <m:t>)</m:t>
+                      </m:r>
+                    </m:oMath>
+                  </m:oMathPara>
+                </a14:m>
+                <a:endParaRPr lang="en-US" i="1" dirty="0"/>
+              </a:p>
+              <a:p>
+                <a:r>
+                  <a:rPr lang="en-US" dirty="0"/>
+                  <a:t>Where </a:t>
+                </a:r>
+                <a14:m>
+                  <m:oMath xmlns:m="http://schemas.openxmlformats.org/officeDocument/2006/math">
+                    <m:sSub>
+                      <m:sSubPr>
+                        <m:ctrlPr>
+                          <a:rPr lang="en-US" i="1">
+                            <a:latin typeface="Cambria Math" panose="02040503050406030204" pitchFamily="18" charset="0"/>
+                          </a:rPr>
+                        </m:ctrlPr>
+                      </m:sSubPr>
+                      <m:e>
+                        <m:r>
+                          <a:rPr lang="en-US" i="1">
+                            <a:latin typeface="Cambria Math" panose="02040503050406030204" pitchFamily="18" charset="0"/>
+                          </a:rPr>
+                          <m:t>𝑢</m:t>
+                        </m:r>
+                      </m:e>
+                      <m:sub>
+                        <m:r>
+                          <a:rPr lang="en-US" i="1">
+                            <a:latin typeface="Cambria Math" panose="02040503050406030204" pitchFamily="18" charset="0"/>
+                          </a:rPr>
+                          <m:t>𝑖</m:t>
+                        </m:r>
+                      </m:sub>
+                    </m:sSub>
+                  </m:oMath>
+                </a14:m>
+                <a:r>
+                  <a:rPr lang="en-US" dirty="0"/>
+                  <a:t> and</a:t>
+                </a:r>
+                <a14:m>
+                  <m:oMath xmlns:m="http://schemas.openxmlformats.org/officeDocument/2006/math">
+                    <m:r>
+                      <a:rPr lang="en-US" i="1">
+                        <a:latin typeface="Cambria Math" panose="02040503050406030204" pitchFamily="18" charset="0"/>
+                      </a:rPr>
+                      <m:t> </m:t>
+                    </m:r>
+                    <m:sSub>
+                      <m:sSubPr>
+                        <m:ctrlPr>
+                          <a:rPr lang="en-US" i="1">
+                            <a:latin typeface="Cambria Math" panose="02040503050406030204" pitchFamily="18" charset="0"/>
+                          </a:rPr>
+                        </m:ctrlPr>
+                      </m:sSubPr>
+                      <m:e>
+                        <m:r>
+                          <a:rPr lang="en-US" i="1">
+                            <a:latin typeface="Cambria Math" panose="02040503050406030204" pitchFamily="18" charset="0"/>
+                          </a:rPr>
+                          <m:t>𝜂</m:t>
+                        </m:r>
+                      </m:e>
+                      <m:sub>
+                        <m:r>
+                          <a:rPr lang="en-US" i="1">
+                            <a:latin typeface="Cambria Math" panose="02040503050406030204" pitchFamily="18" charset="0"/>
+                          </a:rPr>
+                          <m:t>𝑖</m:t>
+                        </m:r>
+                      </m:sub>
+                    </m:sSub>
+                  </m:oMath>
+                </a14:m>
+                <a:r>
+                  <a:rPr lang="en-US" dirty="0"/>
+                  <a:t> are random draws, and </a:t>
+                </a:r>
+                <a14:m>
+                  <m:oMath xmlns:m="http://schemas.openxmlformats.org/officeDocument/2006/math">
+                    <m:sSub>
+                      <m:sSubPr>
+                        <m:ctrlPr>
+                          <a:rPr lang="en-US" i="1">
+                            <a:latin typeface="Cambria Math" panose="02040503050406030204" pitchFamily="18" charset="0"/>
+                          </a:rPr>
+                        </m:ctrlPr>
+                      </m:sSubPr>
+                      <m:e>
+                        <m:r>
+                          <a:rPr lang="en-US" i="1">
+                            <a:latin typeface="Cambria Math" panose="02040503050406030204" pitchFamily="18" charset="0"/>
+                          </a:rPr>
+                          <m:t>𝑋</m:t>
+                        </m:r>
+                      </m:e>
+                      <m:sub>
+                        <m:r>
+                          <a:rPr lang="en-US" i="1">
+                            <a:latin typeface="Cambria Math" panose="02040503050406030204" pitchFamily="18" charset="0"/>
+                          </a:rPr>
+                          <m:t>1</m:t>
+                        </m:r>
+                        <m:r>
+                          <a:rPr lang="en-US" i="1">
+                            <a:latin typeface="Cambria Math" panose="02040503050406030204" pitchFamily="18" charset="0"/>
+                          </a:rPr>
+                          <m:t>𝑖</m:t>
+                        </m:r>
+                      </m:sub>
+                    </m:sSub>
+                    <m:r>
+                      <a:rPr lang="en-US" b="0" i="1" smtClean="0">
+                        <a:latin typeface="Cambria Math" panose="02040503050406030204" pitchFamily="18" charset="0"/>
+                      </a:rPr>
+                      <m:t> </m:t>
+                    </m:r>
+                    <m:r>
+                      <m:rPr>
+                        <m:nor/>
+                      </m:rPr>
+                      <a:rPr lang="en-US" b="0" i="0" smtClean="0">
+                        <a:latin typeface="Cambria Math" panose="02040503050406030204" pitchFamily="18" charset="0"/>
+                      </a:rPr>
+                      <m:t>and</m:t>
+                    </m:r>
+                    <m:r>
+                      <a:rPr lang="en-US" b="0" i="1" smtClean="0">
+                        <a:latin typeface="Cambria Math" panose="02040503050406030204" pitchFamily="18" charset="0"/>
+                      </a:rPr>
+                      <m:t> </m:t>
+                    </m:r>
+                    <m:sSub>
+                      <m:sSubPr>
+                        <m:ctrlPr>
+                          <a:rPr lang="en-US" i="1">
+                            <a:latin typeface="Cambria Math" panose="02040503050406030204" pitchFamily="18" charset="0"/>
+                          </a:rPr>
+                        </m:ctrlPr>
+                      </m:sSubPr>
+                      <m:e>
+                        <m:r>
+                          <a:rPr lang="en-US" i="1">
+                            <a:latin typeface="Cambria Math" panose="02040503050406030204" pitchFamily="18" charset="0"/>
+                          </a:rPr>
+                          <m:t>𝑋</m:t>
+                        </m:r>
+                      </m:e>
+                      <m:sub>
+                        <m:r>
+                          <a:rPr lang="en-US" i="1">
+                            <a:latin typeface="Cambria Math" panose="02040503050406030204" pitchFamily="18" charset="0"/>
+                          </a:rPr>
+                          <m:t>2</m:t>
+                        </m:r>
+                        <m:r>
+                          <a:rPr lang="en-US" i="1">
+                            <a:latin typeface="Cambria Math" panose="02040503050406030204" pitchFamily="18" charset="0"/>
+                          </a:rPr>
+                          <m:t>𝑖</m:t>
+                        </m:r>
+                      </m:sub>
+                    </m:sSub>
+                  </m:oMath>
+                </a14:m>
+                <a:r>
+                  <a:rPr lang="en-US" dirty="0"/>
+                  <a:t> are independent normally distributed features</a:t>
+                </a:r>
+              </a:p>
+              <a:p>
+                <a14:m>
+                  <m:oMath xmlns:m="http://schemas.openxmlformats.org/officeDocument/2006/math">
+                    <m:r>
+                      <a:rPr lang="en-US" i="1">
+                        <a:latin typeface="Cambria Math" panose="02040503050406030204" pitchFamily="18" charset="0"/>
+                      </a:rPr>
+                      <m:t>𝜏</m:t>
+                    </m:r>
+                  </m:oMath>
+                </a14:m>
+                <a:r>
+                  <a:rPr lang="en-US" dirty="0"/>
+                  <a:t> is the treatment effect, and the parameter of interest</a:t>
+                </a:r>
+              </a:p>
+              <a:p>
+                <a:endParaRPr lang="en-US" dirty="0"/>
+              </a:p>
+              <a:p>
+                <a:endParaRPr lang="en-US" dirty="0"/>
+              </a:p>
+            </p:txBody>
+          </p:sp>
+        </mc:Choice>
+        <mc:Fallback>
+          <p:sp>
+            <p:nvSpPr>
+              <p:cNvPr id="3" name="Content Placeholder 2">
+                <a:extLst>
+                  <a:ext uri="{FF2B5EF4-FFF2-40B4-BE49-F238E27FC236}">
+                    <a16:creationId xmlns:a16="http://schemas.microsoft.com/office/drawing/2014/main" id="{B9C1AAF8-47E2-6C43-87CD-A82B6D172979}"/>
+                  </a:ext>
+                </a:extLst>
+              </p:cNvPr>
+              <p:cNvSpPr>
+                <a:spLocks noGrp="1" noRot="1" noChangeAspect="1" noMove="1" noResize="1" noEditPoints="1" noAdjustHandles="1" noChangeArrowheads="1" noChangeShapeType="1" noTextEdit="1"/>
+              </p:cNvSpPr>
+              <p:nvPr>
+                <p:ph idx="1"/>
+              </p:nvPr>
+            </p:nvSpPr>
+            <p:spPr>
+              <a:blipFill>
+                <a:blip r:embed="rId3"/>
+                <a:stretch>
+                  <a:fillRect l="-1086" t="-2326" r="-1086"/>
+                </a:stretch>
+              </a:blipFill>
+            </p:spPr>
+            <p:txBody>
+              <a:bodyPr/>
+              <a:lstStyle/>
+              <a:p>
+                <a:r>
+                  <a:rPr lang="en-US">
+                    <a:noFill/>
+                  </a:rPr>
+                  <a:t> </a:t>
+                </a:r>
+              </a:p>
+            </p:txBody>
+          </p:sp>
+        </mc:Fallback>
+      </mc:AlternateContent>
     </p:spTree>
     <p:extLst>
       <p:ext uri="{BB962C8B-B14F-4D97-AF65-F5344CB8AC3E}">
-        <p14:creationId xmlns:p14="http://schemas.microsoft.com/office/powerpoint/2010/main" val="3742294393"/>
+        <p14:creationId xmlns:p14="http://schemas.microsoft.com/office/powerpoint/2010/main" val="127774686"/>
       </p:ext>
     </p:extLst>
   </p:cSld>
@@ -4609,10 +9302,10 @@
       </p:grpSpPr>
       <p:sp>
         <p:nvSpPr>
-          <p:cNvPr id="4" name="Title 3">
-            <a:extLst>
-              <a:ext uri="{FF2B5EF4-FFF2-40B4-BE49-F238E27FC236}">
-                <a16:creationId xmlns:a16="http://schemas.microsoft.com/office/drawing/2014/main" id="{6210D7AA-6874-D14C-ABFB-35F399DD76C6}"/>
+          <p:cNvPr id="2" name="Title 1">
+            <a:extLst>
+              <a:ext uri="{FF2B5EF4-FFF2-40B4-BE49-F238E27FC236}">
+                <a16:creationId xmlns:a16="http://schemas.microsoft.com/office/drawing/2014/main" id="{A0608226-C323-BA41-B120-CE7A91B1B260}"/>
               </a:ext>
             </a:extLst>
           </p:cNvPr>
@@ -4628,39 +9321,265 @@
           <a:bodyPr/>
           <a:lstStyle/>
           <a:p>
-            <a:endParaRPr lang="en-US"/>
+            <a:r>
+              <a:rPr lang="en-US" dirty="0"/>
+              <a:t>Simulation evidence</a:t>
+            </a:r>
           </a:p>
         </p:txBody>
       </p:sp>
-      <p:sp>
-        <p:nvSpPr>
-          <p:cNvPr id="5" name="Content Placeholder 4">
-            <a:extLst>
-              <a:ext uri="{FF2B5EF4-FFF2-40B4-BE49-F238E27FC236}">
-                <a16:creationId xmlns:a16="http://schemas.microsoft.com/office/drawing/2014/main" id="{59F2A1D3-6A45-2A4E-92BD-B25DA800456E}"/>
-              </a:ext>
-            </a:extLst>
-          </p:cNvPr>
-          <p:cNvSpPr>
-            <a:spLocks noGrp="1"/>
-          </p:cNvSpPr>
-          <p:nvPr>
-            <p:ph idx="1"/>
-          </p:nvPr>
-        </p:nvSpPr>
-        <p:spPr/>
-        <p:txBody>
-          <a:bodyPr/>
-          <a:lstStyle/>
-          <a:p>
-            <a:endParaRPr lang="en-US"/>
-          </a:p>
-        </p:txBody>
-      </p:sp>
+      <mc:AlternateContent xmlns:mc="http://schemas.openxmlformats.org/markup-compatibility/2006">
+        <mc:Choice xmlns:a14="http://schemas.microsoft.com/office/drawing/2010/main" Requires="a14">
+          <p:sp>
+            <p:nvSpPr>
+              <p:cNvPr id="3" name="Content Placeholder 2">
+                <a:extLst>
+                  <a:ext uri="{FF2B5EF4-FFF2-40B4-BE49-F238E27FC236}">
+                    <a16:creationId xmlns:a16="http://schemas.microsoft.com/office/drawing/2014/main" id="{26022529-B3C3-EB43-B61A-F12B6CF154A4}"/>
+                  </a:ext>
+                </a:extLst>
+              </p:cNvPr>
+              <p:cNvSpPr>
+                <a:spLocks noGrp="1"/>
+              </p:cNvSpPr>
+              <p:nvPr>
+                <p:ph idx="1"/>
+              </p:nvPr>
+            </p:nvSpPr>
+            <p:spPr/>
+            <p:txBody>
+              <a:bodyPr/>
+              <a:lstStyle/>
+              <a:p>
+                <a:r>
+                  <a:rPr lang="en-US" dirty="0"/>
+                  <a:t>When the true value of </a:t>
+                </a:r>
+                <a14:m>
+                  <m:oMath xmlns:m="http://schemas.openxmlformats.org/officeDocument/2006/math">
+                    <m:r>
+                      <a:rPr lang="en-US" i="1">
+                        <a:latin typeface="Cambria Math" panose="02040503050406030204" pitchFamily="18" charset="0"/>
+                      </a:rPr>
+                      <m:t>𝜏</m:t>
+                    </m:r>
+                  </m:oMath>
+                </a14:m>
+                <a:r>
+                  <a:rPr lang="en-US" dirty="0"/>
+                  <a:t> is 50, create outlier values in </a:t>
+                </a:r>
+                <a14:m>
+                  <m:oMath xmlns:m="http://schemas.openxmlformats.org/officeDocument/2006/math">
+                    <m:sSub>
+                      <m:sSubPr>
+                        <m:ctrlPr>
+                          <a:rPr lang="en-US" i="1">
+                            <a:latin typeface="Cambria Math" panose="02040503050406030204" pitchFamily="18" charset="0"/>
+                          </a:rPr>
+                        </m:ctrlPr>
+                      </m:sSubPr>
+                      <m:e>
+                        <m:r>
+                          <a:rPr lang="en-US" i="1">
+                            <a:latin typeface="Cambria Math" panose="02040503050406030204" pitchFamily="18" charset="0"/>
+                          </a:rPr>
+                          <m:t>𝑌</m:t>
+                        </m:r>
+                      </m:e>
+                      <m:sub>
+                        <m:r>
+                          <a:rPr lang="en-US" i="1">
+                            <a:latin typeface="Cambria Math" panose="02040503050406030204" pitchFamily="18" charset="0"/>
+                          </a:rPr>
+                          <m:t>𝑖</m:t>
+                        </m:r>
+                      </m:sub>
+                    </m:sSub>
+                  </m:oMath>
+                </a14:m>
+                <a:r>
+                  <a:rPr lang="en-US" dirty="0"/>
+                  <a:t> with large values of </a:t>
+                </a:r>
+                <a14:m>
+                  <m:oMath xmlns:m="http://schemas.openxmlformats.org/officeDocument/2006/math">
+                    <m:sSub>
+                      <m:sSubPr>
+                        <m:ctrlPr>
+                          <a:rPr lang="en-US" i="1">
+                            <a:latin typeface="Cambria Math" panose="02040503050406030204" pitchFamily="18" charset="0"/>
+                          </a:rPr>
+                        </m:ctrlPr>
+                      </m:sSubPr>
+                      <m:e>
+                        <m:r>
+                          <a:rPr lang="en-US" b="0" i="1" smtClean="0">
+                            <a:latin typeface="Cambria Math" panose="02040503050406030204" pitchFamily="18" charset="0"/>
+                          </a:rPr>
+                          <m:t>𝑢</m:t>
+                        </m:r>
+                      </m:e>
+                      <m:sub>
+                        <m:r>
+                          <a:rPr lang="en-US" i="1">
+                            <a:latin typeface="Cambria Math" panose="02040503050406030204" pitchFamily="18" charset="0"/>
+                          </a:rPr>
+                          <m:t>𝑖</m:t>
+                        </m:r>
+                      </m:sub>
+                    </m:sSub>
+                    <m:r>
+                      <a:rPr lang="en-US" b="0" i="1" smtClean="0">
+                        <a:latin typeface="Cambria Math" panose="02040503050406030204" pitchFamily="18" charset="0"/>
+                      </a:rPr>
+                      <m:t>.</m:t>
+                    </m:r>
+                  </m:oMath>
+                </a14:m>
+                <a:endParaRPr lang="en-US" dirty="0"/>
+              </a:p>
+              <a:p>
+                <a:pPr lvl="1"/>
+                <a:r>
+                  <a:rPr lang="en-US" dirty="0"/>
+                  <a:t>10% of observations have large values of </a:t>
+                </a:r>
+                <a14:m>
+                  <m:oMath xmlns:m="http://schemas.openxmlformats.org/officeDocument/2006/math">
+                    <m:sSub>
+                      <m:sSubPr>
+                        <m:ctrlPr>
+                          <a:rPr lang="en-US" i="1">
+                            <a:latin typeface="Cambria Math" panose="02040503050406030204" pitchFamily="18" charset="0"/>
+                          </a:rPr>
+                        </m:ctrlPr>
+                      </m:sSubPr>
+                      <m:e>
+                        <m:r>
+                          <a:rPr lang="en-US" i="1">
+                            <a:latin typeface="Cambria Math" panose="02040503050406030204" pitchFamily="18" charset="0"/>
+                          </a:rPr>
+                          <m:t>𝑢</m:t>
+                        </m:r>
+                      </m:e>
+                      <m:sub>
+                        <m:r>
+                          <a:rPr lang="en-US" i="1">
+                            <a:latin typeface="Cambria Math" panose="02040503050406030204" pitchFamily="18" charset="0"/>
+                          </a:rPr>
+                          <m:t>𝑖</m:t>
+                        </m:r>
+                      </m:sub>
+                    </m:sSub>
+                    <m:r>
+                      <a:rPr lang="en-US" i="1">
+                        <a:latin typeface="Cambria Math" panose="02040503050406030204" pitchFamily="18" charset="0"/>
+                      </a:rPr>
+                      <m:t>.</m:t>
+                    </m:r>
+                  </m:oMath>
+                </a14:m>
+                <a:endParaRPr lang="en-US" dirty="0"/>
+              </a:p>
+              <a:p>
+                <a:r>
+                  <a:rPr lang="en-US" dirty="0"/>
+                  <a:t>Compare the treatment estimate when those 10% do not have large values of </a:t>
+                </a:r>
+                <a14:m>
+                  <m:oMath xmlns:m="http://schemas.openxmlformats.org/officeDocument/2006/math">
+                    <m:sSub>
+                      <m:sSubPr>
+                        <m:ctrlPr>
+                          <a:rPr lang="en-US" i="1">
+                            <a:latin typeface="Cambria Math" panose="02040503050406030204" pitchFamily="18" charset="0"/>
+                          </a:rPr>
+                        </m:ctrlPr>
+                      </m:sSubPr>
+                      <m:e>
+                        <m:r>
+                          <a:rPr lang="en-US" i="1">
+                            <a:latin typeface="Cambria Math" panose="02040503050406030204" pitchFamily="18" charset="0"/>
+                          </a:rPr>
+                          <m:t>𝑢</m:t>
+                        </m:r>
+                      </m:e>
+                      <m:sub>
+                        <m:r>
+                          <a:rPr lang="en-US" i="1">
+                            <a:latin typeface="Cambria Math" panose="02040503050406030204" pitchFamily="18" charset="0"/>
+                          </a:rPr>
+                          <m:t>𝑖</m:t>
+                        </m:r>
+                      </m:sub>
+                    </m:sSub>
+                    <m:r>
+                      <a:rPr lang="en-US" i="1">
+                        <a:latin typeface="Cambria Math" panose="02040503050406030204" pitchFamily="18" charset="0"/>
+                      </a:rPr>
+                      <m:t>.</m:t>
+                    </m:r>
+                  </m:oMath>
+                </a14:m>
+                <a:endParaRPr lang="en-US" dirty="0"/>
+              </a:p>
+              <a:p>
+                <a:pPr marL="0" indent="0">
+                  <a:buNone/>
+                </a:pPr>
+                <a:r>
+                  <a:rPr lang="en-US" dirty="0"/>
+                  <a:t> </a:t>
+                </a:r>
+              </a:p>
+            </p:txBody>
+          </p:sp>
+        </mc:Choice>
+        <mc:Fallback>
+          <p:sp>
+            <p:nvSpPr>
+              <p:cNvPr id="3" name="Content Placeholder 2">
+                <a:extLst>
+                  <a:ext uri="{FF2B5EF4-FFF2-40B4-BE49-F238E27FC236}">
+                    <a16:creationId xmlns:a16="http://schemas.microsoft.com/office/drawing/2014/main" id="{26022529-B3C3-EB43-B61A-F12B6CF154A4}"/>
+                  </a:ext>
+                </a:extLst>
+              </p:cNvPr>
+              <p:cNvSpPr>
+                <a:spLocks noGrp="1" noRot="1" noChangeAspect="1" noMove="1" noResize="1" noEditPoints="1" noAdjustHandles="1" noChangeArrowheads="1" noChangeShapeType="1" noTextEdit="1"/>
+              </p:cNvSpPr>
+              <p:nvPr>
+                <p:ph idx="1"/>
+              </p:nvPr>
+            </p:nvSpPr>
+            <p:spPr>
+              <a:blipFill>
+                <a:blip r:embed="rId2"/>
+                <a:stretch>
+                  <a:fillRect l="-1086" t="-2326"/>
+                </a:stretch>
+              </a:blipFill>
+            </p:spPr>
+            <p:txBody>
+              <a:bodyPr/>
+              <a:lstStyle/>
+              <a:p>
+                <a:r>
+                  <a:rPr lang="en-US">
+                    <a:noFill/>
+                  </a:rPr>
+                  <a:t> </a:t>
+                </a:r>
+              </a:p>
+            </p:txBody>
+          </p:sp>
+        </mc:Fallback>
+      </mc:AlternateContent>
     </p:spTree>
     <p:extLst>
       <p:ext uri="{BB962C8B-B14F-4D97-AF65-F5344CB8AC3E}">
-        <p14:creationId xmlns:p14="http://schemas.microsoft.com/office/powerpoint/2010/main" val="3174559458"/>
+        <p14:creationId xmlns:p14="http://schemas.microsoft.com/office/powerpoint/2010/main" val="1802440485"/>
       </p:ext>
     </p:extLst>
   </p:cSld>
